--- a/Slides/1 概述/1 概述.pptx
+++ b/Slides/1 概述/1 概述.pptx
@@ -7,70 +7,71 @@
     <p:sldMasterId id="2147483811" r:id="rId3"/>
   </p:sldMasterIdLst>
   <p:notesMasterIdLst>
-    <p:notesMasterId r:id="rId65"/>
+    <p:notesMasterId r:id="rId66"/>
   </p:notesMasterIdLst>
   <p:sldIdLst>
     <p:sldId id="256" r:id="rId4"/>
     <p:sldId id="337" r:id="rId5"/>
-    <p:sldId id="336" r:id="rId6"/>
-    <p:sldId id="335" r:id="rId7"/>
-    <p:sldId id="338" r:id="rId8"/>
-    <p:sldId id="339" r:id="rId9"/>
-    <p:sldId id="341" r:id="rId10"/>
-    <p:sldId id="342" r:id="rId11"/>
-    <p:sldId id="259" r:id="rId12"/>
-    <p:sldId id="260" r:id="rId13"/>
-    <p:sldId id="267" r:id="rId14"/>
-    <p:sldId id="261" r:id="rId15"/>
-    <p:sldId id="269" r:id="rId16"/>
-    <p:sldId id="311" r:id="rId17"/>
-    <p:sldId id="271" r:id="rId18"/>
-    <p:sldId id="312" r:id="rId19"/>
-    <p:sldId id="272" r:id="rId20"/>
-    <p:sldId id="270" r:id="rId21"/>
-    <p:sldId id="273" r:id="rId22"/>
-    <p:sldId id="289" r:id="rId23"/>
-    <p:sldId id="276" r:id="rId24"/>
-    <p:sldId id="291" r:id="rId25"/>
-    <p:sldId id="277" r:id="rId26"/>
-    <p:sldId id="279" r:id="rId27"/>
-    <p:sldId id="315" r:id="rId28"/>
-    <p:sldId id="317" r:id="rId29"/>
-    <p:sldId id="319" r:id="rId30"/>
-    <p:sldId id="320" r:id="rId31"/>
-    <p:sldId id="321" r:id="rId32"/>
-    <p:sldId id="322" r:id="rId33"/>
-    <p:sldId id="323" r:id="rId34"/>
-    <p:sldId id="324" r:id="rId35"/>
-    <p:sldId id="325" r:id="rId36"/>
-    <p:sldId id="326" r:id="rId37"/>
-    <p:sldId id="327" r:id="rId38"/>
-    <p:sldId id="328" r:id="rId39"/>
-    <p:sldId id="329" r:id="rId40"/>
-    <p:sldId id="330" r:id="rId41"/>
-    <p:sldId id="331" r:id="rId42"/>
-    <p:sldId id="332" r:id="rId43"/>
-    <p:sldId id="292" r:id="rId44"/>
-    <p:sldId id="294" r:id="rId45"/>
-    <p:sldId id="293" r:id="rId46"/>
-    <p:sldId id="295" r:id="rId47"/>
-    <p:sldId id="296" r:id="rId48"/>
-    <p:sldId id="297" r:id="rId49"/>
-    <p:sldId id="298" r:id="rId50"/>
-    <p:sldId id="300" r:id="rId51"/>
-    <p:sldId id="301" r:id="rId52"/>
-    <p:sldId id="310" r:id="rId53"/>
-    <p:sldId id="302" r:id="rId54"/>
-    <p:sldId id="303" r:id="rId55"/>
-    <p:sldId id="304" r:id="rId56"/>
-    <p:sldId id="305" r:id="rId57"/>
-    <p:sldId id="306" r:id="rId58"/>
-    <p:sldId id="307" r:id="rId59"/>
-    <p:sldId id="333" r:id="rId60"/>
-    <p:sldId id="308" r:id="rId61"/>
-    <p:sldId id="309" r:id="rId62"/>
-    <p:sldId id="334" r:id="rId63"/>
-    <p:sldId id="280" r:id="rId64"/>
+    <p:sldId id="343" r:id="rId6"/>
+    <p:sldId id="336" r:id="rId7"/>
+    <p:sldId id="335" r:id="rId8"/>
+    <p:sldId id="338" r:id="rId9"/>
+    <p:sldId id="339" r:id="rId10"/>
+    <p:sldId id="341" r:id="rId11"/>
+    <p:sldId id="342" r:id="rId12"/>
+    <p:sldId id="259" r:id="rId13"/>
+    <p:sldId id="260" r:id="rId14"/>
+    <p:sldId id="267" r:id="rId15"/>
+    <p:sldId id="261" r:id="rId16"/>
+    <p:sldId id="269" r:id="rId17"/>
+    <p:sldId id="311" r:id="rId18"/>
+    <p:sldId id="271" r:id="rId19"/>
+    <p:sldId id="312" r:id="rId20"/>
+    <p:sldId id="272" r:id="rId21"/>
+    <p:sldId id="270" r:id="rId22"/>
+    <p:sldId id="273" r:id="rId23"/>
+    <p:sldId id="289" r:id="rId24"/>
+    <p:sldId id="276" r:id="rId25"/>
+    <p:sldId id="291" r:id="rId26"/>
+    <p:sldId id="277" r:id="rId27"/>
+    <p:sldId id="279" r:id="rId28"/>
+    <p:sldId id="315" r:id="rId29"/>
+    <p:sldId id="317" r:id="rId30"/>
+    <p:sldId id="319" r:id="rId31"/>
+    <p:sldId id="320" r:id="rId32"/>
+    <p:sldId id="321" r:id="rId33"/>
+    <p:sldId id="322" r:id="rId34"/>
+    <p:sldId id="323" r:id="rId35"/>
+    <p:sldId id="324" r:id="rId36"/>
+    <p:sldId id="325" r:id="rId37"/>
+    <p:sldId id="326" r:id="rId38"/>
+    <p:sldId id="327" r:id="rId39"/>
+    <p:sldId id="328" r:id="rId40"/>
+    <p:sldId id="329" r:id="rId41"/>
+    <p:sldId id="330" r:id="rId42"/>
+    <p:sldId id="331" r:id="rId43"/>
+    <p:sldId id="332" r:id="rId44"/>
+    <p:sldId id="292" r:id="rId45"/>
+    <p:sldId id="294" r:id="rId46"/>
+    <p:sldId id="293" r:id="rId47"/>
+    <p:sldId id="295" r:id="rId48"/>
+    <p:sldId id="296" r:id="rId49"/>
+    <p:sldId id="297" r:id="rId50"/>
+    <p:sldId id="298" r:id="rId51"/>
+    <p:sldId id="300" r:id="rId52"/>
+    <p:sldId id="301" r:id="rId53"/>
+    <p:sldId id="310" r:id="rId54"/>
+    <p:sldId id="302" r:id="rId55"/>
+    <p:sldId id="303" r:id="rId56"/>
+    <p:sldId id="304" r:id="rId57"/>
+    <p:sldId id="305" r:id="rId58"/>
+    <p:sldId id="306" r:id="rId59"/>
+    <p:sldId id="307" r:id="rId60"/>
+    <p:sldId id="333" r:id="rId61"/>
+    <p:sldId id="308" r:id="rId62"/>
+    <p:sldId id="309" r:id="rId63"/>
+    <p:sldId id="334" r:id="rId64"/>
+    <p:sldId id="280" r:id="rId65"/>
   </p:sldIdLst>
   <p:sldSz cx="9144000" cy="5143500" type="screen16x9"/>
   <p:notesSz cx="6858000" cy="9144000"/>
@@ -763,7 +764,7 @@
             <a:fld id="{1045AD43-7844-499D-8201-623ADA09D640}" type="slidenum">
               <a:rPr lang="en-US" altLang="zh-CN"/>
               <a:pPr/>
-              <a:t>16</a:t>
+              <a:t>17</a:t>
             </a:fld>
             <a:endParaRPr lang="en-US" altLang="zh-CN"/>
           </a:p>
@@ -851,7 +852,7 @@
             <a:fld id="{3832F82A-CF4B-45D6-AF03-7CEEB77AAFBF}" type="slidenum">
               <a:rPr lang="en-US" altLang="zh-CN"/>
               <a:pPr/>
-              <a:t>17</a:t>
+              <a:t>18</a:t>
             </a:fld>
             <a:endParaRPr lang="en-US" altLang="zh-CN"/>
           </a:p>
@@ -939,7 +940,7 @@
             <a:fld id="{F7628D69-2372-47BA-8627-42DEF3F2C04A}" type="slidenum">
               <a:rPr lang="en-US" altLang="zh-CN"/>
               <a:pPr/>
-              <a:t>18</a:t>
+              <a:t>19</a:t>
             </a:fld>
             <a:endParaRPr lang="en-US" altLang="zh-CN"/>
           </a:p>
@@ -1027,7 +1028,7 @@
             <a:fld id="{DECAB5C4-0B76-45DC-9037-E2A5E0FD7054}" type="slidenum">
               <a:rPr lang="en-US" altLang="zh-CN"/>
               <a:pPr/>
-              <a:t>19</a:t>
+              <a:t>20</a:t>
             </a:fld>
             <a:endParaRPr lang="en-US" altLang="zh-CN"/>
           </a:p>
@@ -1170,7 +1171,7 @@
             <a:fld id="{D8EFEB16-5047-4A94-81A7-887F19666D05}" type="slidenum">
               <a:rPr lang="en-US" altLang="zh-CN"/>
               <a:pPr/>
-              <a:t>20</a:t>
+              <a:t>21</a:t>
             </a:fld>
             <a:endParaRPr lang="en-US" altLang="zh-CN"/>
           </a:p>
@@ -1258,7 +1259,7 @@
             <a:fld id="{9D20CDF0-8750-4CA1-B670-AFC24701EF97}" type="slidenum">
               <a:rPr lang="en-US" altLang="zh-CN"/>
               <a:pPr/>
-              <a:t>21</a:t>
+              <a:t>22</a:t>
             </a:fld>
             <a:endParaRPr lang="en-US" altLang="zh-CN"/>
           </a:p>
@@ -1346,7 +1347,7 @@
             <a:fld id="{959A8C09-2687-43F7-A864-E3D4DEEA5B66}" type="slidenum">
               <a:rPr lang="en-US" altLang="zh-CN"/>
               <a:pPr/>
-              <a:t>22</a:t>
+              <a:t>23</a:t>
             </a:fld>
             <a:endParaRPr lang="en-US" altLang="zh-CN"/>
           </a:p>
@@ -1434,7 +1435,7 @@
             <a:fld id="{AF04363B-0584-4F45-81AC-3180A077A28B}" type="slidenum">
               <a:rPr lang="en-US" altLang="zh-CN"/>
               <a:pPr/>
-              <a:t>23</a:t>
+              <a:t>24</a:t>
             </a:fld>
             <a:endParaRPr lang="en-US" altLang="zh-CN"/>
           </a:p>
@@ -1601,7 +1602,7 @@
             <a:fld id="{345602BC-290A-401C-AED0-B8AE579E9BC1}" type="slidenum">
               <a:rPr lang="en-US" altLang="zh-CN"/>
               <a:pPr/>
-              <a:t>24</a:t>
+              <a:t>25</a:t>
             </a:fld>
             <a:endParaRPr lang="en-US" altLang="zh-CN"/>
           </a:p>
@@ -2196,7 +2197,7 @@
             <a:fld id="{782B852A-3FA0-4871-A61A-1A0F532B2D5C}" type="slidenum">
               <a:rPr lang="en-US" altLang="zh-CN"/>
               <a:pPr/>
-              <a:t>25</a:t>
+              <a:t>26</a:t>
             </a:fld>
             <a:endParaRPr lang="en-US" altLang="zh-CN"/>
           </a:p>
@@ -3953,7 +3954,7 @@
             <a:fld id="{F188F3DA-A521-44E3-B377-72683EC7CA68}" type="slidenum">
               <a:rPr lang="en-US" altLang="zh-CN"/>
               <a:pPr/>
-              <a:t>7</a:t>
+              <a:t>8</a:t>
             </a:fld>
             <a:endParaRPr lang="en-US" altLang="zh-CN"/>
           </a:p>
@@ -4041,7 +4042,7 @@
             <a:fld id="{8C445C3F-2A12-44C5-A674-F683E1864436}" type="slidenum">
               <a:rPr lang="en-US" altLang="zh-CN"/>
               <a:pPr/>
-              <a:t>26</a:t>
+              <a:t>27</a:t>
             </a:fld>
             <a:endParaRPr lang="en-US" altLang="zh-CN"/>
           </a:p>
@@ -4945,7 +4946,7 @@
             <a:fld id="{FE0B0CF5-ECCB-49A3-8B4F-C4CEAA49128A}" type="slidenum">
               <a:rPr lang="en-US" altLang="zh-CN"/>
               <a:pPr/>
-              <a:t>27</a:t>
+              <a:t>28</a:t>
             </a:fld>
             <a:endParaRPr lang="en-US" altLang="zh-CN"/>
           </a:p>
@@ -5056,7 +5057,7 @@
             <a:fld id="{3BCCD7EA-A791-4327-AE4A-F9A340B16FFE}" type="slidenum">
               <a:rPr lang="en-US" altLang="zh-CN"/>
               <a:pPr/>
-              <a:t>28</a:t>
+              <a:t>29</a:t>
             </a:fld>
             <a:endParaRPr lang="en-US" altLang="zh-CN"/>
           </a:p>
@@ -5144,7 +5145,7 @@
             <a:fld id="{7D4A7128-A07E-40BB-80F8-B01AA2E30604}" type="slidenum">
               <a:rPr lang="en-US" altLang="zh-CN"/>
               <a:pPr/>
-              <a:t>29</a:t>
+              <a:t>30</a:t>
             </a:fld>
             <a:endParaRPr lang="en-US" altLang="zh-CN"/>
           </a:p>
@@ -5232,7 +5233,7 @@
             <a:fld id="{DEE9CCD0-AE7E-44A1-8BFE-FBEF70E7C47F}" type="slidenum">
               <a:rPr lang="en-US" altLang="zh-CN"/>
               <a:pPr/>
-              <a:t>30</a:t>
+              <a:t>31</a:t>
             </a:fld>
             <a:endParaRPr lang="en-US" altLang="zh-CN"/>
           </a:p>
@@ -5320,7 +5321,7 @@
             <a:fld id="{F0893E2D-6B10-4048-9458-09EA1481FB05}" type="slidenum">
               <a:rPr lang="en-US" altLang="zh-CN"/>
               <a:pPr/>
-              <a:t>31</a:t>
+              <a:t>32</a:t>
             </a:fld>
             <a:endParaRPr lang="en-US" altLang="zh-CN"/>
           </a:p>
@@ -5408,7 +5409,7 @@
             <a:fld id="{B3952454-D32B-4E4E-A5E3-87D0246E03C6}" type="slidenum">
               <a:rPr lang="en-US" altLang="zh-CN"/>
               <a:pPr/>
-              <a:t>32</a:t>
+              <a:t>33</a:t>
             </a:fld>
             <a:endParaRPr lang="en-US" altLang="zh-CN"/>
           </a:p>
@@ -5496,7 +5497,7 @@
             <a:fld id="{824554DA-A968-4F04-A1A7-0BAB66EDD39F}" type="slidenum">
               <a:rPr lang="en-US" altLang="zh-CN"/>
               <a:pPr/>
-              <a:t>33</a:t>
+              <a:t>34</a:t>
             </a:fld>
             <a:endParaRPr lang="en-US" altLang="zh-CN"/>
           </a:p>
@@ -5584,7 +5585,7 @@
             <a:fld id="{C800032B-79B1-4C90-B902-E6089EFDD452}" type="slidenum">
               <a:rPr lang="en-US" altLang="zh-CN"/>
               <a:pPr/>
-              <a:t>34</a:t>
+              <a:t>35</a:t>
             </a:fld>
             <a:endParaRPr lang="en-US" altLang="zh-CN"/>
           </a:p>
@@ -5672,7 +5673,7 @@
             <a:fld id="{3857614A-EE41-462B-8949-631C0D77A00D}" type="slidenum">
               <a:rPr lang="en-US" altLang="zh-CN"/>
               <a:pPr/>
-              <a:t>35</a:t>
+              <a:t>36</a:t>
             </a:fld>
             <a:endParaRPr lang="en-US" altLang="zh-CN"/>
           </a:p>
@@ -5760,7 +5761,7 @@
             <a:fld id="{56EE9BD2-9F99-4CA3-98C2-886A9CDA113C}" type="slidenum">
               <a:rPr lang="en-US" altLang="zh-CN"/>
               <a:pPr/>
-              <a:t>9</a:t>
+              <a:t>10</a:t>
             </a:fld>
             <a:endParaRPr lang="en-US" altLang="zh-CN"/>
           </a:p>
@@ -5848,7 +5849,7 @@
             <a:fld id="{F5A0CE71-9162-4B30-B0B0-1D85D4FF5217}" type="slidenum">
               <a:rPr lang="en-US" altLang="zh-CN"/>
               <a:pPr/>
-              <a:t>36</a:t>
+              <a:t>37</a:t>
             </a:fld>
             <a:endParaRPr lang="en-US" altLang="zh-CN"/>
           </a:p>
@@ -5936,7 +5937,7 @@
             <a:fld id="{E1C022C7-90BF-4205-B746-BF5086DAD693}" type="slidenum">
               <a:rPr lang="en-US" altLang="zh-CN"/>
               <a:pPr/>
-              <a:t>37</a:t>
+              <a:t>38</a:t>
             </a:fld>
             <a:endParaRPr lang="en-US" altLang="zh-CN"/>
           </a:p>
@@ -6024,7 +6025,7 @@
             <a:fld id="{36055D80-2AF9-4385-B8B4-9D0F2751F33F}" type="slidenum">
               <a:rPr lang="en-US" altLang="zh-CN"/>
               <a:pPr/>
-              <a:t>38</a:t>
+              <a:t>39</a:t>
             </a:fld>
             <a:endParaRPr lang="en-US" altLang="zh-CN"/>
           </a:p>
@@ -6112,7 +6113,7 @@
             <a:fld id="{74FFC169-EBEE-4394-A0F1-AA3A454A2C21}" type="slidenum">
               <a:rPr lang="en-US" altLang="zh-CN"/>
               <a:pPr/>
-              <a:t>39</a:t>
+              <a:t>40</a:t>
             </a:fld>
             <a:endParaRPr lang="en-US" altLang="zh-CN"/>
           </a:p>
@@ -6200,7 +6201,7 @@
             <a:fld id="{A6732C74-9681-42CF-8D36-14CD654F141B}" type="slidenum">
               <a:rPr lang="en-US" altLang="zh-CN"/>
               <a:pPr/>
-              <a:t>40</a:t>
+              <a:t>41</a:t>
             </a:fld>
             <a:endParaRPr lang="en-US" altLang="zh-CN"/>
           </a:p>
@@ -6288,7 +6289,7 @@
             <a:fld id="{B0E7C099-226E-4891-80D0-75D16A401350}" type="slidenum">
               <a:rPr lang="en-US" altLang="zh-CN"/>
               <a:pPr/>
-              <a:t>41</a:t>
+              <a:t>42</a:t>
             </a:fld>
             <a:endParaRPr lang="en-US" altLang="zh-CN"/>
           </a:p>
@@ -6376,7 +6377,7 @@
             <a:fld id="{0A671E71-3A9C-4BC5-B525-B3765812549F}" type="slidenum">
               <a:rPr lang="en-US" altLang="zh-CN"/>
               <a:pPr/>
-              <a:t>42</a:t>
+              <a:t>43</a:t>
             </a:fld>
             <a:endParaRPr lang="en-US" altLang="zh-CN"/>
           </a:p>
@@ -6611,7 +6612,7 @@
             <a:fld id="{0EF2234D-FED4-47B4-8511-06FD55DDD3DB}" type="slidenum">
               <a:rPr lang="en-US" altLang="zh-CN"/>
               <a:pPr/>
-              <a:t>43</a:t>
+              <a:t>44</a:t>
             </a:fld>
             <a:endParaRPr lang="en-US" altLang="zh-CN"/>
           </a:p>
@@ -6699,7 +6700,7 @@
             <a:fld id="{39B93727-E7E9-4F5E-9BBD-AEF3D32585A6}" type="slidenum">
               <a:rPr lang="en-US" altLang="zh-CN"/>
               <a:pPr/>
-              <a:t>44</a:t>
+              <a:t>45</a:t>
             </a:fld>
             <a:endParaRPr lang="en-US" altLang="zh-CN"/>
           </a:p>
@@ -6787,7 +6788,7 @@
             <a:fld id="{1F285EFF-2E04-4BDD-A4E1-EA587D2CB706}" type="slidenum">
               <a:rPr lang="en-US" altLang="zh-CN"/>
               <a:pPr/>
-              <a:t>45</a:t>
+              <a:t>46</a:t>
             </a:fld>
             <a:endParaRPr lang="en-US" altLang="zh-CN"/>
           </a:p>
@@ -6875,7 +6876,7 @@
             <a:fld id="{3B2CAEE6-CDD6-4B2F-9960-AA64FD4E1243}" type="slidenum">
               <a:rPr lang="en-US" altLang="zh-CN"/>
               <a:pPr/>
-              <a:t>10</a:t>
+              <a:t>11</a:t>
             </a:fld>
             <a:endParaRPr lang="en-US" altLang="zh-CN"/>
           </a:p>
@@ -7026,7 +7027,7 @@
             <a:fld id="{BF353467-1DE1-44D9-9A0B-FDFAC9EE66A3}" type="slidenum">
               <a:rPr lang="en-US" altLang="zh-CN"/>
               <a:pPr/>
-              <a:t>46</a:t>
+              <a:t>47</a:t>
             </a:fld>
             <a:endParaRPr lang="en-US" altLang="zh-CN"/>
           </a:p>
@@ -7129,7 +7130,7 @@
             <a:fld id="{533E8843-1159-4E70-AE2F-A5B9273492E2}" type="slidenum">
               <a:rPr lang="en-US" altLang="zh-CN"/>
               <a:pPr/>
-              <a:t>47</a:t>
+              <a:t>48</a:t>
             </a:fld>
             <a:endParaRPr lang="en-US" altLang="zh-CN"/>
           </a:p>
@@ -7217,7 +7218,7 @@
             <a:fld id="{DF76B2BB-0EDF-407B-9AE6-62A050906596}" type="slidenum">
               <a:rPr lang="en-US" altLang="zh-CN"/>
               <a:pPr/>
-              <a:t>48</a:t>
+              <a:t>49</a:t>
             </a:fld>
             <a:endParaRPr lang="en-US" altLang="zh-CN"/>
           </a:p>
@@ -7374,7 +7375,7 @@
             <a:fld id="{5739D1D9-A38F-4533-B9BE-8A19B85D11F1}" type="slidenum">
               <a:rPr lang="en-US" altLang="zh-CN"/>
               <a:pPr/>
-              <a:t>49</a:t>
+              <a:t>50</a:t>
             </a:fld>
             <a:endParaRPr lang="en-US" altLang="zh-CN"/>
           </a:p>
@@ -7462,7 +7463,7 @@
             <a:fld id="{A4E56FB3-9260-4A5C-9AB7-3FECEB8EC409}" type="slidenum">
               <a:rPr lang="en-US" altLang="zh-CN"/>
               <a:pPr/>
-              <a:t>50</a:t>
+              <a:t>51</a:t>
             </a:fld>
             <a:endParaRPr lang="en-US" altLang="zh-CN"/>
           </a:p>
@@ -7550,7 +7551,7 @@
             <a:fld id="{46CBD6C5-21D4-4B20-ABD0-A9D097F5F282}" type="slidenum">
               <a:rPr lang="en-US" altLang="zh-CN"/>
               <a:pPr/>
-              <a:t>51</a:t>
+              <a:t>52</a:t>
             </a:fld>
             <a:endParaRPr lang="en-US" altLang="zh-CN"/>
           </a:p>
@@ -7957,7 +7958,7 @@
             <a:fld id="{CF626F91-35DD-41DA-808E-549DF8601B3A}" type="slidenum">
               <a:rPr lang="en-US" altLang="zh-CN"/>
               <a:pPr/>
-              <a:t>52</a:t>
+              <a:t>53</a:t>
             </a:fld>
             <a:endParaRPr lang="en-US" altLang="zh-CN"/>
           </a:p>
@@ -8045,7 +8046,7 @@
             <a:fld id="{2F5777DD-0B5A-4946-AE05-0B46669F44F6}" type="slidenum">
               <a:rPr lang="en-US" altLang="zh-CN"/>
               <a:pPr/>
-              <a:t>53</a:t>
+              <a:t>54</a:t>
             </a:fld>
             <a:endParaRPr lang="en-US" altLang="zh-CN"/>
           </a:p>
@@ -8204,7 +8205,7 @@
             <a:fld id="{3B1A780F-3ABD-4F3B-AEFE-1E7E0268D7A0}" type="slidenum">
               <a:rPr lang="en-US" altLang="zh-CN"/>
               <a:pPr/>
-              <a:t>54</a:t>
+              <a:t>55</a:t>
             </a:fld>
             <a:endParaRPr lang="en-US" altLang="zh-CN"/>
           </a:p>
@@ -8292,7 +8293,7 @@
             <a:fld id="{119EEE01-46E1-45AE-9299-3306872CE3FA}" type="slidenum">
               <a:rPr lang="en-US" altLang="zh-CN"/>
               <a:pPr/>
-              <a:t>55</a:t>
+              <a:t>56</a:t>
             </a:fld>
             <a:endParaRPr lang="en-US" altLang="zh-CN"/>
           </a:p>
@@ -8843,7 +8844,7 @@
             <a:fld id="{D7D5C732-08AA-43CD-9AEE-030D778E04CE}" type="slidenum">
               <a:rPr lang="en-US" altLang="zh-CN"/>
               <a:pPr/>
-              <a:t>11</a:t>
+              <a:t>12</a:t>
             </a:fld>
             <a:endParaRPr lang="en-US" altLang="zh-CN"/>
           </a:p>
@@ -8931,7 +8932,7 @@
             <a:fld id="{EA5D9432-AE2C-4203-897D-5682B736DF96}" type="slidenum">
               <a:rPr lang="en-US" altLang="zh-CN"/>
               <a:pPr/>
-              <a:t>56</a:t>
+              <a:t>57</a:t>
             </a:fld>
             <a:endParaRPr lang="en-US" altLang="zh-CN"/>
           </a:p>
@@ -9072,7 +9073,7 @@
             <a:fld id="{56D67DF8-5153-4D33-9CB8-BE87DA9EFD1E}" type="slidenum">
               <a:rPr lang="en-US" altLang="zh-CN"/>
               <a:pPr/>
-              <a:t>57</a:t>
+              <a:t>58</a:t>
             </a:fld>
             <a:endParaRPr lang="en-US" altLang="zh-CN"/>
           </a:p>
@@ -9160,7 +9161,7 @@
             <a:fld id="{E04E0C46-7155-4FE0-BF4C-E1423092DB7B}" type="slidenum">
               <a:rPr lang="en-US" altLang="zh-CN"/>
               <a:pPr/>
-              <a:t>58</a:t>
+              <a:t>59</a:t>
             </a:fld>
             <a:endParaRPr lang="en-US" altLang="zh-CN"/>
           </a:p>
@@ -9291,7 +9292,7 @@
             <a:fld id="{688B8F11-5004-4932-9D32-12A1CC595A75}" type="slidenum">
               <a:rPr lang="en-US" altLang="zh-CN"/>
               <a:pPr/>
-              <a:t>59</a:t>
+              <a:t>60</a:t>
             </a:fld>
             <a:endParaRPr lang="en-US" altLang="zh-CN"/>
           </a:p>
@@ -9409,7 +9410,7 @@
             <a:fld id="{6ED9E4F6-3A53-40E9-98DF-B679CBCD62B2}" type="slidenum">
               <a:rPr lang="en-US" altLang="zh-CN"/>
               <a:pPr/>
-              <a:t>60</a:t>
+              <a:t>61</a:t>
             </a:fld>
             <a:endParaRPr lang="en-US" altLang="zh-CN"/>
           </a:p>
@@ -9497,7 +9498,7 @@
             <a:fld id="{0FDA8C88-1441-4BFA-81E2-A1C218A3E996}" type="slidenum">
               <a:rPr lang="en-US" altLang="zh-CN"/>
               <a:pPr/>
-              <a:t>61</a:t>
+              <a:t>62</a:t>
             </a:fld>
             <a:endParaRPr lang="en-US" altLang="zh-CN"/>
           </a:p>
@@ -9585,7 +9586,7 @@
             <a:fld id="{8E9DA939-6C33-4DD9-811C-CC4488472AC7}" type="slidenum">
               <a:rPr lang="en-US" altLang="zh-CN"/>
               <a:pPr/>
-              <a:t>12</a:t>
+              <a:t>13</a:t>
             </a:fld>
             <a:endParaRPr lang="en-US" altLang="zh-CN"/>
           </a:p>
@@ -10081,7 +10082,7 @@
             <a:fld id="{DBC09F27-01FF-4A91-A95C-FF4B9E1BAF5F}" type="slidenum">
               <a:rPr lang="en-US" altLang="zh-CN"/>
               <a:pPr/>
-              <a:t>13</a:t>
+              <a:t>14</a:t>
             </a:fld>
             <a:endParaRPr lang="en-US" altLang="zh-CN"/>
           </a:p>
@@ -10577,7 +10578,7 @@
             <a:fld id="{D3E1B433-3F4F-4476-B3B3-106D13FB98F7}" type="slidenum">
               <a:rPr lang="en-US" altLang="zh-CN"/>
               <a:pPr/>
-              <a:t>14</a:t>
+              <a:t>15</a:t>
             </a:fld>
             <a:endParaRPr lang="en-US" altLang="zh-CN"/>
           </a:p>
@@ -10665,7 +10666,7 @@
             <a:fld id="{9A6766FE-CE82-4666-A014-B5CCA2153A17}" type="slidenum">
               <a:rPr lang="en-US" altLang="zh-CN"/>
               <a:pPr/>
-              <a:t>15</a:t>
+              <a:t>16</a:t>
             </a:fld>
             <a:endParaRPr lang="en-US" altLang="zh-CN"/>
           </a:p>
@@ -32188,7 +32189,7 @@
       </p:grpSpPr>
       <p:sp>
         <p:nvSpPr>
-          <p:cNvPr id="13314" name="Rectangle 2"/>
+          <p:cNvPr id="12290" name="Rectangle 2"/>
           <p:cNvSpPr>
             <a:spLocks noGrp="1" noChangeArrowheads="1"/>
           </p:cNvSpPr>
@@ -32202,15 +32203,16 @@
           <a:lstStyle/>
           <a:p>
             <a:r>
-              <a:rPr lang="zh-CN" altLang="en-US" sz="3200"/>
-              <a:t>物理在游戏中的重要性</a:t>
-            </a:r>
-          </a:p>
-        </p:txBody>
-      </p:sp>
-      <p:sp>
-        <p:nvSpPr>
-          <p:cNvPr id="13315" name="Rectangle 3"/>
+              <a:rPr lang="zh-CN" altLang="en-US" sz="3200" dirty="0" smtClean="0"/>
+              <a:t>更加先进的物理仿真演示</a:t>
+            </a:r>
+            <a:endParaRPr lang="zh-CN" altLang="en-US" sz="3200" dirty="0"/>
+          </a:p>
+        </p:txBody>
+      </p:sp>
+      <p:sp>
+        <p:nvSpPr>
+          <p:cNvPr id="12291" name="Rectangle 3"/>
           <p:cNvSpPr>
             <a:spLocks noGrp="1" noChangeArrowheads="1"/>
           </p:cNvSpPr>
@@ -32220,76 +32222,31 @@
         </p:nvSpPr>
         <p:spPr/>
         <p:txBody>
-          <a:bodyPr>
-            <a:normAutofit fontScale="85000" lnSpcReduction="10000"/>
-          </a:bodyPr>
+          <a:bodyPr/>
           <a:lstStyle/>
           <a:p>
-            <a:r>
-              <a:rPr lang="zh-CN" altLang="en-US" dirty="0"/>
-              <a:t>对于物理仿真来说，有两种类型</a:t>
-            </a:r>
-          </a:p>
-          <a:p>
-            <a:pPr lvl="1"/>
-            <a:r>
-              <a:rPr lang="zh-CN" altLang="en-US" dirty="0"/>
-              <a:t>实时（</a:t>
-            </a:r>
-            <a:r>
-              <a:rPr lang="en-US" altLang="zh-CN" dirty="0"/>
-              <a:t>real-time </a:t>
-            </a:r>
-            <a:r>
-              <a:rPr lang="zh-CN" altLang="en-US" dirty="0"/>
-              <a:t>）</a:t>
-            </a:r>
-          </a:p>
-          <a:p>
-            <a:pPr lvl="1"/>
-            <a:r>
-              <a:rPr lang="zh-CN" altLang="en-US" dirty="0"/>
-              <a:t>高精度（</a:t>
-            </a:r>
-            <a:r>
-              <a:rPr lang="en-US" altLang="zh-CN" dirty="0"/>
-              <a:t>high precision</a:t>
-            </a:r>
-            <a:r>
-              <a:rPr lang="zh-CN" altLang="en-US" dirty="0"/>
-              <a:t>）</a:t>
-            </a:r>
-          </a:p>
-          <a:p>
-            <a:r>
-              <a:rPr lang="zh-CN" altLang="en-US" dirty="0"/>
-              <a:t>对于游戏应用来说</a:t>
-            </a:r>
-          </a:p>
-          <a:p>
-            <a:pPr lvl="1"/>
-            <a:r>
-              <a:rPr lang="zh-CN" altLang="en-US" dirty="0"/>
-              <a:t>实时性更为重要</a:t>
-            </a:r>
-          </a:p>
-          <a:p>
-            <a:pPr lvl="1"/>
-            <a:r>
-              <a:rPr lang="zh-CN" altLang="en-US" dirty="0"/>
-              <a:t>但现代游戏在注重实时性的同时努力提高仿真</a:t>
-            </a:r>
-            <a:r>
-              <a:rPr lang="zh-CN" altLang="en-US" dirty="0" smtClean="0"/>
-              <a:t>精确性</a:t>
-            </a:r>
-            <a:endParaRPr lang="zh-CN" altLang="en-US" dirty="0"/>
-          </a:p>
-          <a:p>
-            <a:r>
-              <a:rPr lang="zh-CN" altLang="en-US" dirty="0"/>
-              <a:t>由于游戏对于物理的追求越来越多，导致硬件竞争也在加剧</a:t>
-            </a:r>
+            <a:endParaRPr lang="en-US" altLang="zh-CN" dirty="0"/>
+          </a:p>
+          <a:p>
+            <a:endParaRPr lang="en-US" altLang="zh-CN" dirty="0"/>
+          </a:p>
+          <a:p>
+            <a:r>
+              <a:rPr lang="en-US" altLang="zh-CN" dirty="0">
+                <a:hlinkClick r:id="rId3"/>
+              </a:rPr>
+              <a:t>https://</a:t>
+            </a:r>
+            <a:r>
+              <a:rPr lang="en-US" altLang="zh-CN" dirty="0" smtClean="0">
+                <a:hlinkClick r:id="rId3"/>
+              </a:rPr>
+              <a:t>www.geforce.com/hardware/technology/physx/videos</a:t>
+            </a:r>
+            <a:endParaRPr lang="en-US" altLang="zh-CN" dirty="0" smtClean="0"/>
+          </a:p>
+          <a:p>
+            <a:endParaRPr lang="en-US" altLang="zh-CN" dirty="0"/>
           </a:p>
         </p:txBody>
       </p:sp>
@@ -32312,6 +32269,148 @@
 </file>
 
 <file path=ppt/slides/slide11.xml><?xml version="1.0" encoding="utf-8"?>
+<p:sld xmlns:a="http://schemas.openxmlformats.org/drawingml/2006/main" xmlns:r="http://schemas.openxmlformats.org/officeDocument/2006/relationships" xmlns:p="http://schemas.openxmlformats.org/presentationml/2006/main">
+  <p:cSld>
+    <p:spTree>
+      <p:nvGrpSpPr>
+        <p:cNvPr id="1" name=""/>
+        <p:cNvGrpSpPr/>
+        <p:nvPr/>
+      </p:nvGrpSpPr>
+      <p:grpSpPr>
+        <a:xfrm>
+          <a:off x="0" y="0"/>
+          <a:ext cx="0" cy="0"/>
+          <a:chOff x="0" y="0"/>
+          <a:chExt cx="0" cy="0"/>
+        </a:xfrm>
+      </p:grpSpPr>
+      <p:sp>
+        <p:nvSpPr>
+          <p:cNvPr id="13314" name="Rectangle 2"/>
+          <p:cNvSpPr>
+            <a:spLocks noGrp="1" noChangeArrowheads="1"/>
+          </p:cNvSpPr>
+          <p:nvPr>
+            <p:ph type="title"/>
+          </p:nvPr>
+        </p:nvSpPr>
+        <p:spPr/>
+        <p:txBody>
+          <a:bodyPr/>
+          <a:lstStyle/>
+          <a:p>
+            <a:r>
+              <a:rPr lang="zh-CN" altLang="en-US" sz="3200"/>
+              <a:t>物理在游戏中的重要性</a:t>
+            </a:r>
+          </a:p>
+        </p:txBody>
+      </p:sp>
+      <p:sp>
+        <p:nvSpPr>
+          <p:cNvPr id="13315" name="Rectangle 3"/>
+          <p:cNvSpPr>
+            <a:spLocks noGrp="1" noChangeArrowheads="1"/>
+          </p:cNvSpPr>
+          <p:nvPr>
+            <p:ph idx="1"/>
+          </p:nvPr>
+        </p:nvSpPr>
+        <p:spPr/>
+        <p:txBody>
+          <a:bodyPr>
+            <a:normAutofit fontScale="85000" lnSpcReduction="10000"/>
+          </a:bodyPr>
+          <a:lstStyle/>
+          <a:p>
+            <a:r>
+              <a:rPr lang="zh-CN" altLang="en-US" dirty="0"/>
+              <a:t>对于物理仿真来说，有两种类型</a:t>
+            </a:r>
+          </a:p>
+          <a:p>
+            <a:pPr lvl="1"/>
+            <a:r>
+              <a:rPr lang="zh-CN" altLang="en-US" dirty="0"/>
+              <a:t>实时（</a:t>
+            </a:r>
+            <a:r>
+              <a:rPr lang="en-US" altLang="zh-CN" dirty="0"/>
+              <a:t>real-time </a:t>
+            </a:r>
+            <a:r>
+              <a:rPr lang="zh-CN" altLang="en-US" dirty="0"/>
+              <a:t>）</a:t>
+            </a:r>
+          </a:p>
+          <a:p>
+            <a:pPr lvl="1"/>
+            <a:r>
+              <a:rPr lang="zh-CN" altLang="en-US" dirty="0"/>
+              <a:t>高精度（</a:t>
+            </a:r>
+            <a:r>
+              <a:rPr lang="en-US" altLang="zh-CN" dirty="0"/>
+              <a:t>high precision</a:t>
+            </a:r>
+            <a:r>
+              <a:rPr lang="zh-CN" altLang="en-US" dirty="0"/>
+              <a:t>）</a:t>
+            </a:r>
+          </a:p>
+          <a:p>
+            <a:r>
+              <a:rPr lang="zh-CN" altLang="en-US" dirty="0"/>
+              <a:t>对于游戏应用来说</a:t>
+            </a:r>
+          </a:p>
+          <a:p>
+            <a:pPr lvl="1"/>
+            <a:r>
+              <a:rPr lang="zh-CN" altLang="en-US" dirty="0"/>
+              <a:t>实时性更为重要</a:t>
+            </a:r>
+          </a:p>
+          <a:p>
+            <a:pPr lvl="1"/>
+            <a:r>
+              <a:rPr lang="zh-CN" altLang="en-US" dirty="0"/>
+              <a:t>但现代游戏在注重实时性的同时努力提高仿真</a:t>
+            </a:r>
+            <a:r>
+              <a:rPr lang="zh-CN" altLang="en-US" dirty="0" smtClean="0"/>
+              <a:t>精确性</a:t>
+            </a:r>
+            <a:endParaRPr lang="zh-CN" altLang="en-US" dirty="0"/>
+          </a:p>
+          <a:p>
+            <a:r>
+              <a:rPr lang="zh-CN" altLang="en-US" dirty="0"/>
+              <a:t>由于游戏对于物理的追求越来越多，导致硬件竞争也在加剧</a:t>
+            </a:r>
+          </a:p>
+        </p:txBody>
+      </p:sp>
+    </p:spTree>
+  </p:cSld>
+  <p:clrMapOvr>
+    <a:masterClrMapping/>
+  </p:clrMapOvr>
+  <p:transition>
+    <p:fade/>
+  </p:transition>
+  <p:timing>
+    <p:tnLst>
+      <p:par>
+        <p:cTn id="1" dur="indefinite" restart="never" nodeType="tmRoot"/>
+      </p:par>
+    </p:tnLst>
+  </p:timing>
+</p:sld>
+</file>
+
+<file path=ppt/slides/slide12.xml><?xml version="1.0" encoding="utf-8"?>
 <p:sld xmlns:a="http://schemas.openxmlformats.org/drawingml/2006/main" xmlns:r="http://schemas.openxmlformats.org/officeDocument/2006/relationships" xmlns:p="http://schemas.openxmlformats.org/presentationml/2006/main">
   <p:cSld>
     <p:spTree>
@@ -32625,7 +32724,7 @@
 </p:sld>
 </file>
 
-<file path=ppt/slides/slide12.xml><?xml version="1.0" encoding="utf-8"?>
+<file path=ppt/slides/slide13.xml><?xml version="1.0" encoding="utf-8"?>
 <p:sld xmlns:a="http://schemas.openxmlformats.org/drawingml/2006/main" xmlns:r="http://schemas.openxmlformats.org/officeDocument/2006/relationships" xmlns:p="http://schemas.openxmlformats.org/presentationml/2006/main">
   <p:cSld>
     <p:spTree>
@@ -32900,188 +32999,6 @@
 </p:sld>
 </file>
 
-<file path=ppt/slides/slide13.xml><?xml version="1.0" encoding="utf-8"?>
-<p:sld xmlns:a="http://schemas.openxmlformats.org/drawingml/2006/main" xmlns:r="http://schemas.openxmlformats.org/officeDocument/2006/relationships" xmlns:p="http://schemas.openxmlformats.org/presentationml/2006/main">
-  <p:cSld>
-    <p:spTree>
-      <p:nvGrpSpPr>
-        <p:cNvPr id="1" name=""/>
-        <p:cNvGrpSpPr/>
-        <p:nvPr/>
-      </p:nvGrpSpPr>
-      <p:grpSpPr>
-        <a:xfrm>
-          <a:off x="0" y="0"/>
-          <a:ext cx="0" cy="0"/>
-          <a:chOff x="0" y="0"/>
-          <a:chExt cx="0" cy="0"/>
-        </a:xfrm>
-      </p:grpSpPr>
-      <p:sp>
-        <p:nvSpPr>
-          <p:cNvPr id="28674" name="Rectangle 2"/>
-          <p:cNvSpPr>
-            <a:spLocks noGrp="1" noChangeArrowheads="1"/>
-          </p:cNvSpPr>
-          <p:nvPr>
-            <p:ph type="title"/>
-          </p:nvPr>
-        </p:nvSpPr>
-        <p:spPr/>
-        <p:txBody>
-          <a:bodyPr/>
-          <a:lstStyle/>
-          <a:p>
-            <a:r>
-              <a:rPr lang="zh-CN" altLang="en-US" sz="3200"/>
-              <a:t>物理仿真的方式（</a:t>
-            </a:r>
-            <a:r>
-              <a:rPr lang="en-US" altLang="zh-CN" sz="3200"/>
-              <a:t>2/2</a:t>
-            </a:r>
-            <a:r>
-              <a:rPr lang="zh-CN" altLang="en-US" sz="3200"/>
-              <a:t>）</a:t>
-            </a:r>
-          </a:p>
-        </p:txBody>
-      </p:sp>
-      <p:sp>
-        <p:nvSpPr>
-          <p:cNvPr id="28675" name="Rectangle 3"/>
-          <p:cNvSpPr>
-            <a:spLocks noGrp="1" noChangeArrowheads="1"/>
-          </p:cNvSpPr>
-          <p:nvPr>
-            <p:ph idx="1"/>
-          </p:nvPr>
-        </p:nvSpPr>
-        <p:spPr/>
-        <p:txBody>
-          <a:bodyPr>
-            <a:normAutofit lnSpcReduction="10000"/>
-          </a:bodyPr>
-          <a:lstStyle/>
-          <a:p>
-            <a:pPr lvl="1"/>
-            <a:r>
-              <a:rPr lang="en-US" altLang="zh-CN"/>
-              <a:t>General Purpose processing on Graphics Processing Unit (GPGPU) </a:t>
-            </a:r>
-          </a:p>
-          <a:p>
-            <a:pPr lvl="2"/>
-            <a:r>
-              <a:rPr lang="en-US" altLang="zh-CN"/>
-              <a:t>ATI</a:t>
-            </a:r>
-            <a:r>
-              <a:rPr lang="zh-CN" altLang="en-US"/>
-              <a:t>和</a:t>
-            </a:r>
-            <a:r>
-              <a:rPr lang="en-US" altLang="zh-CN"/>
-              <a:t>NVIDIA</a:t>
-            </a:r>
-            <a:r>
-              <a:rPr lang="zh-CN" altLang="en-US"/>
-              <a:t>的部分显卡提供了对刚体动力学的支持</a:t>
-            </a:r>
-          </a:p>
-          <a:p>
-            <a:pPr lvl="3"/>
-            <a:r>
-              <a:rPr lang="en-US" altLang="zh-CN"/>
-              <a:t>ATI</a:t>
-            </a:r>
-            <a:r>
-              <a:rPr lang="zh-CN" altLang="en-US"/>
-              <a:t>宣称其</a:t>
-            </a:r>
-            <a:r>
-              <a:rPr lang="en-US" altLang="zh-CN"/>
-              <a:t>X1900 XT</a:t>
-            </a:r>
-            <a:r>
-              <a:rPr lang="zh-CN" altLang="en-US"/>
-              <a:t>卡比</a:t>
-            </a:r>
-            <a:r>
-              <a:rPr lang="en-US" altLang="zh-CN"/>
-              <a:t>Ageia PhysX</a:t>
-            </a:r>
-            <a:r>
-              <a:rPr lang="zh-CN" altLang="en-US"/>
-              <a:t>卡快</a:t>
-            </a:r>
-            <a:r>
-              <a:rPr lang="en-US" altLang="zh-CN"/>
-              <a:t>9</a:t>
-            </a:r>
-            <a:r>
-              <a:rPr lang="zh-CN" altLang="en-US"/>
-              <a:t>倍</a:t>
-            </a:r>
-          </a:p>
-          <a:p>
-            <a:pPr lvl="3"/>
-            <a:r>
-              <a:rPr lang="en-US" altLang="zh-CN"/>
-              <a:t>NVIDIA‘s GeForce 8 </a:t>
-            </a:r>
-            <a:r>
-              <a:rPr lang="zh-CN" altLang="en-US"/>
-              <a:t>系列支持新的基于</a:t>
-            </a:r>
-            <a:r>
-              <a:rPr lang="en-US" altLang="zh-CN"/>
-              <a:t>GPU</a:t>
-            </a:r>
-            <a:r>
-              <a:rPr lang="zh-CN" altLang="en-US"/>
-              <a:t>的牛顿物理加速技术，叫做 </a:t>
-            </a:r>
-            <a:r>
-              <a:rPr lang="en-US" altLang="zh-CN"/>
-              <a:t>Quantum Effects</a:t>
-            </a:r>
-          </a:p>
-          <a:p>
-            <a:pPr lvl="3"/>
-            <a:r>
-              <a:rPr lang="zh-CN" altLang="en-US"/>
-              <a:t>双方都提供了相应的</a:t>
-            </a:r>
-            <a:r>
-              <a:rPr lang="en-US" altLang="zh-CN"/>
-              <a:t>SDK</a:t>
-            </a:r>
-            <a:r>
-              <a:rPr lang="zh-CN" altLang="en-US"/>
-              <a:t>来让开发者方便地为游戏增加物理运算</a:t>
-            </a:r>
-          </a:p>
-        </p:txBody>
-      </p:sp>
-    </p:spTree>
-  </p:cSld>
-  <p:clrMapOvr>
-    <a:masterClrMapping/>
-  </p:clrMapOvr>
-  <p:transition>
-    <p:fade/>
-  </p:transition>
-  <p:timing>
-    <p:tnLst>
-      <p:par>
-        <p:cTn id="1" dur="indefinite" restart="never" nodeType="tmRoot"/>
-      </p:par>
-    </p:tnLst>
-  </p:timing>
-</p:sld>
-</file>
-
 <file path=ppt/slides/slide14.xml><?xml version="1.0" encoding="utf-8"?>
 <p:sld xmlns:a="http://schemas.openxmlformats.org/drawingml/2006/main" xmlns:r="http://schemas.openxmlformats.org/officeDocument/2006/relationships" xmlns:p="http://schemas.openxmlformats.org/presentationml/2006/main">
   <p:cSld>
@@ -33101,46 +33018,148 @@
       </p:grpSpPr>
       <p:sp>
         <p:nvSpPr>
-          <p:cNvPr id="87044" name="Rectangle 4"/>
+          <p:cNvPr id="28674" name="Rectangle 2"/>
           <p:cNvSpPr>
             <a:spLocks noGrp="1" noChangeArrowheads="1"/>
           </p:cNvSpPr>
           <p:nvPr>
-            <p:ph type="ctrTitle"/>
+            <p:ph type="title"/>
           </p:nvPr>
         </p:nvSpPr>
         <p:spPr/>
         <p:txBody>
+          <a:bodyPr/>
+          <a:lstStyle/>
+          <a:p>
+            <a:r>
+              <a:rPr lang="zh-CN" altLang="en-US" sz="3200"/>
+              <a:t>物理仿真的方式（</a:t>
+            </a:r>
+            <a:r>
+              <a:rPr lang="en-US" altLang="zh-CN" sz="3200"/>
+              <a:t>2/2</a:t>
+            </a:r>
+            <a:r>
+              <a:rPr lang="zh-CN" altLang="en-US" sz="3200"/>
+              <a:t>）</a:t>
+            </a:r>
+          </a:p>
+        </p:txBody>
+      </p:sp>
+      <p:sp>
+        <p:nvSpPr>
+          <p:cNvPr id="28675" name="Rectangle 3"/>
+          <p:cNvSpPr>
+            <a:spLocks noGrp="1" noChangeArrowheads="1"/>
+          </p:cNvSpPr>
+          <p:nvPr>
+            <p:ph idx="1"/>
+          </p:nvPr>
+        </p:nvSpPr>
+        <p:spPr/>
+        <p:txBody>
           <a:bodyPr>
-            <a:normAutofit/>
+            <a:normAutofit lnSpcReduction="10000"/>
           </a:bodyPr>
           <a:lstStyle/>
           <a:p>
+            <a:pPr lvl="1"/>
+            <a:r>
+              <a:rPr lang="en-US" altLang="zh-CN"/>
+              <a:t>General Purpose processing on Graphics Processing Unit (GPGPU) </a:t>
+            </a:r>
+          </a:p>
+          <a:p>
+            <a:pPr lvl="2"/>
+            <a:r>
+              <a:rPr lang="en-US" altLang="zh-CN"/>
+              <a:t>ATI</a:t>
+            </a:r>
             <a:r>
               <a:rPr lang="zh-CN" altLang="en-US"/>
-              <a:t>接下来介绍各个硬件的特点</a:t>
-            </a:r>
-          </a:p>
-        </p:txBody>
-      </p:sp>
-      <p:sp>
-        <p:nvSpPr>
-          <p:cNvPr id="87045" name="Rectangle 5"/>
-          <p:cNvSpPr>
-            <a:spLocks noGrp="1" noChangeArrowheads="1"/>
-          </p:cNvSpPr>
-          <p:nvPr>
-            <p:ph type="subTitle" idx="1"/>
-          </p:nvPr>
-        </p:nvSpPr>
-        <p:spPr/>
-        <p:txBody>
-          <a:bodyPr>
-            <a:normAutofit/>
-          </a:bodyPr>
-          <a:lstStyle/>
-          <a:p>
-            <a:endParaRPr lang="zh-CN" altLang="zh-CN"/>
+              <a:t>和</a:t>
+            </a:r>
+            <a:r>
+              <a:rPr lang="en-US" altLang="zh-CN"/>
+              <a:t>NVIDIA</a:t>
+            </a:r>
+            <a:r>
+              <a:rPr lang="zh-CN" altLang="en-US"/>
+              <a:t>的部分显卡提供了对刚体动力学的支持</a:t>
+            </a:r>
+          </a:p>
+          <a:p>
+            <a:pPr lvl="3"/>
+            <a:r>
+              <a:rPr lang="en-US" altLang="zh-CN"/>
+              <a:t>ATI</a:t>
+            </a:r>
+            <a:r>
+              <a:rPr lang="zh-CN" altLang="en-US"/>
+              <a:t>宣称其</a:t>
+            </a:r>
+            <a:r>
+              <a:rPr lang="en-US" altLang="zh-CN"/>
+              <a:t>X1900 XT</a:t>
+            </a:r>
+            <a:r>
+              <a:rPr lang="zh-CN" altLang="en-US"/>
+              <a:t>卡比</a:t>
+            </a:r>
+            <a:r>
+              <a:rPr lang="en-US" altLang="zh-CN"/>
+              <a:t>Ageia PhysX</a:t>
+            </a:r>
+            <a:r>
+              <a:rPr lang="zh-CN" altLang="en-US"/>
+              <a:t>卡快</a:t>
+            </a:r>
+            <a:r>
+              <a:rPr lang="en-US" altLang="zh-CN"/>
+              <a:t>9</a:t>
+            </a:r>
+            <a:r>
+              <a:rPr lang="zh-CN" altLang="en-US"/>
+              <a:t>倍</a:t>
+            </a:r>
+          </a:p>
+          <a:p>
+            <a:pPr lvl="3"/>
+            <a:r>
+              <a:rPr lang="en-US" altLang="zh-CN"/>
+              <a:t>NVIDIA‘s GeForce 8 </a:t>
+            </a:r>
+            <a:r>
+              <a:rPr lang="zh-CN" altLang="en-US"/>
+              <a:t>系列支持新的基于</a:t>
+            </a:r>
+            <a:r>
+              <a:rPr lang="en-US" altLang="zh-CN"/>
+              <a:t>GPU</a:t>
+            </a:r>
+            <a:r>
+              <a:rPr lang="zh-CN" altLang="en-US"/>
+              <a:t>的牛顿物理加速技术，叫做 </a:t>
+            </a:r>
+            <a:r>
+              <a:rPr lang="en-US" altLang="zh-CN"/>
+              <a:t>Quantum Effects</a:t>
+            </a:r>
+          </a:p>
+          <a:p>
+            <a:pPr lvl="3"/>
+            <a:r>
+              <a:rPr lang="zh-CN" altLang="en-US"/>
+              <a:t>双方都提供了相应的</a:t>
+            </a:r>
+            <a:r>
+              <a:rPr lang="en-US" altLang="zh-CN"/>
+              <a:t>SDK</a:t>
+            </a:r>
+            <a:r>
+              <a:rPr lang="zh-CN" altLang="en-US"/>
+              <a:t>来让开发者方便地为游戏增加物理运算</a:t>
+            </a:r>
           </a:p>
         </p:txBody>
       </p:sp>
@@ -33163,6 +33182,86 @@
 </file>
 
 <file path=ppt/slides/slide15.xml><?xml version="1.0" encoding="utf-8"?>
+<p:sld xmlns:a="http://schemas.openxmlformats.org/drawingml/2006/main" xmlns:r="http://schemas.openxmlformats.org/officeDocument/2006/relationships" xmlns:p="http://schemas.openxmlformats.org/presentationml/2006/main">
+  <p:cSld>
+    <p:spTree>
+      <p:nvGrpSpPr>
+        <p:cNvPr id="1" name=""/>
+        <p:cNvGrpSpPr/>
+        <p:nvPr/>
+      </p:nvGrpSpPr>
+      <p:grpSpPr>
+        <a:xfrm>
+          <a:off x="0" y="0"/>
+          <a:ext cx="0" cy="0"/>
+          <a:chOff x="0" y="0"/>
+          <a:chExt cx="0" cy="0"/>
+        </a:xfrm>
+      </p:grpSpPr>
+      <p:sp>
+        <p:nvSpPr>
+          <p:cNvPr id="87044" name="Rectangle 4"/>
+          <p:cNvSpPr>
+            <a:spLocks noGrp="1" noChangeArrowheads="1"/>
+          </p:cNvSpPr>
+          <p:nvPr>
+            <p:ph type="ctrTitle"/>
+          </p:nvPr>
+        </p:nvSpPr>
+        <p:spPr/>
+        <p:txBody>
+          <a:bodyPr>
+            <a:normAutofit/>
+          </a:bodyPr>
+          <a:lstStyle/>
+          <a:p>
+            <a:r>
+              <a:rPr lang="zh-CN" altLang="en-US"/>
+              <a:t>接下来介绍各个硬件的特点</a:t>
+            </a:r>
+          </a:p>
+        </p:txBody>
+      </p:sp>
+      <p:sp>
+        <p:nvSpPr>
+          <p:cNvPr id="87045" name="Rectangle 5"/>
+          <p:cNvSpPr>
+            <a:spLocks noGrp="1" noChangeArrowheads="1"/>
+          </p:cNvSpPr>
+          <p:nvPr>
+            <p:ph type="subTitle" idx="1"/>
+          </p:nvPr>
+        </p:nvSpPr>
+        <p:spPr/>
+        <p:txBody>
+          <a:bodyPr>
+            <a:normAutofit/>
+          </a:bodyPr>
+          <a:lstStyle/>
+          <a:p>
+            <a:endParaRPr lang="zh-CN" altLang="zh-CN"/>
+          </a:p>
+        </p:txBody>
+      </p:sp>
+    </p:spTree>
+  </p:cSld>
+  <p:clrMapOvr>
+    <a:masterClrMapping/>
+  </p:clrMapOvr>
+  <p:transition>
+    <p:fade/>
+  </p:transition>
+  <p:timing>
+    <p:tnLst>
+      <p:par>
+        <p:cTn id="1" dur="indefinite" restart="never" nodeType="tmRoot"/>
+      </p:par>
+    </p:tnLst>
+  </p:timing>
+</p:sld>
+</file>
+
+<file path=ppt/slides/slide16.xml><?xml version="1.0" encoding="utf-8"?>
 <p:sld xmlns:a="http://schemas.openxmlformats.org/drawingml/2006/main" xmlns:r="http://schemas.openxmlformats.org/officeDocument/2006/relationships" xmlns:p="http://schemas.openxmlformats.org/presentationml/2006/main">
   <p:cSld>
     <p:spTree>
@@ -33351,7 +33450,7 @@
 </p:sld>
 </file>
 
-<file path=ppt/slides/slide16.xml><?xml version="1.0" encoding="utf-8"?>
+<file path=ppt/slides/slide17.xml><?xml version="1.0" encoding="utf-8"?>
 <p:sld xmlns:a="http://schemas.openxmlformats.org/drawingml/2006/main" xmlns:r="http://schemas.openxmlformats.org/officeDocument/2006/relationships" xmlns:p="http://schemas.openxmlformats.org/presentationml/2006/main">
   <p:cSld>
     <p:spTree>
@@ -33587,248 +33686,6 @@
 </p:sld>
 </file>
 
-<file path=ppt/slides/slide17.xml><?xml version="1.0" encoding="utf-8"?>
-<p:sld xmlns:a="http://schemas.openxmlformats.org/drawingml/2006/main" xmlns:r="http://schemas.openxmlformats.org/officeDocument/2006/relationships" xmlns:p="http://schemas.openxmlformats.org/presentationml/2006/main">
-  <p:cSld>
-    <p:spTree>
-      <p:nvGrpSpPr>
-        <p:cNvPr id="1" name=""/>
-        <p:cNvGrpSpPr/>
-        <p:nvPr/>
-      </p:nvGrpSpPr>
-      <p:grpSpPr>
-        <a:xfrm>
-          <a:off x="0" y="0"/>
-          <a:ext cx="0" cy="0"/>
-          <a:chOff x="0" y="0"/>
-          <a:chExt cx="0" cy="0"/>
-        </a:xfrm>
-      </p:grpSpPr>
-      <p:sp>
-        <p:nvSpPr>
-          <p:cNvPr id="32770" name="Rectangle 2"/>
-          <p:cNvSpPr>
-            <a:spLocks noGrp="1" noChangeArrowheads="1"/>
-          </p:cNvSpPr>
-          <p:nvPr>
-            <p:ph type="title"/>
-          </p:nvPr>
-        </p:nvSpPr>
-        <p:spPr/>
-        <p:txBody>
-          <a:bodyPr>
-            <a:normAutofit/>
-          </a:bodyPr>
-          <a:lstStyle/>
-          <a:p>
-            <a:r>
-              <a:rPr lang="en-US" altLang="zh-CN"/>
-              <a:t>Ageia</a:t>
-            </a:r>
-            <a:r>
-              <a:rPr lang="zh-CN" altLang="en-US"/>
-              <a:t>物理卡</a:t>
-            </a:r>
-          </a:p>
-        </p:txBody>
-      </p:sp>
-      <p:sp>
-        <p:nvSpPr>
-          <p:cNvPr id="32771" name="Rectangle 3"/>
-          <p:cNvSpPr>
-            <a:spLocks noGrp="1" noChangeArrowheads="1"/>
-          </p:cNvSpPr>
-          <p:nvPr>
-            <p:ph idx="1"/>
-          </p:nvPr>
-        </p:nvSpPr>
-        <p:spPr/>
-        <p:txBody>
-          <a:bodyPr>
-            <a:normAutofit lnSpcReduction="10000"/>
-          </a:bodyPr>
-          <a:lstStyle/>
-          <a:p>
-            <a:pPr>
-              <a:lnSpc>
-                <a:spcPct val="80000"/>
-              </a:lnSpc>
-            </a:pPr>
-            <a:r>
-              <a:rPr lang="zh-CN" altLang="en-US" sz="2400"/>
-              <a:t>硬件的</a:t>
-            </a:r>
-            <a:r>
-              <a:rPr lang="en-US" altLang="zh-CN" sz="2400"/>
-              <a:t>PhysX</a:t>
-            </a:r>
-            <a:r>
-              <a:rPr lang="zh-CN" altLang="en-US" sz="2400"/>
-              <a:t>物理卡则是</a:t>
-            </a:r>
-            <a:r>
-              <a:rPr lang="en-US" altLang="zh-CN" sz="2400"/>
-              <a:t>IT</a:t>
-            </a:r>
-            <a:r>
-              <a:rPr lang="zh-CN" altLang="en-US" sz="2400"/>
-              <a:t>业界的一项革命，独立的物理卡要比</a:t>
-            </a:r>
-            <a:r>
-              <a:rPr lang="en-US" altLang="zh-CN" sz="2400"/>
-              <a:t>CPU</a:t>
-            </a:r>
-            <a:r>
-              <a:rPr lang="zh-CN" altLang="en-US" sz="2400"/>
-              <a:t>和</a:t>
-            </a:r>
-            <a:r>
-              <a:rPr lang="en-US" altLang="zh-CN" sz="2400"/>
-              <a:t>GPU</a:t>
-            </a:r>
-            <a:r>
-              <a:rPr lang="zh-CN" altLang="en-US" sz="2400"/>
-              <a:t>模拟物理运算更快更专业</a:t>
-            </a:r>
-          </a:p>
-          <a:p>
-            <a:pPr>
-              <a:lnSpc>
-                <a:spcPct val="80000"/>
-              </a:lnSpc>
-            </a:pPr>
-            <a:r>
-              <a:rPr lang="en-US" altLang="zh-CN" sz="2400"/>
-              <a:t>Ageia</a:t>
-            </a:r>
-            <a:r>
-              <a:rPr lang="zh-CN" altLang="en-US" sz="2400"/>
-              <a:t>演示的</a:t>
-            </a:r>
-            <a:r>
-              <a:rPr lang="en-US" altLang="zh-CN" sz="2400"/>
-              <a:t>PhysX</a:t>
-            </a:r>
-            <a:r>
-              <a:rPr lang="zh-CN" altLang="en-US" sz="2400"/>
-              <a:t>物理游戏中有数百个目标你可以把它们移动、毁灭，每一个物体的位置、外型并不是事先设计好，而是实时运算出来的。同时计算数千个物体的活动轨迹和破碎画面，过去是</a:t>
-            </a:r>
-            <a:r>
-              <a:rPr lang="en-US" altLang="zh-CN" sz="2400"/>
-              <a:t>CPU</a:t>
-            </a:r>
-            <a:r>
-              <a:rPr lang="zh-CN" altLang="en-US" sz="2400"/>
-              <a:t>和显卡所无法负担的</a:t>
-            </a:r>
-          </a:p>
-          <a:p>
-            <a:pPr>
-              <a:lnSpc>
-                <a:spcPct val="80000"/>
-              </a:lnSpc>
-            </a:pPr>
-            <a:r>
-              <a:rPr lang="en-US" altLang="zh-CN" sz="2400"/>
-              <a:t>Ageia</a:t>
-            </a:r>
-            <a:r>
-              <a:rPr lang="zh-CN" altLang="en-US" sz="2400"/>
-              <a:t>当时使用了对比测试系统，其中一套系统搭载</a:t>
-            </a:r>
-            <a:r>
-              <a:rPr lang="en-US" altLang="zh-CN" sz="2400"/>
-              <a:t>Geforce 7800GTX SLi</a:t>
-            </a:r>
-            <a:r>
-              <a:rPr lang="zh-CN" altLang="en-US" sz="2400"/>
-              <a:t>和</a:t>
-            </a:r>
-            <a:r>
-              <a:rPr lang="en-US" altLang="zh-CN" sz="2400"/>
-              <a:t>PhysX</a:t>
-            </a:r>
-            <a:r>
-              <a:rPr lang="zh-CN" altLang="en-US" sz="2400"/>
-              <a:t>物理卡，另外一套系统搭载</a:t>
-            </a:r>
-            <a:r>
-              <a:rPr lang="en-US" altLang="zh-CN" sz="2400"/>
-              <a:t>7800GTX SLi</a:t>
-            </a:r>
-            <a:r>
-              <a:rPr lang="zh-CN" altLang="en-US" sz="2400"/>
-              <a:t>，没有</a:t>
-            </a:r>
-            <a:r>
-              <a:rPr lang="en-US" altLang="zh-CN" sz="2400"/>
-              <a:t>PhysX</a:t>
-            </a:r>
-            <a:r>
-              <a:rPr lang="zh-CN" altLang="en-US" sz="2400"/>
-              <a:t>物理卡，其它配置都相同。有</a:t>
-            </a:r>
-            <a:r>
-              <a:rPr lang="en-US" altLang="zh-CN" sz="2400"/>
-              <a:t>PhysX</a:t>
-            </a:r>
-            <a:r>
-              <a:rPr lang="zh-CN" altLang="en-US" sz="2400"/>
-              <a:t>物理卡的系统以每秒</a:t>
-            </a:r>
-            <a:r>
-              <a:rPr lang="en-US" altLang="zh-CN" sz="2400"/>
-              <a:t>30</a:t>
-            </a:r>
-            <a:r>
-              <a:rPr lang="zh-CN" altLang="en-US" sz="2400"/>
-              <a:t>多帧的速度运行</a:t>
-            </a:r>
-            <a:r>
-              <a:rPr lang="en-US" altLang="zh-CN" sz="2400"/>
-              <a:t>demo</a:t>
-            </a:r>
-            <a:r>
-              <a:rPr lang="zh-CN" altLang="en-US" sz="2400"/>
-              <a:t>，而没有</a:t>
-            </a:r>
-            <a:r>
-              <a:rPr lang="en-US" altLang="zh-CN" sz="2400"/>
-              <a:t>PhysX</a:t>
-            </a:r>
-            <a:r>
-              <a:rPr lang="zh-CN" altLang="en-US" sz="2400"/>
-              <a:t>的系统运行速度只有每秒</a:t>
-            </a:r>
-            <a:r>
-              <a:rPr lang="en-US" altLang="zh-CN" sz="2400"/>
-              <a:t>6 </a:t>
-            </a:r>
-            <a:r>
-              <a:rPr lang="zh-CN" altLang="en-US" sz="2400"/>
-              <a:t>帧 </a:t>
-            </a:r>
-          </a:p>
-        </p:txBody>
-      </p:sp>
-    </p:spTree>
-  </p:cSld>
-  <p:clrMapOvr>
-    <a:masterClrMapping/>
-  </p:clrMapOvr>
-  <p:transition>
-    <p:fade/>
-  </p:transition>
-  <p:timing>
-    <p:tnLst>
-      <p:par>
-        <p:cTn id="1" dur="indefinite" restart="never" nodeType="tmRoot"/>
-      </p:par>
-    </p:tnLst>
-  </p:timing>
-</p:sld>
-</file>
-
 <file path=ppt/slides/slide18.xml><?xml version="1.0" encoding="utf-8"?>
 <p:sld xmlns:a="http://schemas.openxmlformats.org/drawingml/2006/main" xmlns:r="http://schemas.openxmlformats.org/officeDocument/2006/relationships" xmlns:p="http://schemas.openxmlformats.org/presentationml/2006/main">
   <p:cSld>
@@ -33848,7 +33705,7 @@
       </p:grpSpPr>
       <p:sp>
         <p:nvSpPr>
-          <p:cNvPr id="30722" name="Rectangle 2"/>
+          <p:cNvPr id="32770" name="Rectangle 2"/>
           <p:cNvSpPr>
             <a:spLocks noGrp="1" noChangeArrowheads="1"/>
           </p:cNvSpPr>
@@ -33876,7 +33733,7 @@
       </p:sp>
       <p:sp>
         <p:nvSpPr>
-          <p:cNvPr id="30723" name="Rectangle 3"/>
+          <p:cNvPr id="32771" name="Rectangle 3"/>
           <p:cNvSpPr>
             <a:spLocks noGrp="1" noChangeArrowheads="1"/>
           </p:cNvSpPr>
@@ -33887,113 +33744,168 @@
         <p:spPr/>
         <p:txBody>
           <a:bodyPr>
-            <a:normAutofit fontScale="92500" lnSpcReduction="20000"/>
+            <a:normAutofit lnSpcReduction="10000"/>
           </a:bodyPr>
           <a:lstStyle/>
           <a:p>
-            <a:r>
-              <a:rPr lang="en-US" altLang="zh-CN"/>
+            <a:pPr>
+              <a:lnSpc>
+                <a:spcPct val="80000"/>
+              </a:lnSpc>
+            </a:pPr>
+            <a:r>
+              <a:rPr lang="zh-CN" altLang="en-US" sz="2400"/>
+              <a:t>硬件的</a:t>
+            </a:r>
+            <a:r>
+              <a:rPr lang="en-US" altLang="zh-CN" sz="2400"/>
+              <a:t>PhysX</a:t>
+            </a:r>
+            <a:r>
+              <a:rPr lang="zh-CN" altLang="en-US" sz="2400"/>
+              <a:t>物理卡则是</a:t>
+            </a:r>
+            <a:r>
+              <a:rPr lang="en-US" altLang="zh-CN" sz="2400"/>
+              <a:t>IT</a:t>
+            </a:r>
+            <a:r>
+              <a:rPr lang="zh-CN" altLang="en-US" sz="2400"/>
+              <a:t>业界的一项革命，独立的物理卡要比</a:t>
+            </a:r>
+            <a:r>
+              <a:rPr lang="en-US" altLang="zh-CN" sz="2400"/>
+              <a:t>CPU</a:t>
+            </a:r>
+            <a:r>
+              <a:rPr lang="zh-CN" altLang="en-US" sz="2400"/>
+              <a:t>和</a:t>
+            </a:r>
+            <a:r>
+              <a:rPr lang="en-US" altLang="zh-CN" sz="2400"/>
+              <a:t>GPU</a:t>
+            </a:r>
+            <a:r>
+              <a:rPr lang="zh-CN" altLang="en-US" sz="2400"/>
+              <a:t>模拟物理运算更快更专业</a:t>
+            </a:r>
+          </a:p>
+          <a:p>
+            <a:pPr>
+              <a:lnSpc>
+                <a:spcPct val="80000"/>
+              </a:lnSpc>
+            </a:pPr>
+            <a:r>
+              <a:rPr lang="en-US" altLang="zh-CN" sz="2400"/>
               <a:t>Ageia</a:t>
             </a:r>
             <a:r>
-              <a:rPr lang="zh-CN" altLang="en-US"/>
-              <a:t>表示只要游戏开发商支持</a:t>
-            </a:r>
-            <a:r>
-              <a:rPr lang="en-US" altLang="zh-CN"/>
+              <a:rPr lang="zh-CN" altLang="en-US" sz="2400"/>
+              <a:t>演示的</a:t>
+            </a:r>
+            <a:r>
+              <a:rPr lang="en-US" altLang="zh-CN" sz="2400"/>
               <a:t>PhysX</a:t>
             </a:r>
             <a:r>
-              <a:rPr lang="zh-CN" altLang="en-US"/>
-              <a:t>物理卡，就可以免费使用</a:t>
-            </a:r>
-            <a:r>
-              <a:rPr lang="en-US" altLang="zh-CN"/>
+              <a:rPr lang="zh-CN" altLang="en-US" sz="2400"/>
+              <a:t>物理游戏中有数百个目标你可以把它们移动、毁灭，每一个物体的位置、外型并不是事先设计好，而是实时运算出来的。同时计算数千个物体的活动轨迹和破碎画面，过去是</a:t>
+            </a:r>
+            <a:r>
+              <a:rPr lang="en-US" altLang="zh-CN" sz="2400"/>
+              <a:t>CPU</a:t>
+            </a:r>
+            <a:r>
+              <a:rPr lang="zh-CN" altLang="en-US" sz="2400"/>
+              <a:t>和显卡所无法负担的</a:t>
+            </a:r>
+          </a:p>
+          <a:p>
+            <a:pPr>
+              <a:lnSpc>
+                <a:spcPct val="80000"/>
+              </a:lnSpc>
+            </a:pPr>
+            <a:r>
+              <a:rPr lang="en-US" altLang="zh-CN" sz="2400"/>
+              <a:t>Ageia</a:t>
+            </a:r>
+            <a:r>
+              <a:rPr lang="zh-CN" altLang="en-US" sz="2400"/>
+              <a:t>当时使用了对比测试系统，其中一套系统搭载</a:t>
+            </a:r>
+            <a:r>
+              <a:rPr lang="en-US" altLang="zh-CN" sz="2400"/>
+              <a:t>Geforce 7800GTX SLi</a:t>
+            </a:r>
+            <a:r>
+              <a:rPr lang="zh-CN" altLang="en-US" sz="2400"/>
+              <a:t>和</a:t>
+            </a:r>
+            <a:r>
+              <a:rPr lang="en-US" altLang="zh-CN" sz="2400"/>
               <a:t>PhysX</a:t>
             </a:r>
             <a:r>
-              <a:rPr lang="zh-CN" altLang="en-US"/>
-              <a:t>物理引擎和其它相关的技术支持</a:t>
-            </a:r>
-          </a:p>
-          <a:p>
-            <a:r>
-              <a:rPr lang="zh-CN" altLang="en-US"/>
-              <a:t>这吸引了许多一线游戏包括幽灵行动</a:t>
-            </a:r>
-            <a:r>
-              <a:rPr lang="en-US" altLang="zh-CN"/>
-              <a:t>3</a:t>
-            </a:r>
-            <a:r>
-              <a:rPr lang="zh-CN" altLang="en-US"/>
-              <a:t>、 </a:t>
-            </a:r>
-            <a:r>
-              <a:rPr lang="en-US" altLang="zh-CN"/>
-              <a:t>X</a:t>
-            </a:r>
-            <a:r>
-              <a:rPr lang="zh-CN" altLang="en-US"/>
-              <a:t>战警</a:t>
-            </a:r>
-            <a:r>
-              <a:rPr lang="en-US" altLang="zh-CN"/>
-              <a:t>2-</a:t>
-            </a:r>
-            <a:r>
-              <a:rPr lang="zh-CN" altLang="en-US"/>
-              <a:t>天启降临、</a:t>
-            </a:r>
-            <a:r>
-              <a:rPr lang="en-US" altLang="zh-CN"/>
-              <a:t>City of Villians</a:t>
-            </a:r>
-            <a:r>
-              <a:rPr lang="zh-CN" altLang="en-US"/>
-              <a:t>等的开发商</a:t>
-            </a:r>
-          </a:p>
-          <a:p>
-            <a:r>
-              <a:rPr lang="zh-CN" altLang="en-US"/>
-              <a:t>虚幻</a:t>
-            </a:r>
-            <a:r>
-              <a:rPr lang="en-US" altLang="zh-CN"/>
-              <a:t>3</a:t>
-            </a:r>
-            <a:r>
-              <a:rPr lang="zh-CN" altLang="en-US"/>
-              <a:t>也将支持</a:t>
-            </a:r>
-            <a:r>
-              <a:rPr lang="en-US" altLang="zh-CN"/>
+              <a:rPr lang="zh-CN" altLang="en-US" sz="2400"/>
+              <a:t>物理卡，另外一套系统搭载</a:t>
+            </a:r>
+            <a:r>
+              <a:rPr lang="en-US" altLang="zh-CN" sz="2400"/>
+              <a:t>7800GTX SLi</a:t>
+            </a:r>
+            <a:r>
+              <a:rPr lang="zh-CN" altLang="en-US" sz="2400"/>
+              <a:t>，没有</a:t>
+            </a:r>
+            <a:r>
+              <a:rPr lang="en-US" altLang="zh-CN" sz="2400"/>
               <a:t>PhysX</a:t>
             </a:r>
             <a:r>
-              <a:rPr lang="zh-CN" altLang="en-US"/>
-              <a:t>物理卡并使用</a:t>
-            </a:r>
-            <a:r>
-              <a:rPr lang="en-US" altLang="zh-CN"/>
+              <a:rPr lang="zh-CN" altLang="en-US" sz="2400"/>
+              <a:t>物理卡，其它配置都相同。有</a:t>
+            </a:r>
+            <a:r>
+              <a:rPr lang="en-US" altLang="zh-CN" sz="2400"/>
               <a:t>PhysX</a:t>
             </a:r>
             <a:r>
-              <a:rPr lang="zh-CN" altLang="en-US"/>
-              <a:t>引擎，这意味着将来众多的虚幻</a:t>
-            </a:r>
-            <a:r>
-              <a:rPr lang="en-US" altLang="zh-CN"/>
-              <a:t>3</a:t>
-            </a:r>
-            <a:r>
-              <a:rPr lang="zh-CN" altLang="en-US"/>
-              <a:t>引擎游戏都将同时支持</a:t>
-            </a:r>
-            <a:r>
-              <a:rPr lang="en-US" altLang="zh-CN"/>
-              <a:t>PhysX </a:t>
+              <a:rPr lang="zh-CN" altLang="en-US" sz="2400"/>
+              <a:t>物理卡的系统以每秒</a:t>
+            </a:r>
+            <a:r>
+              <a:rPr lang="en-US" altLang="zh-CN" sz="2400"/>
+              <a:t>30</a:t>
+            </a:r>
+            <a:r>
+              <a:rPr lang="zh-CN" altLang="en-US" sz="2400"/>
+              <a:t>多帧的速度运行</a:t>
+            </a:r>
+            <a:r>
+              <a:rPr lang="en-US" altLang="zh-CN" sz="2400"/>
+              <a:t>demo</a:t>
+            </a:r>
+            <a:r>
+              <a:rPr lang="zh-CN" altLang="en-US" sz="2400"/>
+              <a:t>，而没有</a:t>
+            </a:r>
+            <a:r>
+              <a:rPr lang="en-US" altLang="zh-CN" sz="2400"/>
+              <a:t>PhysX</a:t>
+            </a:r>
+            <a:r>
+              <a:rPr lang="zh-CN" altLang="en-US" sz="2400"/>
+              <a:t>的系统运行速度只有每秒</a:t>
+            </a:r>
+            <a:r>
+              <a:rPr lang="en-US" altLang="zh-CN" sz="2400"/>
+              <a:t>6 </a:t>
+            </a:r>
+            <a:r>
+              <a:rPr lang="zh-CN" altLang="en-US" sz="2400"/>
+              <a:t>帧 </a:t>
             </a:r>
           </a:p>
         </p:txBody>
@@ -34017,6 +33929,308 @@
 </file>
 
 <file path=ppt/slides/slide19.xml><?xml version="1.0" encoding="utf-8"?>
+<p:sld xmlns:a="http://schemas.openxmlformats.org/drawingml/2006/main" xmlns:r="http://schemas.openxmlformats.org/officeDocument/2006/relationships" xmlns:p="http://schemas.openxmlformats.org/presentationml/2006/main">
+  <p:cSld>
+    <p:spTree>
+      <p:nvGrpSpPr>
+        <p:cNvPr id="1" name=""/>
+        <p:cNvGrpSpPr/>
+        <p:nvPr/>
+      </p:nvGrpSpPr>
+      <p:grpSpPr>
+        <a:xfrm>
+          <a:off x="0" y="0"/>
+          <a:ext cx="0" cy="0"/>
+          <a:chOff x="0" y="0"/>
+          <a:chExt cx="0" cy="0"/>
+        </a:xfrm>
+      </p:grpSpPr>
+      <p:sp>
+        <p:nvSpPr>
+          <p:cNvPr id="30722" name="Rectangle 2"/>
+          <p:cNvSpPr>
+            <a:spLocks noGrp="1" noChangeArrowheads="1"/>
+          </p:cNvSpPr>
+          <p:nvPr>
+            <p:ph type="title"/>
+          </p:nvPr>
+        </p:nvSpPr>
+        <p:spPr/>
+        <p:txBody>
+          <a:bodyPr>
+            <a:normAutofit/>
+          </a:bodyPr>
+          <a:lstStyle/>
+          <a:p>
+            <a:r>
+              <a:rPr lang="en-US" altLang="zh-CN"/>
+              <a:t>Ageia</a:t>
+            </a:r>
+            <a:r>
+              <a:rPr lang="zh-CN" altLang="en-US"/>
+              <a:t>物理卡</a:t>
+            </a:r>
+          </a:p>
+        </p:txBody>
+      </p:sp>
+      <p:sp>
+        <p:nvSpPr>
+          <p:cNvPr id="30723" name="Rectangle 3"/>
+          <p:cNvSpPr>
+            <a:spLocks noGrp="1" noChangeArrowheads="1"/>
+          </p:cNvSpPr>
+          <p:nvPr>
+            <p:ph idx="1"/>
+          </p:nvPr>
+        </p:nvSpPr>
+        <p:spPr/>
+        <p:txBody>
+          <a:bodyPr>
+            <a:normAutofit fontScale="92500" lnSpcReduction="20000"/>
+          </a:bodyPr>
+          <a:lstStyle/>
+          <a:p>
+            <a:r>
+              <a:rPr lang="en-US" altLang="zh-CN"/>
+              <a:t>Ageia</a:t>
+            </a:r>
+            <a:r>
+              <a:rPr lang="zh-CN" altLang="en-US"/>
+              <a:t>表示只要游戏开发商支持</a:t>
+            </a:r>
+            <a:r>
+              <a:rPr lang="en-US" altLang="zh-CN"/>
+              <a:t>PhysX</a:t>
+            </a:r>
+            <a:r>
+              <a:rPr lang="zh-CN" altLang="en-US"/>
+              <a:t>物理卡，就可以免费使用</a:t>
+            </a:r>
+            <a:r>
+              <a:rPr lang="en-US" altLang="zh-CN"/>
+              <a:t>PhysX</a:t>
+            </a:r>
+            <a:r>
+              <a:rPr lang="zh-CN" altLang="en-US"/>
+              <a:t>物理引擎和其它相关的技术支持</a:t>
+            </a:r>
+          </a:p>
+          <a:p>
+            <a:r>
+              <a:rPr lang="zh-CN" altLang="en-US"/>
+              <a:t>这吸引了许多一线游戏包括幽灵行动</a:t>
+            </a:r>
+            <a:r>
+              <a:rPr lang="en-US" altLang="zh-CN"/>
+              <a:t>3</a:t>
+            </a:r>
+            <a:r>
+              <a:rPr lang="zh-CN" altLang="en-US"/>
+              <a:t>、 </a:t>
+            </a:r>
+            <a:r>
+              <a:rPr lang="en-US" altLang="zh-CN"/>
+              <a:t>X</a:t>
+            </a:r>
+            <a:r>
+              <a:rPr lang="zh-CN" altLang="en-US"/>
+              <a:t>战警</a:t>
+            </a:r>
+            <a:r>
+              <a:rPr lang="en-US" altLang="zh-CN"/>
+              <a:t>2-</a:t>
+            </a:r>
+            <a:r>
+              <a:rPr lang="zh-CN" altLang="en-US"/>
+              <a:t>天启降临、</a:t>
+            </a:r>
+            <a:r>
+              <a:rPr lang="en-US" altLang="zh-CN"/>
+              <a:t>City of Villians</a:t>
+            </a:r>
+            <a:r>
+              <a:rPr lang="zh-CN" altLang="en-US"/>
+              <a:t>等的开发商</a:t>
+            </a:r>
+          </a:p>
+          <a:p>
+            <a:r>
+              <a:rPr lang="zh-CN" altLang="en-US"/>
+              <a:t>虚幻</a:t>
+            </a:r>
+            <a:r>
+              <a:rPr lang="en-US" altLang="zh-CN"/>
+              <a:t>3</a:t>
+            </a:r>
+            <a:r>
+              <a:rPr lang="zh-CN" altLang="en-US"/>
+              <a:t>也将支持</a:t>
+            </a:r>
+            <a:r>
+              <a:rPr lang="en-US" altLang="zh-CN"/>
+              <a:t>PhysX</a:t>
+            </a:r>
+            <a:r>
+              <a:rPr lang="zh-CN" altLang="en-US"/>
+              <a:t>物理卡并使用</a:t>
+            </a:r>
+            <a:r>
+              <a:rPr lang="en-US" altLang="zh-CN"/>
+              <a:t>PhysX</a:t>
+            </a:r>
+            <a:r>
+              <a:rPr lang="zh-CN" altLang="en-US"/>
+              <a:t>引擎，这意味着将来众多的虚幻</a:t>
+            </a:r>
+            <a:r>
+              <a:rPr lang="en-US" altLang="zh-CN"/>
+              <a:t>3</a:t>
+            </a:r>
+            <a:r>
+              <a:rPr lang="zh-CN" altLang="en-US"/>
+              <a:t>引擎游戏都将同时支持</a:t>
+            </a:r>
+            <a:r>
+              <a:rPr lang="en-US" altLang="zh-CN"/>
+              <a:t>PhysX </a:t>
+            </a:r>
+          </a:p>
+        </p:txBody>
+      </p:sp>
+    </p:spTree>
+  </p:cSld>
+  <p:clrMapOvr>
+    <a:masterClrMapping/>
+  </p:clrMapOvr>
+  <p:transition>
+    <p:fade/>
+  </p:transition>
+  <p:timing>
+    <p:tnLst>
+      <p:par>
+        <p:cTn id="1" dur="indefinite" restart="never" nodeType="tmRoot"/>
+      </p:par>
+    </p:tnLst>
+  </p:timing>
+</p:sld>
+</file>
+
+<file path=ppt/slides/slide2.xml><?xml version="1.0" encoding="utf-8"?>
+<p:sld xmlns:a="http://schemas.openxmlformats.org/drawingml/2006/main" xmlns:r="http://schemas.openxmlformats.org/officeDocument/2006/relationships" xmlns:p="http://schemas.openxmlformats.org/presentationml/2006/main">
+  <p:cSld>
+    <p:spTree>
+      <p:nvGrpSpPr>
+        <p:cNvPr id="1" name=""/>
+        <p:cNvGrpSpPr/>
+        <p:nvPr/>
+      </p:nvGrpSpPr>
+      <p:grpSpPr>
+        <a:xfrm>
+          <a:off x="0" y="0"/>
+          <a:ext cx="0" cy="0"/>
+          <a:chOff x="0" y="0"/>
+          <a:chExt cx="0" cy="0"/>
+        </a:xfrm>
+      </p:grpSpPr>
+      <p:sp>
+        <p:nvSpPr>
+          <p:cNvPr id="2" name="标题 1"/>
+          <p:cNvSpPr>
+            <a:spLocks noGrp="1"/>
+          </p:cNvSpPr>
+          <p:nvPr>
+            <p:ph type="title"/>
+          </p:nvPr>
+        </p:nvSpPr>
+        <p:spPr/>
+        <p:txBody>
+          <a:bodyPr>
+            <a:normAutofit/>
+          </a:bodyPr>
+          <a:lstStyle/>
+          <a:p>
+            <a:r>
+              <a:rPr lang="zh-CN" altLang="en-US" dirty="0"/>
+              <a:t>本</a:t>
+            </a:r>
+            <a:r>
+              <a:rPr lang="zh-CN" altLang="en-US" dirty="0" smtClean="0"/>
+              <a:t>课内容</a:t>
+            </a:r>
+            <a:endParaRPr lang="zh-CN" altLang="en-US" dirty="0"/>
+          </a:p>
+        </p:txBody>
+      </p:sp>
+      <p:sp>
+        <p:nvSpPr>
+          <p:cNvPr id="3" name="内容占位符 2"/>
+          <p:cNvSpPr>
+            <a:spLocks noGrp="1"/>
+          </p:cNvSpPr>
+          <p:nvPr>
+            <p:ph idx="1"/>
+          </p:nvPr>
+        </p:nvSpPr>
+        <p:spPr/>
+        <p:txBody>
+          <a:bodyPr>
+            <a:normAutofit fontScale="92500"/>
+          </a:bodyPr>
+          <a:lstStyle/>
+          <a:p>
+            <a:endParaRPr lang="en-US" altLang="zh-CN" dirty="0" smtClean="0"/>
+          </a:p>
+          <a:p>
+            <a:r>
+              <a:rPr lang="zh-CN" altLang="en-US" dirty="0" smtClean="0"/>
+              <a:t>介绍游戏中使用物理仿真的趋势</a:t>
+            </a:r>
+            <a:endParaRPr lang="en-US" altLang="zh-CN" dirty="0" smtClean="0"/>
+          </a:p>
+          <a:p>
+            <a:endParaRPr lang="en-US" altLang="zh-CN" dirty="0" smtClean="0"/>
+          </a:p>
+          <a:p>
+            <a:r>
+              <a:rPr lang="zh-CN" altLang="en-US" dirty="0" smtClean="0"/>
+              <a:t>物理仿真的常用方法</a:t>
+            </a:r>
+            <a:endParaRPr lang="en-US" altLang="zh-CN" dirty="0" smtClean="0"/>
+          </a:p>
+          <a:p>
+            <a:endParaRPr lang="en-US" altLang="zh-CN" dirty="0" smtClean="0"/>
+          </a:p>
+          <a:p>
+            <a:r>
+              <a:rPr lang="zh-CN" altLang="en-US" dirty="0" smtClean="0"/>
+              <a:t>使用一种物理仿真方式来实现物理效果模拟</a:t>
+            </a:r>
+            <a:endParaRPr lang="en-US" altLang="zh-CN" dirty="0" smtClean="0"/>
+          </a:p>
+          <a:p>
+            <a:endParaRPr lang="zh-CN" altLang="en-US" dirty="0"/>
+          </a:p>
+        </p:txBody>
+      </p:sp>
+    </p:spTree>
+  </p:cSld>
+  <p:clrMapOvr>
+    <a:masterClrMapping/>
+  </p:clrMapOvr>
+  <p:transition>
+    <p:fade/>
+  </p:transition>
+  <p:timing>
+    <p:tnLst>
+      <p:par>
+        <p:cTn id="1" dur="indefinite" restart="never" nodeType="tmRoot"/>
+      </p:par>
+    </p:tnLst>
+  </p:timing>
+</p:sld>
+</file>
+
+<file path=ppt/slides/slide20.xml><?xml version="1.0" encoding="utf-8"?>
 <p:sld xmlns:a="http://schemas.openxmlformats.org/drawingml/2006/main" xmlns:r="http://schemas.openxmlformats.org/officeDocument/2006/relationships" xmlns:p="http://schemas.openxmlformats.org/presentationml/2006/main">
   <p:cSld>
     <p:spTree>
@@ -34349,122 +34563,7 @@
 </p:sld>
 </file>
 
-<file path=ppt/slides/slide2.xml><?xml version="1.0" encoding="utf-8"?>
-<p:sld xmlns:a="http://schemas.openxmlformats.org/drawingml/2006/main" xmlns:r="http://schemas.openxmlformats.org/officeDocument/2006/relationships" xmlns:p="http://schemas.openxmlformats.org/presentationml/2006/main">
-  <p:cSld>
-    <p:spTree>
-      <p:nvGrpSpPr>
-        <p:cNvPr id="1" name=""/>
-        <p:cNvGrpSpPr/>
-        <p:nvPr/>
-      </p:nvGrpSpPr>
-      <p:grpSpPr>
-        <a:xfrm>
-          <a:off x="0" y="0"/>
-          <a:ext cx="0" cy="0"/>
-          <a:chOff x="0" y="0"/>
-          <a:chExt cx="0" cy="0"/>
-        </a:xfrm>
-      </p:grpSpPr>
-      <p:sp>
-        <p:nvSpPr>
-          <p:cNvPr id="2" name="标题 1"/>
-          <p:cNvSpPr>
-            <a:spLocks noGrp="1"/>
-          </p:cNvSpPr>
-          <p:nvPr>
-            <p:ph type="title"/>
-          </p:nvPr>
-        </p:nvSpPr>
-        <p:spPr/>
-        <p:txBody>
-          <a:bodyPr>
-            <a:normAutofit/>
-          </a:bodyPr>
-          <a:lstStyle/>
-          <a:p>
-            <a:r>
-              <a:rPr lang="zh-CN" altLang="en-US" dirty="0"/>
-              <a:t>本</a:t>
-            </a:r>
-            <a:r>
-              <a:rPr lang="zh-CN" altLang="en-US" dirty="0" smtClean="0"/>
-              <a:t>课内容</a:t>
-            </a:r>
-            <a:endParaRPr lang="zh-CN" altLang="en-US" dirty="0"/>
-          </a:p>
-        </p:txBody>
-      </p:sp>
-      <p:sp>
-        <p:nvSpPr>
-          <p:cNvPr id="3" name="内容占位符 2"/>
-          <p:cNvSpPr>
-            <a:spLocks noGrp="1"/>
-          </p:cNvSpPr>
-          <p:nvPr>
-            <p:ph idx="1"/>
-          </p:nvPr>
-        </p:nvSpPr>
-        <p:spPr/>
-        <p:txBody>
-          <a:bodyPr>
-            <a:normAutofit fontScale="92500"/>
-          </a:bodyPr>
-          <a:lstStyle/>
-          <a:p>
-            <a:endParaRPr lang="en-US" altLang="zh-CN" dirty="0" smtClean="0"/>
-          </a:p>
-          <a:p>
-            <a:r>
-              <a:rPr lang="zh-CN" altLang="en-US" dirty="0" smtClean="0"/>
-              <a:t>介绍游戏中使用物理仿真的趋势</a:t>
-            </a:r>
-            <a:endParaRPr lang="en-US" altLang="zh-CN" dirty="0" smtClean="0"/>
-          </a:p>
-          <a:p>
-            <a:endParaRPr lang="en-US" altLang="zh-CN" dirty="0" smtClean="0"/>
-          </a:p>
-          <a:p>
-            <a:r>
-              <a:rPr lang="zh-CN" altLang="en-US" dirty="0" smtClean="0"/>
-              <a:t>物理仿真的常用方法</a:t>
-            </a:r>
-            <a:endParaRPr lang="en-US" altLang="zh-CN" dirty="0" smtClean="0"/>
-          </a:p>
-          <a:p>
-            <a:endParaRPr lang="en-US" altLang="zh-CN" dirty="0" smtClean="0"/>
-          </a:p>
-          <a:p>
-            <a:r>
-              <a:rPr lang="zh-CN" altLang="en-US" dirty="0" smtClean="0"/>
-              <a:t>使用一种物理仿真方式来实现物理效果模拟</a:t>
-            </a:r>
-            <a:endParaRPr lang="en-US" altLang="zh-CN" dirty="0" smtClean="0"/>
-          </a:p>
-          <a:p>
-            <a:endParaRPr lang="zh-CN" altLang="en-US" dirty="0"/>
-          </a:p>
-        </p:txBody>
-      </p:sp>
-    </p:spTree>
-  </p:cSld>
-  <p:clrMapOvr>
-    <a:masterClrMapping/>
-  </p:clrMapOvr>
-  <p:transition>
-    <p:fade/>
-  </p:transition>
-  <p:timing>
-    <p:tnLst>
-      <p:par>
-        <p:cTn id="1" dur="indefinite" restart="never" nodeType="tmRoot"/>
-      </p:par>
-    </p:tnLst>
-  </p:timing>
-</p:sld>
-</file>
-
-<file path=ppt/slides/slide20.xml><?xml version="1.0" encoding="utf-8"?>
+<file path=ppt/slides/slide21.xml><?xml version="1.0" encoding="utf-8"?>
 <p:sld xmlns:a="http://schemas.openxmlformats.org/drawingml/2006/main" xmlns:r="http://schemas.openxmlformats.org/officeDocument/2006/relationships" xmlns:p="http://schemas.openxmlformats.org/presentationml/2006/main">
   <p:cSld>
     <p:spTree>
@@ -34572,7 +34671,7 @@
 </p:sld>
 </file>
 
-<file path=ppt/slides/slide21.xml><?xml version="1.0" encoding="utf-8"?>
+<file path=ppt/slides/slide22.xml><?xml version="1.0" encoding="utf-8"?>
 <p:sld xmlns:a="http://schemas.openxmlformats.org/drawingml/2006/main" xmlns:r="http://schemas.openxmlformats.org/officeDocument/2006/relationships" xmlns:p="http://schemas.openxmlformats.org/presentationml/2006/main">
   <p:cSld>
     <p:spTree>
@@ -34766,7 +34865,7 @@
 </p:sld>
 </file>
 
-<file path=ppt/slides/slide22.xml><?xml version="1.0" encoding="utf-8"?>
+<file path=ppt/slides/slide23.xml><?xml version="1.0" encoding="utf-8"?>
 <p:sld xmlns:a="http://schemas.openxmlformats.org/drawingml/2006/main" xmlns:r="http://schemas.openxmlformats.org/officeDocument/2006/relationships" xmlns:p="http://schemas.openxmlformats.org/presentationml/2006/main">
   <p:cSld>
     <p:spTree>
@@ -34874,208 +34973,6 @@
 </p:sld>
 </file>
 
-<file path=ppt/slides/slide23.xml><?xml version="1.0" encoding="utf-8"?>
-<p:sld xmlns:a="http://schemas.openxmlformats.org/drawingml/2006/main" xmlns:r="http://schemas.openxmlformats.org/officeDocument/2006/relationships" xmlns:p="http://schemas.openxmlformats.org/presentationml/2006/main">
-  <p:cSld>
-    <p:spTree>
-      <p:nvGrpSpPr>
-        <p:cNvPr id="1" name=""/>
-        <p:cNvGrpSpPr/>
-        <p:nvPr/>
-      </p:nvGrpSpPr>
-      <p:grpSpPr>
-        <a:xfrm>
-          <a:off x="0" y="0"/>
-          <a:ext cx="0" cy="0"/>
-          <a:chOff x="0" y="0"/>
-          <a:chExt cx="0" cy="0"/>
-        </a:xfrm>
-      </p:grpSpPr>
-      <p:sp>
-        <p:nvSpPr>
-          <p:cNvPr id="37890" name="Rectangle 2"/>
-          <p:cNvSpPr>
-            <a:spLocks noGrp="1" noChangeArrowheads="1"/>
-          </p:cNvSpPr>
-          <p:nvPr>
-            <p:ph type="title"/>
-          </p:nvPr>
-        </p:nvSpPr>
-        <p:spPr/>
-        <p:txBody>
-          <a:bodyPr>
-            <a:normAutofit/>
-          </a:bodyPr>
-          <a:lstStyle/>
-          <a:p>
-            <a:r>
-              <a:rPr lang="en-US" altLang="zh-CN"/>
-              <a:t>Ati</a:t>
-            </a:r>
-          </a:p>
-        </p:txBody>
-      </p:sp>
-      <p:sp>
-        <p:nvSpPr>
-          <p:cNvPr id="37891" name="Rectangle 3"/>
-          <p:cNvSpPr>
-            <a:spLocks noGrp="1" noChangeArrowheads="1"/>
-          </p:cNvSpPr>
-          <p:nvPr>
-            <p:ph idx="1"/>
-          </p:nvPr>
-        </p:nvSpPr>
-        <p:spPr/>
-        <p:txBody>
-          <a:bodyPr>
-            <a:normAutofit fontScale="85000" lnSpcReduction="20000"/>
-          </a:bodyPr>
-          <a:lstStyle/>
-          <a:p>
-            <a:pPr>
-              <a:lnSpc>
-                <a:spcPct val="90000"/>
-              </a:lnSpc>
-            </a:pPr>
-            <a:r>
-              <a:rPr lang="en-US" altLang="zh-CN"/>
-              <a:t>ATI</a:t>
-            </a:r>
-            <a:r>
-              <a:rPr lang="zh-CN" altLang="en-US"/>
-              <a:t>称其</a:t>
-            </a:r>
-            <a:r>
-              <a:rPr lang="en-US" altLang="zh-CN"/>
-              <a:t>R520</a:t>
-            </a:r>
-            <a:r>
-              <a:rPr lang="zh-CN" altLang="en-US"/>
-              <a:t>和</a:t>
-            </a:r>
-            <a:r>
-              <a:rPr lang="en-US" altLang="zh-CN"/>
-              <a:t>R580</a:t>
-            </a:r>
-            <a:r>
-              <a:rPr lang="zh-CN" altLang="en-US"/>
-              <a:t>架构本身具备物理处理功能，该功能可以通过软件方式达到</a:t>
-            </a:r>
-          </a:p>
-          <a:p>
-            <a:pPr>
-              <a:lnSpc>
-                <a:spcPct val="90000"/>
-              </a:lnSpc>
-            </a:pPr>
-            <a:r>
-              <a:rPr lang="en-US" altLang="zh-CN"/>
-              <a:t>ATI</a:t>
-            </a:r>
-            <a:r>
-              <a:rPr lang="zh-CN" altLang="en-US"/>
-              <a:t>会给各软件开发商提供新的</a:t>
-            </a:r>
-            <a:r>
-              <a:rPr lang="en-US" altLang="zh-CN"/>
-              <a:t>API</a:t>
-            </a:r>
-            <a:r>
-              <a:rPr lang="zh-CN" altLang="en-US"/>
-              <a:t>以改进</a:t>
-            </a:r>
-            <a:r>
-              <a:rPr lang="en-US" altLang="zh-CN"/>
-              <a:t>Pixel shader</a:t>
-            </a:r>
-            <a:r>
-              <a:rPr lang="zh-CN" altLang="en-US"/>
-              <a:t>，新的</a:t>
-            </a:r>
-            <a:r>
-              <a:rPr lang="en-US" altLang="zh-CN"/>
-              <a:t>DPP</a:t>
-            </a:r>
-            <a:r>
-              <a:rPr lang="zh-CN" altLang="en-US"/>
-              <a:t>（并行数据处理）技术将使显示芯片绕过</a:t>
-            </a:r>
-            <a:r>
-              <a:rPr lang="en-US" altLang="zh-CN"/>
-              <a:t>Direct3D API</a:t>
-            </a:r>
-            <a:r>
-              <a:rPr lang="zh-CN" altLang="en-US"/>
-              <a:t>，同步处理物理数据和</a:t>
-            </a:r>
-            <a:r>
-              <a:rPr lang="en-US" altLang="zh-CN"/>
-              <a:t>pixel shader</a:t>
-            </a:r>
-            <a:r>
-              <a:rPr lang="zh-CN" altLang="en-US"/>
-              <a:t>数据</a:t>
-            </a:r>
-          </a:p>
-          <a:p>
-            <a:pPr>
-              <a:lnSpc>
-                <a:spcPct val="90000"/>
-              </a:lnSpc>
-            </a:pPr>
-            <a:r>
-              <a:rPr lang="en-US" altLang="zh-CN"/>
-              <a:t>ATI</a:t>
-            </a:r>
-            <a:r>
-              <a:rPr lang="zh-CN" altLang="en-US"/>
-              <a:t>称这一改进将在让</a:t>
-            </a:r>
-            <a:r>
-              <a:rPr lang="en-US" altLang="zh-CN"/>
-              <a:t>GPU</a:t>
-            </a:r>
-            <a:r>
-              <a:rPr lang="zh-CN" altLang="en-US"/>
-              <a:t>加强物理运算能力的同时还可以极大的提高</a:t>
-            </a:r>
-            <a:r>
-              <a:rPr lang="en-US" altLang="zh-CN"/>
-              <a:t>GPU</a:t>
-            </a:r>
-            <a:r>
-              <a:rPr lang="zh-CN" altLang="en-US"/>
-              <a:t>运算所有浮点指令的速度，这一多用途的改进方案将使</a:t>
-            </a:r>
-            <a:r>
-              <a:rPr lang="en-US" altLang="zh-CN"/>
-              <a:t>ATI </a:t>
-            </a:r>
-            <a:r>
-              <a:rPr lang="zh-CN" altLang="en-US"/>
-              <a:t>显卡在流体处理、视频处理等多方面受益</a:t>
-            </a:r>
-          </a:p>
-        </p:txBody>
-      </p:sp>
-    </p:spTree>
-  </p:cSld>
-  <p:clrMapOvr>
-    <a:masterClrMapping/>
-  </p:clrMapOvr>
-  <p:transition>
-    <p:fade/>
-  </p:transition>
-  <p:timing>
-    <p:tnLst>
-      <p:par>
-        <p:cTn id="1" dur="indefinite" restart="never" nodeType="tmRoot"/>
-      </p:par>
-    </p:tnLst>
-  </p:timing>
-</p:sld>
-</file>
-
 <file path=ppt/slides/slide24.xml><?xml version="1.0" encoding="utf-8"?>
 <p:sld xmlns:a="http://schemas.openxmlformats.org/drawingml/2006/main" xmlns:r="http://schemas.openxmlformats.org/officeDocument/2006/relationships" xmlns:p="http://schemas.openxmlformats.org/presentationml/2006/main">
   <p:cSld>
@@ -35095,7 +34992,7 @@
       </p:grpSpPr>
       <p:sp>
         <p:nvSpPr>
-          <p:cNvPr id="39938" name="Rectangle 2"/>
+          <p:cNvPr id="37890" name="Rectangle 2"/>
           <p:cNvSpPr>
             <a:spLocks noGrp="1" noChangeArrowheads="1"/>
           </p:cNvSpPr>
@@ -35105,105 +35002,157 @@
         </p:nvSpPr>
         <p:spPr/>
         <p:txBody>
-          <a:bodyPr/>
-          <a:lstStyle/>
-          <a:p>
-            <a:r>
-              <a:rPr lang="zh-CN" altLang="en-US" sz="3200"/>
-              <a:t>又一场</a:t>
-            </a:r>
-            <a:r>
-              <a:rPr lang="en-US" altLang="zh-CN" sz="3200"/>
-              <a:t>API</a:t>
-            </a:r>
-            <a:r>
-              <a:rPr lang="zh-CN" altLang="en-US" sz="3200"/>
-              <a:t>大战 </a:t>
-            </a:r>
-          </a:p>
-        </p:txBody>
-      </p:sp>
-      <p:sp>
-        <p:nvSpPr>
-          <p:cNvPr id="39939" name="Rectangle 3"/>
-          <p:cNvSpPr>
-            <a:spLocks noGrp="1" noChangeArrowheads="1"/>
-          </p:cNvSpPr>
-          <p:nvPr>
-            <p:ph idx="1"/>
-          </p:nvPr>
-        </p:nvSpPr>
-        <p:spPr/>
-        <p:txBody>
           <a:bodyPr>
-            <a:normAutofit fontScale="85000" lnSpcReduction="10000"/>
+            <a:normAutofit/>
           </a:bodyPr>
           <a:lstStyle/>
           <a:p>
             <a:r>
               <a:rPr lang="en-US" altLang="zh-CN"/>
-              <a:t>PhysX</a:t>
+              <a:t>Ati</a:t>
+            </a:r>
+          </a:p>
+        </p:txBody>
+      </p:sp>
+      <p:sp>
+        <p:nvSpPr>
+          <p:cNvPr id="37891" name="Rectangle 3"/>
+          <p:cNvSpPr>
+            <a:spLocks noGrp="1" noChangeArrowheads="1"/>
+          </p:cNvSpPr>
+          <p:nvPr>
+            <p:ph idx="1"/>
+          </p:nvPr>
+        </p:nvSpPr>
+        <p:spPr/>
+        <p:txBody>
+          <a:bodyPr>
+            <a:normAutofit fontScale="85000" lnSpcReduction="20000"/>
+          </a:bodyPr>
+          <a:lstStyle/>
+          <a:p>
+            <a:pPr>
+              <a:lnSpc>
+                <a:spcPct val="90000"/>
+              </a:lnSpc>
+            </a:pPr>
+            <a:r>
+              <a:rPr lang="en-US" altLang="zh-CN"/>
+              <a:t>ATI</a:t>
             </a:r>
             <a:r>
               <a:rPr lang="zh-CN" altLang="en-US"/>
-              <a:t>物理卡会显著提高游戏的真实感和震撼性</a:t>
-            </a:r>
-          </a:p>
-          <a:p>
-            <a:pPr lvl="1"/>
+              <a:t>称其</a:t>
+            </a:r>
+            <a:r>
+              <a:rPr lang="en-US" altLang="zh-CN"/>
+              <a:t>R520</a:t>
+            </a:r>
             <a:r>
               <a:rPr lang="zh-CN" altLang="en-US"/>
-              <a:t>画面的变化将不亚于</a:t>
+              <a:t>和</a:t>
             </a:r>
             <a:r>
               <a:rPr lang="en-US" altLang="zh-CN"/>
-              <a:t>10</a:t>
+              <a:t>R580</a:t>
             </a:r>
             <a:r>
               <a:rPr lang="zh-CN" altLang="en-US"/>
-              <a:t>年前</a:t>
-            </a:r>
+              <a:t>架构本身具备物理处理功能，该功能可以通过软件方式达到</a:t>
+            </a:r>
+          </a:p>
+          <a:p>
+            <a:pPr>
+              <a:lnSpc>
+                <a:spcPct val="90000"/>
+              </a:lnSpc>
+            </a:pPr>
             <a:r>
               <a:rPr lang="en-US" altLang="zh-CN"/>
-              <a:t>2D</a:t>
+              <a:t>ATI</a:t>
             </a:r>
             <a:r>
               <a:rPr lang="zh-CN" altLang="en-US"/>
-              <a:t>至 </a:t>
+              <a:t>会给各软件开发商提供新的</a:t>
             </a:r>
             <a:r>
               <a:rPr lang="en-US" altLang="zh-CN"/>
-              <a:t>3D</a:t>
+              <a:t>API</a:t>
             </a:r>
             <a:r>
               <a:rPr lang="zh-CN" altLang="en-US"/>
-              <a:t>的革命</a:t>
-            </a:r>
-          </a:p>
-          <a:p>
+              <a:t>以改进</a:t>
+            </a:r>
+            <a:r>
+              <a:rPr lang="en-US" altLang="zh-CN"/>
+              <a:t>Pixel shader</a:t>
+            </a:r>
             <a:r>
               <a:rPr lang="zh-CN" altLang="en-US"/>
-              <a:t>而两大显卡厂商也宣称自己的产品更加适合用于物理运算</a:t>
-            </a:r>
-          </a:p>
-          <a:p>
+              <a:t>，新的</a:t>
+            </a:r>
+            <a:r>
+              <a:rPr lang="en-US" altLang="zh-CN"/>
+              <a:t>DPP</a:t>
+            </a:r>
             <a:r>
               <a:rPr lang="zh-CN" altLang="en-US"/>
-              <a:t>这场物理卡之战目前还无法预测会是怎样的结局，不过</a:t>
+              <a:t>（并行数据处理）技术将使显示芯片绕过</a:t>
             </a:r>
             <a:r>
               <a:rPr lang="en-US" altLang="zh-CN"/>
-              <a:t>3</a:t>
+              <a:t>Direct3D API</a:t>
             </a:r>
             <a:r>
               <a:rPr lang="zh-CN" altLang="en-US"/>
-              <a:t>大巨头碰撞将不可避免</a:t>
-            </a:r>
-          </a:p>
-          <a:p>
+              <a:t>，同步处理物理数据和</a:t>
+            </a:r>
+            <a:r>
+              <a:rPr lang="en-US" altLang="zh-CN"/>
+              <a:t>pixel shader</a:t>
+            </a:r>
             <a:r>
               <a:rPr lang="zh-CN" altLang="en-US"/>
-              <a:t>各个标准之间的竞争也表明游戏中添加真实的物理是大势所趋</a:t>
+              <a:t>数据</a:t>
+            </a:r>
+          </a:p>
+          <a:p>
+            <a:pPr>
+              <a:lnSpc>
+                <a:spcPct val="90000"/>
+              </a:lnSpc>
+            </a:pPr>
+            <a:r>
+              <a:rPr lang="en-US" altLang="zh-CN"/>
+              <a:t>ATI</a:t>
+            </a:r>
+            <a:r>
+              <a:rPr lang="zh-CN" altLang="en-US"/>
+              <a:t>称这一改进将在让</a:t>
+            </a:r>
+            <a:r>
+              <a:rPr lang="en-US" altLang="zh-CN"/>
+              <a:t>GPU</a:t>
+            </a:r>
+            <a:r>
+              <a:rPr lang="zh-CN" altLang="en-US"/>
+              <a:t>加强物理运算能力的同时还可以极大的提高</a:t>
+            </a:r>
+            <a:r>
+              <a:rPr lang="en-US" altLang="zh-CN"/>
+              <a:t>GPU</a:t>
+            </a:r>
+            <a:r>
+              <a:rPr lang="zh-CN" altLang="en-US"/>
+              <a:t>运算所有浮点指令的速度，这一多用途的改进方案将使</a:t>
+            </a:r>
+            <a:r>
+              <a:rPr lang="en-US" altLang="zh-CN"/>
+              <a:t>ATI </a:t>
+            </a:r>
+            <a:r>
+              <a:rPr lang="zh-CN" altLang="en-US"/>
+              <a:t>显卡在流体处理、视频处理等多方面受益</a:t>
             </a:r>
           </a:p>
         </p:txBody>
@@ -35227,6 +35176,156 @@
 </file>
 
 <file path=ppt/slides/slide25.xml><?xml version="1.0" encoding="utf-8"?>
+<p:sld xmlns:a="http://schemas.openxmlformats.org/drawingml/2006/main" xmlns:r="http://schemas.openxmlformats.org/officeDocument/2006/relationships" xmlns:p="http://schemas.openxmlformats.org/presentationml/2006/main">
+  <p:cSld>
+    <p:spTree>
+      <p:nvGrpSpPr>
+        <p:cNvPr id="1" name=""/>
+        <p:cNvGrpSpPr/>
+        <p:nvPr/>
+      </p:nvGrpSpPr>
+      <p:grpSpPr>
+        <a:xfrm>
+          <a:off x="0" y="0"/>
+          <a:ext cx="0" cy="0"/>
+          <a:chOff x="0" y="0"/>
+          <a:chExt cx="0" cy="0"/>
+        </a:xfrm>
+      </p:grpSpPr>
+      <p:sp>
+        <p:nvSpPr>
+          <p:cNvPr id="39938" name="Rectangle 2"/>
+          <p:cNvSpPr>
+            <a:spLocks noGrp="1" noChangeArrowheads="1"/>
+          </p:cNvSpPr>
+          <p:nvPr>
+            <p:ph type="title"/>
+          </p:nvPr>
+        </p:nvSpPr>
+        <p:spPr/>
+        <p:txBody>
+          <a:bodyPr/>
+          <a:lstStyle/>
+          <a:p>
+            <a:r>
+              <a:rPr lang="zh-CN" altLang="en-US" sz="3200"/>
+              <a:t>又一场</a:t>
+            </a:r>
+            <a:r>
+              <a:rPr lang="en-US" altLang="zh-CN" sz="3200"/>
+              <a:t>API</a:t>
+            </a:r>
+            <a:r>
+              <a:rPr lang="zh-CN" altLang="en-US" sz="3200"/>
+              <a:t>大战 </a:t>
+            </a:r>
+          </a:p>
+        </p:txBody>
+      </p:sp>
+      <p:sp>
+        <p:nvSpPr>
+          <p:cNvPr id="39939" name="Rectangle 3"/>
+          <p:cNvSpPr>
+            <a:spLocks noGrp="1" noChangeArrowheads="1"/>
+          </p:cNvSpPr>
+          <p:nvPr>
+            <p:ph idx="1"/>
+          </p:nvPr>
+        </p:nvSpPr>
+        <p:spPr/>
+        <p:txBody>
+          <a:bodyPr>
+            <a:normAutofit fontScale="85000" lnSpcReduction="10000"/>
+          </a:bodyPr>
+          <a:lstStyle/>
+          <a:p>
+            <a:r>
+              <a:rPr lang="en-US" altLang="zh-CN"/>
+              <a:t>PhysX</a:t>
+            </a:r>
+            <a:r>
+              <a:rPr lang="zh-CN" altLang="en-US"/>
+              <a:t>物理卡会显著提高游戏的真实感和震撼性</a:t>
+            </a:r>
+          </a:p>
+          <a:p>
+            <a:pPr lvl="1"/>
+            <a:r>
+              <a:rPr lang="zh-CN" altLang="en-US"/>
+              <a:t>画面的变化将不亚于</a:t>
+            </a:r>
+            <a:r>
+              <a:rPr lang="en-US" altLang="zh-CN"/>
+              <a:t>10</a:t>
+            </a:r>
+            <a:r>
+              <a:rPr lang="zh-CN" altLang="en-US"/>
+              <a:t>年前</a:t>
+            </a:r>
+            <a:r>
+              <a:rPr lang="en-US" altLang="zh-CN"/>
+              <a:t>2D</a:t>
+            </a:r>
+            <a:r>
+              <a:rPr lang="zh-CN" altLang="en-US"/>
+              <a:t>至 </a:t>
+            </a:r>
+            <a:r>
+              <a:rPr lang="en-US" altLang="zh-CN"/>
+              <a:t>3D</a:t>
+            </a:r>
+            <a:r>
+              <a:rPr lang="zh-CN" altLang="en-US"/>
+              <a:t>的革命</a:t>
+            </a:r>
+          </a:p>
+          <a:p>
+            <a:r>
+              <a:rPr lang="zh-CN" altLang="en-US"/>
+              <a:t>而两大显卡厂商也宣称自己的产品更加适合用于物理运算</a:t>
+            </a:r>
+          </a:p>
+          <a:p>
+            <a:r>
+              <a:rPr lang="zh-CN" altLang="en-US"/>
+              <a:t>这场物理卡之战目前还无法预测会是怎样的结局，不过</a:t>
+            </a:r>
+            <a:r>
+              <a:rPr lang="en-US" altLang="zh-CN"/>
+              <a:t>3</a:t>
+            </a:r>
+            <a:r>
+              <a:rPr lang="zh-CN" altLang="en-US"/>
+              <a:t>大巨头碰撞将不可避免</a:t>
+            </a:r>
+          </a:p>
+          <a:p>
+            <a:r>
+              <a:rPr lang="zh-CN" altLang="en-US"/>
+              <a:t>各个标准之间的竞争也表明游戏中添加真实的物理是大势所趋</a:t>
+            </a:r>
+          </a:p>
+        </p:txBody>
+      </p:sp>
+    </p:spTree>
+  </p:cSld>
+  <p:clrMapOvr>
+    <a:masterClrMapping/>
+  </p:clrMapOvr>
+  <p:transition>
+    <p:fade/>
+  </p:transition>
+  <p:timing>
+    <p:tnLst>
+      <p:par>
+        <p:cTn id="1" dur="indefinite" restart="never" nodeType="tmRoot"/>
+      </p:par>
+    </p:tnLst>
+  </p:timing>
+</p:sld>
+</file>
+
+<file path=ppt/slides/slide26.xml><?xml version="1.0" encoding="utf-8"?>
 <p:sld xmlns:a="http://schemas.openxmlformats.org/drawingml/2006/main" xmlns:r="http://schemas.openxmlformats.org/officeDocument/2006/relationships" xmlns:p="http://schemas.openxmlformats.org/presentationml/2006/main">
   <p:cSld>
     <p:spTree>
@@ -35606,7 +35705,7 @@
 </p:sld>
 </file>
 
-<file path=ppt/slides/slide26.xml><?xml version="1.0" encoding="utf-8"?>
+<file path=ppt/slides/slide27.xml><?xml version="1.0" encoding="utf-8"?>
 <p:sld xmlns:a="http://schemas.openxmlformats.org/drawingml/2006/main" xmlns:r="http://schemas.openxmlformats.org/officeDocument/2006/relationships" xmlns:p="http://schemas.openxmlformats.org/presentationml/2006/main">
   <p:cSld>
     <p:spTree>
@@ -35842,7 +35941,7 @@
 </p:sld>
 </file>
 
-<file path=ppt/slides/slide27.xml><?xml version="1.0" encoding="utf-8"?>
+<file path=ppt/slides/slide28.xml><?xml version="1.0" encoding="utf-8"?>
 <p:sld xmlns:a="http://schemas.openxmlformats.org/drawingml/2006/main" xmlns:r="http://schemas.openxmlformats.org/officeDocument/2006/relationships" xmlns:p="http://schemas.openxmlformats.org/presentationml/2006/main">
   <p:cSld>
     <p:spTree>
@@ -35982,7 +36081,7 @@
 </p:sld>
 </file>
 
-<file path=ppt/slides/slide28.xml><?xml version="1.0" encoding="utf-8"?>
+<file path=ppt/slides/slide29.xml><?xml version="1.0" encoding="utf-8"?>
 <p:sld xmlns:a="http://schemas.openxmlformats.org/drawingml/2006/main" xmlns:r="http://schemas.openxmlformats.org/officeDocument/2006/relationships" xmlns:p="http://schemas.openxmlformats.org/presentationml/2006/main">
   <p:cSld>
     <p:spTree>
@@ -36102,184 +36201,6 @@
 </p:sld>
 </file>
 
-<file path=ppt/slides/slide29.xml><?xml version="1.0" encoding="utf-8"?>
-<p:sld xmlns:a="http://schemas.openxmlformats.org/drawingml/2006/main" xmlns:r="http://schemas.openxmlformats.org/officeDocument/2006/relationships" xmlns:p="http://schemas.openxmlformats.org/presentationml/2006/main">
-  <p:cSld>
-    <p:spTree>
-      <p:nvGrpSpPr>
-        <p:cNvPr id="1" name=""/>
-        <p:cNvGrpSpPr/>
-        <p:nvPr/>
-      </p:nvGrpSpPr>
-      <p:grpSpPr>
-        <a:xfrm>
-          <a:off x="0" y="0"/>
-          <a:ext cx="0" cy="0"/>
-          <a:chOff x="0" y="0"/>
-          <a:chExt cx="0" cy="0"/>
-        </a:xfrm>
-      </p:grpSpPr>
-      <p:sp>
-        <p:nvSpPr>
-          <p:cNvPr id="155650" name="Rectangle 2"/>
-          <p:cNvSpPr>
-            <a:spLocks noGrp="1" noChangeArrowheads="1"/>
-          </p:cNvSpPr>
-          <p:nvPr>
-            <p:ph type="title"/>
-          </p:nvPr>
-        </p:nvSpPr>
-        <p:spPr/>
-        <p:txBody>
-          <a:bodyPr/>
-          <a:lstStyle/>
-          <a:p>
-            <a:r>
-              <a:rPr lang="en-US" altLang="zh-CN" sz="3200"/>
-              <a:t>《MKZ》 </a:t>
-            </a:r>
-          </a:p>
-        </p:txBody>
-      </p:sp>
-      <p:sp>
-        <p:nvSpPr>
-          <p:cNvPr id="155651" name="Rectangle 3"/>
-          <p:cNvSpPr>
-            <a:spLocks noGrp="1" noChangeArrowheads="1"/>
-          </p:cNvSpPr>
-          <p:nvPr>
-            <p:ph idx="1"/>
-          </p:nvPr>
-        </p:nvSpPr>
-        <p:spPr/>
-        <p:txBody>
-          <a:bodyPr>
-            <a:normAutofit fontScale="85000" lnSpcReduction="20000"/>
-          </a:bodyPr>
-          <a:lstStyle/>
-          <a:p>
-            <a:pPr>
-              <a:lnSpc>
-                <a:spcPct val="90000"/>
-              </a:lnSpc>
-            </a:pPr>
-            <a:r>
-              <a:rPr lang="en-US" altLang="zh-CN"/>
-              <a:t>NVIDIA“</a:t>
-            </a:r>
-            <a:r>
-              <a:rPr lang="zh-CN" altLang="en-US"/>
-              <a:t>游戏之道”计划中首款中国原创</a:t>
-            </a:r>
-            <a:r>
-              <a:rPr lang="en-US" altLang="zh-CN"/>
-              <a:t>FPS</a:t>
-            </a:r>
-            <a:r>
-              <a:rPr lang="zh-CN" altLang="en-US"/>
-              <a:t>网游</a:t>
-            </a:r>
-          </a:p>
-          <a:p>
-            <a:pPr>
-              <a:lnSpc>
-                <a:spcPct val="90000"/>
-              </a:lnSpc>
-            </a:pPr>
-            <a:r>
-              <a:rPr lang="zh-CN" altLang="en-US"/>
-              <a:t>得到了</a:t>
-            </a:r>
-            <a:r>
-              <a:rPr lang="en-US" altLang="zh-CN"/>
-              <a:t>NVIDIA</a:t>
-            </a:r>
-            <a:r>
-              <a:rPr lang="zh-CN" altLang="en-US"/>
-              <a:t>的强大物理引擎支持</a:t>
-            </a:r>
-          </a:p>
-          <a:p>
-            <a:pPr>
-              <a:lnSpc>
-                <a:spcPct val="90000"/>
-              </a:lnSpc>
-            </a:pPr>
-            <a:r>
-              <a:rPr lang="zh-CN" altLang="en-US"/>
-              <a:t>使游戏拥有了最优质的画面表现力和最真实的物理效果</a:t>
-            </a:r>
-          </a:p>
-          <a:p>
-            <a:pPr>
-              <a:lnSpc>
-                <a:spcPct val="90000"/>
-              </a:lnSpc>
-            </a:pPr>
-            <a:r>
-              <a:rPr lang="zh-CN" altLang="en-US"/>
-              <a:t>发布会当天，通过</a:t>
-            </a:r>
-            <a:r>
-              <a:rPr lang="en-US" altLang="zh-CN"/>
-              <a:t>3D</a:t>
-            </a:r>
-            <a:r>
-              <a:rPr lang="zh-CN" altLang="en-US"/>
-              <a:t>立体幻镜和高刷新率的显示器支持，</a:t>
-            </a:r>
-            <a:r>
-              <a:rPr lang="en-US" altLang="zh-CN"/>
-              <a:t>《MKZ》</a:t>
-            </a:r>
-            <a:r>
-              <a:rPr lang="zh-CN" altLang="en-US"/>
-              <a:t>的视觉效果带给在场玩家和媒体突破性的震撼，实现了质的飞跃</a:t>
-            </a:r>
-          </a:p>
-          <a:p>
-            <a:pPr>
-              <a:lnSpc>
-                <a:spcPct val="90000"/>
-              </a:lnSpc>
-            </a:pPr>
-            <a:r>
-              <a:rPr lang="zh-CN" altLang="en-US"/>
-              <a:t>会出现大量的可破坏物体，另外还有高级的布料效果、互动植物、以及</a:t>
-            </a:r>
-            <a:r>
-              <a:rPr lang="en-US" altLang="zh-CN"/>
-              <a:t>Rag doll</a:t>
-            </a:r>
-            <a:r>
-              <a:rPr lang="zh-CN" altLang="en-US"/>
-              <a:t>死亡特效等</a:t>
-            </a:r>
-          </a:p>
-          <a:p>
-            <a:pPr>
-              <a:lnSpc>
-                <a:spcPct val="90000"/>
-              </a:lnSpc>
-            </a:pPr>
-            <a:r>
-              <a:rPr lang="zh-CN" altLang="en-US"/>
-              <a:t>玩家可以利用其物理特性对敌方造成伤害</a:t>
-            </a:r>
-          </a:p>
-        </p:txBody>
-      </p:sp>
-    </p:spTree>
-  </p:cSld>
-  <p:clrMapOvr>
-    <a:masterClrMapping/>
-  </p:clrMapOvr>
-  <p:transition>
-    <p:fade/>
-  </p:transition>
-</p:sld>
-</file>
-
 <file path=ppt/slides/slide3.xml><?xml version="1.0" encoding="utf-8"?>
 <p:sld xmlns:a="http://schemas.openxmlformats.org/drawingml/2006/main" xmlns:r="http://schemas.openxmlformats.org/officeDocument/2006/relationships" xmlns:p="http://schemas.openxmlformats.org/presentationml/2006/main">
   <p:cSld>
@@ -36309,78 +36230,257 @@
         </p:nvSpPr>
         <p:spPr/>
         <p:txBody>
+          <a:bodyPr/>
+          <a:lstStyle/>
+          <a:p>
+            <a:r>
+              <a:rPr lang="zh-CN" altLang="en-US" dirty="0" smtClean="0"/>
+              <a:t>课程网站二维码</a:t>
+            </a:r>
+            <a:endParaRPr lang="zh-CN" altLang="en-US" dirty="0"/>
+          </a:p>
+        </p:txBody>
+      </p:sp>
+      <p:sp>
+        <p:nvSpPr>
+          <p:cNvPr id="3" name="内容占位符 2"/>
+          <p:cNvSpPr>
+            <a:spLocks noGrp="1"/>
+          </p:cNvSpPr>
+          <p:nvPr>
+            <p:ph idx="1"/>
+          </p:nvPr>
+        </p:nvSpPr>
+        <p:spPr/>
+        <p:txBody>
+          <a:bodyPr/>
+          <a:lstStyle/>
+          <a:p>
+            <a:endParaRPr lang="zh-CN" altLang="en-US"/>
+          </a:p>
+        </p:txBody>
+      </p:sp>
+      <p:pic>
+        <p:nvPicPr>
+          <p:cNvPr id="1026" name="Picture 2" descr="https://qr.api.cli.im/qr?data=https%253A%252F%252Fgithub.com%252Fhanhonglei%252FCourse_GamePhysics&amp;level=H&amp;transparent=false&amp;bgcolor=%23ffffff&amp;forecolor=%23000000&amp;blockpixel=12&amp;marginblock=1&amp;logourl=&amp;size=280&amp;kid=cliim&amp;key=f1db6c8c0f8c152caf659b97c2637e90"/>
+          <p:cNvPicPr>
+            <a:picLocks noChangeAspect="1" noChangeArrowheads="1"/>
+          </p:cNvPicPr>
+          <p:nvPr/>
+        </p:nvPicPr>
+        <p:blipFill>
+          <a:blip r:embed="rId2">
+            <a:extLst>
+              <a:ext uri="{28A0092B-C50C-407E-A947-70E740481C1C}">
+                <a14:useLocalDpi xmlns:a14="http://schemas.microsoft.com/office/drawing/2010/main" val="0"/>
+              </a:ext>
+            </a:extLst>
+          </a:blip>
+          <a:srcRect/>
+          <a:stretch>
+            <a:fillRect/>
+          </a:stretch>
+        </p:blipFill>
+        <p:spPr bwMode="auto">
+          <a:xfrm>
+            <a:off x="3048000" y="1581150"/>
+            <a:ext cx="2667000" cy="2667000"/>
+          </a:xfrm>
+          <a:prstGeom prst="rect">
+            <a:avLst/>
+          </a:prstGeom>
+          <a:noFill/>
+          <a:extLst>
+            <a:ext uri="{909E8E84-426E-40DD-AFC4-6F175D3DCCD1}">
+              <a14:hiddenFill xmlns:a14="http://schemas.microsoft.com/office/drawing/2010/main">
+                <a:solidFill>
+                  <a:srgbClr val="FFFFFF"/>
+                </a:solidFill>
+              </a14:hiddenFill>
+            </a:ext>
+          </a:extLst>
+        </p:spPr>
+      </p:pic>
+    </p:spTree>
+    <p:extLst>
+      <p:ext uri="{BB962C8B-B14F-4D97-AF65-F5344CB8AC3E}">
+        <p14:creationId xmlns:p14="http://schemas.microsoft.com/office/powerpoint/2010/main" val="1087520759"/>
+      </p:ext>
+    </p:extLst>
+  </p:cSld>
+  <p:clrMapOvr>
+    <a:masterClrMapping/>
+  </p:clrMapOvr>
+  <p:transition>
+    <p:fade/>
+  </p:transition>
+</p:sld>
+</file>
+
+<file path=ppt/slides/slide30.xml><?xml version="1.0" encoding="utf-8"?>
+<p:sld xmlns:a="http://schemas.openxmlformats.org/drawingml/2006/main" xmlns:r="http://schemas.openxmlformats.org/officeDocument/2006/relationships" xmlns:p="http://schemas.openxmlformats.org/presentationml/2006/main">
+  <p:cSld>
+    <p:spTree>
+      <p:nvGrpSpPr>
+        <p:cNvPr id="1" name=""/>
+        <p:cNvGrpSpPr/>
+        <p:nvPr/>
+      </p:nvGrpSpPr>
+      <p:grpSpPr>
+        <a:xfrm>
+          <a:off x="0" y="0"/>
+          <a:ext cx="0" cy="0"/>
+          <a:chOff x="0" y="0"/>
+          <a:chExt cx="0" cy="0"/>
+        </a:xfrm>
+      </p:grpSpPr>
+      <p:sp>
+        <p:nvSpPr>
+          <p:cNvPr id="155650" name="Rectangle 2"/>
+          <p:cNvSpPr>
+            <a:spLocks noGrp="1" noChangeArrowheads="1"/>
+          </p:cNvSpPr>
+          <p:nvPr>
+            <p:ph type="title"/>
+          </p:nvPr>
+        </p:nvSpPr>
+        <p:spPr/>
+        <p:txBody>
+          <a:bodyPr/>
+          <a:lstStyle/>
+          <a:p>
+            <a:r>
+              <a:rPr lang="en-US" altLang="zh-CN" sz="3200"/>
+              <a:t>《MKZ》 </a:t>
+            </a:r>
+          </a:p>
+        </p:txBody>
+      </p:sp>
+      <p:sp>
+        <p:nvSpPr>
+          <p:cNvPr id="155651" name="Rectangle 3"/>
+          <p:cNvSpPr>
+            <a:spLocks noGrp="1" noChangeArrowheads="1"/>
+          </p:cNvSpPr>
+          <p:nvPr>
+            <p:ph idx="1"/>
+          </p:nvPr>
+        </p:nvSpPr>
+        <p:spPr/>
+        <p:txBody>
           <a:bodyPr>
-            <a:normAutofit/>
+            <a:normAutofit fontScale="85000" lnSpcReduction="20000"/>
           </a:bodyPr>
           <a:lstStyle/>
           <a:p>
-            <a:r>
-              <a:rPr lang="zh-CN" altLang="en-US" dirty="0" smtClean="0"/>
-              <a:t>游戏开发的趋势</a:t>
-            </a:r>
-            <a:endParaRPr lang="zh-CN" altLang="en-US" dirty="0"/>
-          </a:p>
-        </p:txBody>
-      </p:sp>
-      <p:sp>
-        <p:nvSpPr>
-          <p:cNvPr id="3" name="内容占位符 2"/>
-          <p:cNvSpPr>
-            <a:spLocks noGrp="1"/>
-          </p:cNvSpPr>
-          <p:nvPr>
-            <p:ph idx="1"/>
-          </p:nvPr>
-        </p:nvSpPr>
-        <p:spPr/>
-        <p:txBody>
-          <a:bodyPr/>
-          <a:lstStyle/>
-          <a:p>
-            <a:r>
-              <a:rPr lang="zh-CN" altLang="en-US" dirty="0" smtClean="0"/>
-              <a:t>技术壁垒逐渐消失</a:t>
-            </a:r>
-            <a:endParaRPr lang="en-US" altLang="zh-CN" dirty="0" smtClean="0"/>
-          </a:p>
-          <a:p>
-            <a:pPr lvl="1"/>
-            <a:r>
-              <a:rPr lang="zh-CN" altLang="en-US" dirty="0" smtClean="0"/>
-              <a:t>早期的游戏开发，技术很关键</a:t>
-            </a:r>
-            <a:endParaRPr lang="en-US" altLang="zh-CN" dirty="0" smtClean="0"/>
-          </a:p>
-          <a:p>
-            <a:pPr lvl="1"/>
-            <a:r>
-              <a:rPr lang="zh-CN" altLang="en-US" dirty="0" smtClean="0"/>
-              <a:t>各种中间件的出现解决了这个问题</a:t>
-            </a:r>
-            <a:endParaRPr lang="en-US" altLang="zh-CN" dirty="0" smtClean="0"/>
-          </a:p>
-          <a:p>
-            <a:r>
-              <a:rPr lang="zh-CN" altLang="en-US" dirty="0" smtClean="0"/>
-              <a:t>内容为王</a:t>
-            </a:r>
-            <a:endParaRPr lang="en-US" altLang="zh-CN" dirty="0" smtClean="0"/>
-          </a:p>
-          <a:p>
-            <a:pPr lvl="1"/>
-            <a:r>
-              <a:rPr lang="zh-CN" altLang="en-US" dirty="0" smtClean="0"/>
-              <a:t>早些年是技术炫耀</a:t>
-            </a:r>
-            <a:endParaRPr lang="en-US" altLang="zh-CN" dirty="0" smtClean="0"/>
-          </a:p>
-          <a:p>
-            <a:pPr lvl="1"/>
-            <a:r>
-              <a:rPr lang="zh-CN" altLang="en-US" dirty="0" smtClean="0"/>
-              <a:t>现在是提炼玩法</a:t>
-            </a:r>
-            <a:endParaRPr lang="zh-CN" altLang="en-US" dirty="0"/>
+            <a:pPr>
+              <a:lnSpc>
+                <a:spcPct val="90000"/>
+              </a:lnSpc>
+            </a:pPr>
+            <a:r>
+              <a:rPr lang="en-US" altLang="zh-CN"/>
+              <a:t>NVIDIA“</a:t>
+            </a:r>
+            <a:r>
+              <a:rPr lang="zh-CN" altLang="en-US"/>
+              <a:t>游戏之道”计划中首款中国原创</a:t>
+            </a:r>
+            <a:r>
+              <a:rPr lang="en-US" altLang="zh-CN"/>
+              <a:t>FPS</a:t>
+            </a:r>
+            <a:r>
+              <a:rPr lang="zh-CN" altLang="en-US"/>
+              <a:t>网游</a:t>
+            </a:r>
+          </a:p>
+          <a:p>
+            <a:pPr>
+              <a:lnSpc>
+                <a:spcPct val="90000"/>
+              </a:lnSpc>
+            </a:pPr>
+            <a:r>
+              <a:rPr lang="zh-CN" altLang="en-US"/>
+              <a:t>得到了</a:t>
+            </a:r>
+            <a:r>
+              <a:rPr lang="en-US" altLang="zh-CN"/>
+              <a:t>NVIDIA</a:t>
+            </a:r>
+            <a:r>
+              <a:rPr lang="zh-CN" altLang="en-US"/>
+              <a:t>的强大物理引擎支持</a:t>
+            </a:r>
+          </a:p>
+          <a:p>
+            <a:pPr>
+              <a:lnSpc>
+                <a:spcPct val="90000"/>
+              </a:lnSpc>
+            </a:pPr>
+            <a:r>
+              <a:rPr lang="zh-CN" altLang="en-US"/>
+              <a:t>使游戏拥有了最优质的画面表现力和最真实的物理效果</a:t>
+            </a:r>
+          </a:p>
+          <a:p>
+            <a:pPr>
+              <a:lnSpc>
+                <a:spcPct val="90000"/>
+              </a:lnSpc>
+            </a:pPr>
+            <a:r>
+              <a:rPr lang="zh-CN" altLang="en-US"/>
+              <a:t>发布会当天，通过</a:t>
+            </a:r>
+            <a:r>
+              <a:rPr lang="en-US" altLang="zh-CN"/>
+              <a:t>3D</a:t>
+            </a:r>
+            <a:r>
+              <a:rPr lang="zh-CN" altLang="en-US"/>
+              <a:t>立体幻镜和高刷新率的显示器支持，</a:t>
+            </a:r>
+            <a:r>
+              <a:rPr lang="en-US" altLang="zh-CN"/>
+              <a:t>《MKZ》</a:t>
+            </a:r>
+            <a:r>
+              <a:rPr lang="zh-CN" altLang="en-US"/>
+              <a:t>的视觉效果带给在场玩家和媒体突破性的震撼，实现了质的飞跃</a:t>
+            </a:r>
+          </a:p>
+          <a:p>
+            <a:pPr>
+              <a:lnSpc>
+                <a:spcPct val="90000"/>
+              </a:lnSpc>
+            </a:pPr>
+            <a:r>
+              <a:rPr lang="zh-CN" altLang="en-US"/>
+              <a:t>会出现大量的可破坏物体，另外还有高级的布料效果、互动植物、以及</a:t>
+            </a:r>
+            <a:r>
+              <a:rPr lang="en-US" altLang="zh-CN"/>
+              <a:t>Rag doll</a:t>
+            </a:r>
+            <a:r>
+              <a:rPr lang="zh-CN" altLang="en-US"/>
+              <a:t>死亡特效等</a:t>
+            </a:r>
+          </a:p>
+          <a:p>
+            <a:pPr>
+              <a:lnSpc>
+                <a:spcPct val="90000"/>
+              </a:lnSpc>
+            </a:pPr>
+            <a:r>
+              <a:rPr lang="zh-CN" altLang="en-US"/>
+              <a:t>玩家可以利用其物理特性对敌方造成伤害</a:t>
+            </a:r>
           </a:p>
         </p:txBody>
       </p:sp>
@@ -36392,17 +36492,10 @@
   <p:transition>
     <p:fade/>
   </p:transition>
-  <p:timing>
-    <p:tnLst>
-      <p:par>
-        <p:cTn id="1" dur="indefinite" restart="never" nodeType="tmRoot"/>
-      </p:par>
-    </p:tnLst>
-  </p:timing>
 </p:sld>
 </file>
 
-<file path=ppt/slides/slide30.xml><?xml version="1.0" encoding="utf-8"?>
+<file path=ppt/slides/slide31.xml><?xml version="1.0" encoding="utf-8"?>
 <p:sld xmlns:a="http://schemas.openxmlformats.org/drawingml/2006/main" xmlns:r="http://schemas.openxmlformats.org/officeDocument/2006/relationships" xmlns:p="http://schemas.openxmlformats.org/presentationml/2006/main">
   <p:cSld>
     <p:spTree>
@@ -36522,7 +36615,7 @@
 </p:sld>
 </file>
 
-<file path=ppt/slides/slide31.xml><?xml version="1.0" encoding="utf-8"?>
+<file path=ppt/slides/slide32.xml><?xml version="1.0" encoding="utf-8"?>
 <p:sld xmlns:a="http://schemas.openxmlformats.org/drawingml/2006/main" xmlns:r="http://schemas.openxmlformats.org/officeDocument/2006/relationships" xmlns:p="http://schemas.openxmlformats.org/presentationml/2006/main">
   <p:cSld>
     <p:spTree>
@@ -36633,7 +36726,7 @@
 </p:sld>
 </file>
 
-<file path=ppt/slides/slide32.xml><?xml version="1.0" encoding="utf-8"?>
+<file path=ppt/slides/slide33.xml><?xml version="1.0" encoding="utf-8"?>
 <p:sld xmlns:a="http://schemas.openxmlformats.org/drawingml/2006/main" xmlns:r="http://schemas.openxmlformats.org/officeDocument/2006/relationships" xmlns:p="http://schemas.openxmlformats.org/presentationml/2006/main">
   <p:cSld>
     <p:spTree>
@@ -36753,7 +36846,7 @@
 </p:sld>
 </file>
 
-<file path=ppt/slides/slide33.xml><?xml version="1.0" encoding="utf-8"?>
+<file path=ppt/slides/slide34.xml><?xml version="1.0" encoding="utf-8"?>
 <p:sld xmlns:a="http://schemas.openxmlformats.org/drawingml/2006/main" xmlns:r="http://schemas.openxmlformats.org/officeDocument/2006/relationships" xmlns:p="http://schemas.openxmlformats.org/presentationml/2006/main">
   <p:cSld>
     <p:spTree>
@@ -36855,7 +36948,7 @@
 </p:sld>
 </file>
 
-<file path=ppt/slides/slide34.xml><?xml version="1.0" encoding="utf-8"?>
+<file path=ppt/slides/slide35.xml><?xml version="1.0" encoding="utf-8"?>
 <p:sld xmlns:a="http://schemas.openxmlformats.org/drawingml/2006/main" xmlns:r="http://schemas.openxmlformats.org/officeDocument/2006/relationships" xmlns:p="http://schemas.openxmlformats.org/presentationml/2006/main">
   <p:cSld>
     <p:spTree>
@@ -36949,7 +37042,7 @@
 </p:sld>
 </file>
 
-<file path=ppt/slides/slide35.xml><?xml version="1.0" encoding="utf-8"?>
+<file path=ppt/slides/slide36.xml><?xml version="1.0" encoding="utf-8"?>
 <p:sld xmlns:a="http://schemas.openxmlformats.org/drawingml/2006/main" xmlns:r="http://schemas.openxmlformats.org/officeDocument/2006/relationships" xmlns:p="http://schemas.openxmlformats.org/presentationml/2006/main">
   <p:cSld>
     <p:spTree>
@@ -37093,7 +37186,7 @@
 </p:sld>
 </file>
 
-<file path=ppt/slides/slide36.xml><?xml version="1.0" encoding="utf-8"?>
+<file path=ppt/slides/slide37.xml><?xml version="1.0" encoding="utf-8"?>
 <p:sld xmlns:a="http://schemas.openxmlformats.org/drawingml/2006/main" xmlns:r="http://schemas.openxmlformats.org/officeDocument/2006/relationships" xmlns:p="http://schemas.openxmlformats.org/presentationml/2006/main">
   <p:cSld>
     <p:spTree>
@@ -37187,7 +37280,7 @@
 </p:sld>
 </file>
 
-<file path=ppt/slides/slide37.xml><?xml version="1.0" encoding="utf-8"?>
+<file path=ppt/slides/slide38.xml><?xml version="1.0" encoding="utf-8"?>
 <p:sld xmlns:a="http://schemas.openxmlformats.org/drawingml/2006/main" xmlns:r="http://schemas.openxmlformats.org/officeDocument/2006/relationships" xmlns:p="http://schemas.openxmlformats.org/presentationml/2006/main">
   <p:cSld>
     <p:spTree>
@@ -37305,7 +37398,7 @@
 </p:sld>
 </file>
 
-<file path=ppt/slides/slide38.xml><?xml version="1.0" encoding="utf-8"?>
+<file path=ppt/slides/slide39.xml><?xml version="1.0" encoding="utf-8"?>
 <p:sld xmlns:a="http://schemas.openxmlformats.org/drawingml/2006/main" xmlns:r="http://schemas.openxmlformats.org/officeDocument/2006/relationships" xmlns:p="http://schemas.openxmlformats.org/presentationml/2006/main">
   <p:cSld>
     <p:spTree>
@@ -37399,120 +37492,6 @@
 </p:sld>
 </file>
 
-<file path=ppt/slides/slide39.xml><?xml version="1.0" encoding="utf-8"?>
-<p:sld xmlns:a="http://schemas.openxmlformats.org/drawingml/2006/main" xmlns:r="http://schemas.openxmlformats.org/officeDocument/2006/relationships" xmlns:p="http://schemas.openxmlformats.org/presentationml/2006/main">
-  <p:cSld>
-    <p:spTree>
-      <p:nvGrpSpPr>
-        <p:cNvPr id="1" name=""/>
-        <p:cNvGrpSpPr/>
-        <p:nvPr/>
-      </p:nvGrpSpPr>
-      <p:grpSpPr>
-        <a:xfrm>
-          <a:off x="0" y="0"/>
-          <a:ext cx="0" cy="0"/>
-          <a:chOff x="0" y="0"/>
-          <a:chExt cx="0" cy="0"/>
-        </a:xfrm>
-      </p:grpSpPr>
-      <p:sp>
-        <p:nvSpPr>
-          <p:cNvPr id="176130" name="Rectangle 2"/>
-          <p:cNvSpPr>
-            <a:spLocks noGrp="1" noChangeArrowheads="1"/>
-          </p:cNvSpPr>
-          <p:nvPr>
-            <p:ph type="title"/>
-          </p:nvPr>
-        </p:nvSpPr>
-        <p:spPr/>
-        <p:txBody>
-          <a:bodyPr/>
-          <a:lstStyle/>
-          <a:p>
-            <a:r>
-              <a:rPr lang="en-US" altLang="zh-CN" sz="3200"/>
-              <a:t>《</a:t>
-            </a:r>
-            <a:r>
-              <a:rPr lang="zh-CN" altLang="en-US" sz="3200"/>
-              <a:t>剑网</a:t>
-            </a:r>
-            <a:r>
-              <a:rPr lang="en-US" altLang="zh-CN" sz="3200"/>
-              <a:t>3》</a:t>
-            </a:r>
-          </a:p>
-        </p:txBody>
-      </p:sp>
-      <p:sp>
-        <p:nvSpPr>
-          <p:cNvPr id="176131" name="Rectangle 3"/>
-          <p:cNvSpPr>
-            <a:spLocks noGrp="1" noChangeArrowheads="1"/>
-          </p:cNvSpPr>
-          <p:nvPr>
-            <p:ph idx="1"/>
-          </p:nvPr>
-        </p:nvSpPr>
-        <p:spPr/>
-        <p:txBody>
-          <a:bodyPr>
-            <a:normAutofit fontScale="92500" lnSpcReduction="20000"/>
-          </a:bodyPr>
-          <a:lstStyle/>
-          <a:p>
-            <a:r>
-              <a:rPr lang="zh-CN" altLang="en-US"/>
-              <a:t>是由金山开发运营的</a:t>
-            </a:r>
-            <a:r>
-              <a:rPr lang="en-US" altLang="zh-CN"/>
-              <a:t>3D</a:t>
-            </a:r>
-            <a:r>
-              <a:rPr lang="zh-CN" altLang="en-US"/>
-              <a:t>武侠角色扮演网游。作为“剑侠情缘网络版”系列三部曲的最后一部，凭借超大规模的地形植被渲染技术、优秀的场景光影特效、</a:t>
-            </a:r>
-            <a:r>
-              <a:rPr lang="en-US" altLang="zh-CN"/>
-              <a:t>Normal Map</a:t>
-            </a:r>
-            <a:r>
-              <a:rPr lang="zh-CN" altLang="en-US"/>
-              <a:t>和</a:t>
-            </a:r>
-            <a:r>
-              <a:rPr lang="en-US" altLang="zh-CN"/>
-              <a:t>SpeedTree</a:t>
-            </a:r>
-            <a:r>
-              <a:rPr lang="zh-CN" altLang="en-US"/>
-              <a:t>等先进运算绘制手法，使用全</a:t>
-            </a:r>
-            <a:r>
-              <a:rPr lang="en-US" altLang="zh-CN"/>
-              <a:t>3D</a:t>
-            </a:r>
-            <a:r>
-              <a:rPr lang="zh-CN" altLang="en-US"/>
-              <a:t>来诠释中华传统文化，并将诗词、歌舞、丝绸、古琴、饮酒文化、茶艺、音乐等多种具有中国传统文化特色的元素融入到游戏中，展现给玩家一个气势恢弘、壮丽华美的大唐世界</a:t>
-            </a:r>
-          </a:p>
-        </p:txBody>
-      </p:sp>
-    </p:spTree>
-  </p:cSld>
-  <p:clrMapOvr>
-    <a:masterClrMapping/>
-  </p:clrMapOvr>
-  <p:transition>
-    <p:fade/>
-  </p:transition>
-</p:sld>
-</file>
-
 <file path=ppt/slides/slide4.xml><?xml version="1.0" encoding="utf-8"?>
 <p:sld xmlns:a="http://schemas.openxmlformats.org/drawingml/2006/main" xmlns:r="http://schemas.openxmlformats.org/officeDocument/2006/relationships" xmlns:p="http://schemas.openxmlformats.org/presentationml/2006/main">
   <p:cSld>
@@ -37549,6 +37528,1910 @@
           <a:p>
             <a:r>
               <a:rPr lang="zh-CN" altLang="en-US" dirty="0" smtClean="0"/>
+              <a:t>游戏开发的趋势</a:t>
+            </a:r>
+            <a:endParaRPr lang="zh-CN" altLang="en-US" dirty="0"/>
+          </a:p>
+        </p:txBody>
+      </p:sp>
+      <p:sp>
+        <p:nvSpPr>
+          <p:cNvPr id="3" name="内容占位符 2"/>
+          <p:cNvSpPr>
+            <a:spLocks noGrp="1"/>
+          </p:cNvSpPr>
+          <p:nvPr>
+            <p:ph idx="1"/>
+          </p:nvPr>
+        </p:nvSpPr>
+        <p:spPr/>
+        <p:txBody>
+          <a:bodyPr/>
+          <a:lstStyle/>
+          <a:p>
+            <a:r>
+              <a:rPr lang="zh-CN" altLang="en-US" dirty="0" smtClean="0"/>
+              <a:t>技术壁垒逐渐消失</a:t>
+            </a:r>
+            <a:endParaRPr lang="en-US" altLang="zh-CN" dirty="0" smtClean="0"/>
+          </a:p>
+          <a:p>
+            <a:pPr lvl="1"/>
+            <a:r>
+              <a:rPr lang="zh-CN" altLang="en-US" dirty="0" smtClean="0"/>
+              <a:t>早期的游戏开发，技术很关键</a:t>
+            </a:r>
+            <a:endParaRPr lang="en-US" altLang="zh-CN" dirty="0" smtClean="0"/>
+          </a:p>
+          <a:p>
+            <a:pPr lvl="1"/>
+            <a:r>
+              <a:rPr lang="zh-CN" altLang="en-US" dirty="0" smtClean="0"/>
+              <a:t>各种中间件的出现解决了这个问题</a:t>
+            </a:r>
+            <a:endParaRPr lang="en-US" altLang="zh-CN" dirty="0" smtClean="0"/>
+          </a:p>
+          <a:p>
+            <a:r>
+              <a:rPr lang="zh-CN" altLang="en-US" dirty="0" smtClean="0"/>
+              <a:t>内容为王</a:t>
+            </a:r>
+            <a:endParaRPr lang="en-US" altLang="zh-CN" dirty="0" smtClean="0"/>
+          </a:p>
+          <a:p>
+            <a:pPr lvl="1"/>
+            <a:r>
+              <a:rPr lang="zh-CN" altLang="en-US" dirty="0" smtClean="0"/>
+              <a:t>早些年是技术炫耀</a:t>
+            </a:r>
+            <a:endParaRPr lang="en-US" altLang="zh-CN" dirty="0" smtClean="0"/>
+          </a:p>
+          <a:p>
+            <a:pPr lvl="1"/>
+            <a:r>
+              <a:rPr lang="zh-CN" altLang="en-US" dirty="0" smtClean="0"/>
+              <a:t>现在是提炼玩法</a:t>
+            </a:r>
+            <a:endParaRPr lang="zh-CN" altLang="en-US" dirty="0"/>
+          </a:p>
+        </p:txBody>
+      </p:sp>
+    </p:spTree>
+  </p:cSld>
+  <p:clrMapOvr>
+    <a:masterClrMapping/>
+  </p:clrMapOvr>
+  <p:transition>
+    <p:fade/>
+  </p:transition>
+  <p:timing>
+    <p:tnLst>
+      <p:par>
+        <p:cTn id="1" dur="indefinite" restart="never" nodeType="tmRoot"/>
+      </p:par>
+    </p:tnLst>
+  </p:timing>
+</p:sld>
+</file>
+
+<file path=ppt/slides/slide40.xml><?xml version="1.0" encoding="utf-8"?>
+<p:sld xmlns:a="http://schemas.openxmlformats.org/drawingml/2006/main" xmlns:r="http://schemas.openxmlformats.org/officeDocument/2006/relationships" xmlns:p="http://schemas.openxmlformats.org/presentationml/2006/main">
+  <p:cSld>
+    <p:spTree>
+      <p:nvGrpSpPr>
+        <p:cNvPr id="1" name=""/>
+        <p:cNvGrpSpPr/>
+        <p:nvPr/>
+      </p:nvGrpSpPr>
+      <p:grpSpPr>
+        <a:xfrm>
+          <a:off x="0" y="0"/>
+          <a:ext cx="0" cy="0"/>
+          <a:chOff x="0" y="0"/>
+          <a:chExt cx="0" cy="0"/>
+        </a:xfrm>
+      </p:grpSpPr>
+      <p:sp>
+        <p:nvSpPr>
+          <p:cNvPr id="176130" name="Rectangle 2"/>
+          <p:cNvSpPr>
+            <a:spLocks noGrp="1" noChangeArrowheads="1"/>
+          </p:cNvSpPr>
+          <p:nvPr>
+            <p:ph type="title"/>
+          </p:nvPr>
+        </p:nvSpPr>
+        <p:spPr/>
+        <p:txBody>
+          <a:bodyPr/>
+          <a:lstStyle/>
+          <a:p>
+            <a:r>
+              <a:rPr lang="en-US" altLang="zh-CN" sz="3200"/>
+              <a:t>《</a:t>
+            </a:r>
+            <a:r>
+              <a:rPr lang="zh-CN" altLang="en-US" sz="3200"/>
+              <a:t>剑网</a:t>
+            </a:r>
+            <a:r>
+              <a:rPr lang="en-US" altLang="zh-CN" sz="3200"/>
+              <a:t>3》</a:t>
+            </a:r>
+          </a:p>
+        </p:txBody>
+      </p:sp>
+      <p:sp>
+        <p:nvSpPr>
+          <p:cNvPr id="176131" name="Rectangle 3"/>
+          <p:cNvSpPr>
+            <a:spLocks noGrp="1" noChangeArrowheads="1"/>
+          </p:cNvSpPr>
+          <p:nvPr>
+            <p:ph idx="1"/>
+          </p:nvPr>
+        </p:nvSpPr>
+        <p:spPr/>
+        <p:txBody>
+          <a:bodyPr>
+            <a:normAutofit fontScale="92500" lnSpcReduction="20000"/>
+          </a:bodyPr>
+          <a:lstStyle/>
+          <a:p>
+            <a:r>
+              <a:rPr lang="zh-CN" altLang="en-US"/>
+              <a:t>是由金山开发运营的</a:t>
+            </a:r>
+            <a:r>
+              <a:rPr lang="en-US" altLang="zh-CN"/>
+              <a:t>3D</a:t>
+            </a:r>
+            <a:r>
+              <a:rPr lang="zh-CN" altLang="en-US"/>
+              <a:t>武侠角色扮演网游。作为“剑侠情缘网络版”系列三部曲的最后一部，凭借超大规模的地形植被渲染技术、优秀的场景光影特效、</a:t>
+            </a:r>
+            <a:r>
+              <a:rPr lang="en-US" altLang="zh-CN"/>
+              <a:t>Normal Map</a:t>
+            </a:r>
+            <a:r>
+              <a:rPr lang="zh-CN" altLang="en-US"/>
+              <a:t>和</a:t>
+            </a:r>
+            <a:r>
+              <a:rPr lang="en-US" altLang="zh-CN"/>
+              <a:t>SpeedTree</a:t>
+            </a:r>
+            <a:r>
+              <a:rPr lang="zh-CN" altLang="en-US"/>
+              <a:t>等先进运算绘制手法，使用全</a:t>
+            </a:r>
+            <a:r>
+              <a:rPr lang="en-US" altLang="zh-CN"/>
+              <a:t>3D</a:t>
+            </a:r>
+            <a:r>
+              <a:rPr lang="zh-CN" altLang="en-US"/>
+              <a:t>来诠释中华传统文化，并将诗词、歌舞、丝绸、古琴、饮酒文化、茶艺、音乐等多种具有中国传统文化特色的元素融入到游戏中，展现给玩家一个气势恢弘、壮丽华美的大唐世界</a:t>
+            </a:r>
+          </a:p>
+        </p:txBody>
+      </p:sp>
+    </p:spTree>
+  </p:cSld>
+  <p:clrMapOvr>
+    <a:masterClrMapping/>
+  </p:clrMapOvr>
+  <p:transition>
+    <p:fade/>
+  </p:transition>
+</p:sld>
+</file>
+
+<file path=ppt/slides/slide41.xml><?xml version="1.0" encoding="utf-8"?>
+<p:sld xmlns:a="http://schemas.openxmlformats.org/drawingml/2006/main" xmlns:r="http://schemas.openxmlformats.org/officeDocument/2006/relationships" xmlns:p="http://schemas.openxmlformats.org/presentationml/2006/main">
+  <p:cSld>
+    <p:spTree>
+      <p:nvGrpSpPr>
+        <p:cNvPr id="1" name=""/>
+        <p:cNvGrpSpPr/>
+        <p:nvPr/>
+      </p:nvGrpSpPr>
+      <p:grpSpPr>
+        <a:xfrm>
+          <a:off x="0" y="0"/>
+          <a:ext cx="0" cy="0"/>
+          <a:chOff x="0" y="0"/>
+          <a:chExt cx="0" cy="0"/>
+        </a:xfrm>
+      </p:grpSpPr>
+      <p:sp>
+        <p:nvSpPr>
+          <p:cNvPr id="178178" name="Rectangle 2"/>
+          <p:cNvSpPr>
+            <a:spLocks noGrp="1" noChangeArrowheads="1"/>
+          </p:cNvSpPr>
+          <p:nvPr>
+            <p:ph type="title"/>
+          </p:nvPr>
+        </p:nvSpPr>
+        <p:spPr/>
+        <p:txBody>
+          <a:bodyPr>
+            <a:normAutofit/>
+          </a:bodyPr>
+          <a:lstStyle/>
+          <a:p>
+            <a:endParaRPr lang="zh-CN" altLang="zh-CN"/>
+          </a:p>
+        </p:txBody>
+      </p:sp>
+      <p:sp>
+        <p:nvSpPr>
+          <p:cNvPr id="178179" name="Rectangle 3"/>
+          <p:cNvSpPr>
+            <a:spLocks noGrp="1" noChangeArrowheads="1"/>
+          </p:cNvSpPr>
+          <p:nvPr>
+            <p:ph idx="1"/>
+          </p:nvPr>
+        </p:nvSpPr>
+        <p:spPr/>
+        <p:txBody>
+          <a:bodyPr/>
+          <a:lstStyle/>
+          <a:p>
+            <a:endParaRPr lang="zh-CN" altLang="zh-CN"/>
+          </a:p>
+        </p:txBody>
+      </p:sp>
+      <p:pic>
+        <p:nvPicPr>
+          <p:cNvPr id="178181" name="Picture 5" descr="HD5870"/>
+          <p:cNvPicPr>
+            <a:picLocks noChangeAspect="1" noChangeArrowheads="1"/>
+          </p:cNvPicPr>
+          <p:nvPr/>
+        </p:nvPicPr>
+        <p:blipFill>
+          <a:blip r:embed="rId3" cstate="print"/>
+          <a:srcRect/>
+          <a:stretch>
+            <a:fillRect/>
+          </a:stretch>
+        </p:blipFill>
+        <p:spPr bwMode="auto">
+          <a:xfrm>
+            <a:off x="2190750" y="1232298"/>
+            <a:ext cx="4762500" cy="2678906"/>
+          </a:xfrm>
+          <a:prstGeom prst="rect">
+            <a:avLst/>
+          </a:prstGeom>
+          <a:noFill/>
+        </p:spPr>
+      </p:pic>
+    </p:spTree>
+  </p:cSld>
+  <p:clrMapOvr>
+    <a:masterClrMapping/>
+  </p:clrMapOvr>
+  <p:transition>
+    <p:fade/>
+  </p:transition>
+</p:sld>
+</file>
+
+<file path=ppt/slides/slide42.xml><?xml version="1.0" encoding="utf-8"?>
+<p:sld xmlns:a="http://schemas.openxmlformats.org/drawingml/2006/main" xmlns:r="http://schemas.openxmlformats.org/officeDocument/2006/relationships" xmlns:p="http://schemas.openxmlformats.org/presentationml/2006/main">
+  <p:cSld>
+    <p:spTree>
+      <p:nvGrpSpPr>
+        <p:cNvPr id="1" name=""/>
+        <p:cNvGrpSpPr/>
+        <p:nvPr/>
+      </p:nvGrpSpPr>
+      <p:grpSpPr>
+        <a:xfrm>
+          <a:off x="0" y="0"/>
+          <a:ext cx="0" cy="0"/>
+          <a:chOff x="0" y="0"/>
+          <a:chExt cx="0" cy="0"/>
+        </a:xfrm>
+      </p:grpSpPr>
+      <p:sp>
+        <p:nvSpPr>
+          <p:cNvPr id="58370" name="Rectangle 2"/>
+          <p:cNvSpPr>
+            <a:spLocks noGrp="1" noChangeArrowheads="1"/>
+          </p:cNvSpPr>
+          <p:nvPr>
+            <p:ph type="title"/>
+          </p:nvPr>
+        </p:nvSpPr>
+        <p:spPr/>
+        <p:txBody>
+          <a:bodyPr/>
+          <a:lstStyle/>
+          <a:p>
+            <a:r>
+              <a:rPr lang="zh-CN" altLang="en-US" sz="3200"/>
+              <a:t>物理引擎介绍</a:t>
+            </a:r>
+          </a:p>
+        </p:txBody>
+      </p:sp>
+      <p:sp>
+        <p:nvSpPr>
+          <p:cNvPr id="58371" name="Rectangle 3"/>
+          <p:cNvSpPr>
+            <a:spLocks noGrp="1" noChangeArrowheads="1"/>
+          </p:cNvSpPr>
+          <p:nvPr>
+            <p:ph idx="1"/>
+          </p:nvPr>
+        </p:nvSpPr>
+        <p:spPr/>
+        <p:txBody>
+          <a:bodyPr>
+            <a:normAutofit fontScale="92500" lnSpcReduction="20000"/>
+          </a:bodyPr>
+          <a:lstStyle/>
+          <a:p>
+            <a:pPr>
+              <a:lnSpc>
+                <a:spcPct val="80000"/>
+              </a:lnSpc>
+            </a:pPr>
+            <a:r>
+              <a:rPr lang="en-US" altLang="zh-CN" sz="1800" b="1"/>
+              <a:t>Open source</a:t>
+            </a:r>
+          </a:p>
+          <a:p>
+            <a:pPr lvl="1">
+              <a:lnSpc>
+                <a:spcPct val="80000"/>
+              </a:lnSpc>
+            </a:pPr>
+            <a:r>
+              <a:rPr lang="en-US" altLang="zh-CN" sz="1600">
+                <a:hlinkClick r:id="rId3" tooltip="Bullet (software)"/>
+              </a:rPr>
+              <a:t>Bullet</a:t>
+            </a:r>
+            <a:r>
+              <a:rPr lang="en-US" altLang="zh-CN" sz="1600"/>
+              <a:t> </a:t>
+            </a:r>
+          </a:p>
+          <a:p>
+            <a:pPr lvl="1">
+              <a:lnSpc>
+                <a:spcPct val="80000"/>
+              </a:lnSpc>
+            </a:pPr>
+            <a:r>
+              <a:rPr lang="en-US" altLang="zh-CN" sz="1600">
+                <a:hlinkClick r:id="rId4" tooltip="Open Dynamics Engine"/>
+              </a:rPr>
+              <a:t>Open Dynamics Engine</a:t>
+            </a:r>
+            <a:r>
+              <a:rPr lang="en-US" altLang="zh-CN" sz="1600"/>
+              <a:t> </a:t>
+            </a:r>
+          </a:p>
+          <a:p>
+            <a:pPr lvl="1">
+              <a:lnSpc>
+                <a:spcPct val="80000"/>
+              </a:lnSpc>
+            </a:pPr>
+            <a:r>
+              <a:rPr lang="en-US" altLang="zh-CN" sz="1600">
+                <a:hlinkClick r:id="rId5" tooltip="OPAL (software)"/>
+              </a:rPr>
+              <a:t>OPAL</a:t>
+            </a:r>
+            <a:r>
+              <a:rPr lang="en-US" altLang="zh-CN" sz="1600"/>
+              <a:t> </a:t>
+            </a:r>
+          </a:p>
+          <a:p>
+            <a:pPr lvl="1">
+              <a:lnSpc>
+                <a:spcPct val="80000"/>
+              </a:lnSpc>
+            </a:pPr>
+            <a:r>
+              <a:rPr lang="en-US" altLang="zh-CN" sz="1600">
+                <a:hlinkClick r:id="rId6" tooltip="PAL (software)"/>
+              </a:rPr>
+              <a:t>PAL</a:t>
+            </a:r>
+            <a:r>
+              <a:rPr lang="en-US" altLang="zh-CN" sz="1600"/>
+              <a:t> </a:t>
+            </a:r>
+          </a:p>
+          <a:p>
+            <a:pPr lvl="1">
+              <a:lnSpc>
+                <a:spcPct val="80000"/>
+              </a:lnSpc>
+            </a:pPr>
+            <a:r>
+              <a:rPr lang="en-US" altLang="zh-CN" sz="1600">
+                <a:hlinkClick r:id="rId7" tooltip="Tokamak physics engine"/>
+              </a:rPr>
+              <a:t>Tokamak physics engine</a:t>
+            </a:r>
+            <a:r>
+              <a:rPr lang="en-US" altLang="zh-CN" sz="1600"/>
+              <a:t> </a:t>
+            </a:r>
+          </a:p>
+          <a:p>
+            <a:pPr lvl="1">
+              <a:lnSpc>
+                <a:spcPct val="80000"/>
+              </a:lnSpc>
+            </a:pPr>
+            <a:r>
+              <a:rPr lang="en-US" altLang="zh-CN" sz="1600">
+                <a:hlinkClick r:id="rId8"/>
+              </a:rPr>
+              <a:t>DynaForce </a:t>
+            </a:r>
+            <a:endParaRPr lang="en-US" altLang="zh-CN" sz="1600"/>
+          </a:p>
+          <a:p>
+            <a:pPr>
+              <a:lnSpc>
+                <a:spcPct val="80000"/>
+              </a:lnSpc>
+            </a:pPr>
+            <a:r>
+              <a:rPr lang="en-US" altLang="zh-CN" sz="1800" b="1"/>
+              <a:t>Closed source/limited free distribution</a:t>
+            </a:r>
+          </a:p>
+          <a:p>
+            <a:pPr lvl="1">
+              <a:lnSpc>
+                <a:spcPct val="80000"/>
+              </a:lnSpc>
+            </a:pPr>
+            <a:r>
+              <a:rPr lang="en-US" altLang="zh-CN" sz="1600">
+                <a:hlinkClick r:id="rId9" tooltip="Newton Game Dynamics"/>
+              </a:rPr>
+              <a:t>Newton Game Dynamics</a:t>
+            </a:r>
+            <a:r>
+              <a:rPr lang="en-US" altLang="zh-CN" sz="1600"/>
+              <a:t> </a:t>
+            </a:r>
+          </a:p>
+          <a:p>
+            <a:pPr lvl="1">
+              <a:lnSpc>
+                <a:spcPct val="80000"/>
+              </a:lnSpc>
+            </a:pPr>
+            <a:r>
+              <a:rPr lang="en-US" altLang="zh-CN" sz="1600">
+                <a:hlinkClick r:id="rId10" tooltip="http://www.spehome.com"/>
+              </a:rPr>
+              <a:t>Simple Physics Engine</a:t>
+            </a:r>
+            <a:r>
+              <a:rPr lang="en-US" altLang="zh-CN" sz="1600"/>
+              <a:t> </a:t>
+            </a:r>
+          </a:p>
+          <a:p>
+            <a:pPr lvl="1">
+              <a:lnSpc>
+                <a:spcPct val="80000"/>
+              </a:lnSpc>
+            </a:pPr>
+            <a:r>
+              <a:rPr lang="en-US" altLang="zh-CN" sz="1600">
+                <a:hlinkClick r:id="rId11" tooltip="http://trueaxis.com/"/>
+              </a:rPr>
+              <a:t>True Axis</a:t>
+            </a:r>
+            <a:r>
+              <a:rPr lang="en-US" altLang="zh-CN" sz="1600"/>
+              <a:t> </a:t>
+            </a:r>
+          </a:p>
+          <a:p>
+            <a:pPr lvl="1">
+              <a:lnSpc>
+                <a:spcPct val="80000"/>
+              </a:lnSpc>
+            </a:pPr>
+            <a:r>
+              <a:rPr lang="en-US" altLang="zh-CN" sz="1600">
+                <a:hlinkClick r:id="rId12" tooltip="PhysX"/>
+              </a:rPr>
+              <a:t>PhysX</a:t>
+            </a:r>
+            <a:r>
+              <a:rPr lang="en-US" altLang="zh-CN" sz="1600"/>
+              <a:t> (formerly NovodeX and incorporating </a:t>
+            </a:r>
+            <a:r>
+              <a:rPr lang="en-US" altLang="zh-CN" sz="1600">
+                <a:hlinkClick r:id="rId13" tooltip="Meqon"/>
+              </a:rPr>
+              <a:t>Meqon</a:t>
+            </a:r>
+            <a:r>
+              <a:rPr lang="en-US" altLang="zh-CN" sz="1600"/>
+              <a:t>) </a:t>
+            </a:r>
+          </a:p>
+          <a:p>
+            <a:pPr>
+              <a:lnSpc>
+                <a:spcPct val="80000"/>
+              </a:lnSpc>
+            </a:pPr>
+            <a:r>
+              <a:rPr lang="en-US" altLang="zh-CN" sz="1800" b="1"/>
+              <a:t>Commercial</a:t>
+            </a:r>
+          </a:p>
+          <a:p>
+            <a:pPr lvl="1">
+              <a:lnSpc>
+                <a:spcPct val="80000"/>
+              </a:lnSpc>
+            </a:pPr>
+            <a:r>
+              <a:rPr lang="en-US" altLang="zh-CN" sz="1600">
+                <a:hlinkClick r:id="rId14" tooltip="Havok (software)"/>
+              </a:rPr>
+              <a:t>Havok</a:t>
+            </a:r>
+            <a:r>
+              <a:rPr lang="en-US" altLang="zh-CN" sz="1600"/>
+              <a:t> </a:t>
+            </a:r>
+          </a:p>
+          <a:p>
+            <a:pPr lvl="1">
+              <a:lnSpc>
+                <a:spcPct val="80000"/>
+              </a:lnSpc>
+            </a:pPr>
+            <a:r>
+              <a:rPr lang="en-US" altLang="zh-CN" sz="1600">
+                <a:hlinkClick r:id="rId15" tooltip="NV Physics SDK"/>
+              </a:rPr>
+              <a:t>nV Physics SDK</a:t>
+            </a:r>
+            <a:r>
+              <a:rPr lang="en-US" altLang="zh-CN" sz="1600"/>
+              <a:t> </a:t>
+            </a:r>
+          </a:p>
+          <a:p>
+            <a:pPr lvl="1">
+              <a:lnSpc>
+                <a:spcPct val="80000"/>
+              </a:lnSpc>
+            </a:pPr>
+            <a:r>
+              <a:rPr lang="en-US" altLang="zh-CN" sz="1600"/>
+              <a:t>Vortex from </a:t>
+            </a:r>
+            <a:r>
+              <a:rPr lang="en-US" altLang="zh-CN" sz="1600">
+                <a:hlinkClick r:id="rId16" tooltip="http://www.cm-labs.com"/>
+              </a:rPr>
+              <a:t>CMLabs Simulations</a:t>
+            </a:r>
+            <a:r>
+              <a:rPr lang="en-US" altLang="zh-CN" sz="1600"/>
+              <a:t> </a:t>
+            </a:r>
+          </a:p>
+          <a:p>
+            <a:pPr>
+              <a:lnSpc>
+                <a:spcPct val="80000"/>
+              </a:lnSpc>
+            </a:pPr>
+            <a:endParaRPr lang="en-US" altLang="zh-CN" sz="1800"/>
+          </a:p>
+        </p:txBody>
+      </p:sp>
+    </p:spTree>
+  </p:cSld>
+  <p:clrMapOvr>
+    <a:masterClrMapping/>
+  </p:clrMapOvr>
+  <p:transition>
+    <p:fade/>
+  </p:transition>
+  <p:timing>
+    <p:tnLst>
+      <p:par>
+        <p:cTn id="1" dur="indefinite" restart="never" nodeType="tmRoot"/>
+      </p:par>
+    </p:tnLst>
+  </p:timing>
+</p:sld>
+</file>
+
+<file path=ppt/slides/slide43.xml><?xml version="1.0" encoding="utf-8"?>
+<p:sld xmlns:a="http://schemas.openxmlformats.org/drawingml/2006/main" xmlns:r="http://schemas.openxmlformats.org/officeDocument/2006/relationships" xmlns:p="http://schemas.openxmlformats.org/presentationml/2006/main">
+  <p:cSld>
+    <p:spTree>
+      <p:nvGrpSpPr>
+        <p:cNvPr id="1" name=""/>
+        <p:cNvGrpSpPr/>
+        <p:nvPr/>
+      </p:nvGrpSpPr>
+      <p:grpSpPr>
+        <a:xfrm>
+          <a:off x="0" y="0"/>
+          <a:ext cx="0" cy="0"/>
+          <a:chOff x="0" y="0"/>
+          <a:chExt cx="0" cy="0"/>
+        </a:xfrm>
+      </p:grpSpPr>
+      <p:sp>
+        <p:nvSpPr>
+          <p:cNvPr id="60418" name="Rectangle 2"/>
+          <p:cNvSpPr>
+            <a:spLocks noGrp="1" noChangeArrowheads="1"/>
+          </p:cNvSpPr>
+          <p:nvPr>
+            <p:ph type="title"/>
+          </p:nvPr>
+        </p:nvSpPr>
+        <p:spPr/>
+        <p:txBody>
+          <a:bodyPr/>
+          <a:lstStyle/>
+          <a:p>
+            <a:r>
+              <a:rPr lang="en-US" altLang="zh-CN" sz="3200"/>
+              <a:t>Bullet </a:t>
+            </a:r>
+          </a:p>
+        </p:txBody>
+      </p:sp>
+      <p:sp>
+        <p:nvSpPr>
+          <p:cNvPr id="60419" name="Rectangle 3"/>
+          <p:cNvSpPr>
+            <a:spLocks noGrp="1" noChangeArrowheads="1"/>
+          </p:cNvSpPr>
+          <p:nvPr>
+            <p:ph idx="1"/>
+          </p:nvPr>
+        </p:nvSpPr>
+        <p:spPr/>
+        <p:txBody>
+          <a:bodyPr>
+            <a:normAutofit fontScale="85000" lnSpcReduction="10000"/>
+          </a:bodyPr>
+          <a:lstStyle/>
+          <a:p>
+            <a:r>
+              <a:rPr lang="en-US" altLang="zh-CN" sz="2400"/>
+              <a:t>Sourceforge</a:t>
+            </a:r>
+            <a:r>
+              <a:rPr lang="zh-CN" altLang="en-US" sz="2400"/>
+              <a:t>上的开源物理引擎</a:t>
+            </a:r>
+          </a:p>
+          <a:p>
+            <a:r>
+              <a:rPr lang="zh-CN" altLang="en-US" sz="2400"/>
+              <a:t>特性</a:t>
+            </a:r>
+            <a:r>
+              <a:rPr lang="en-US" altLang="zh-CN" sz="2400"/>
+              <a:t>:</a:t>
+            </a:r>
+          </a:p>
+          <a:p>
+            <a:pPr lvl="1"/>
+            <a:r>
+              <a:rPr lang="en-US" altLang="zh-CN" sz="2000"/>
+              <a:t>collision shapes include: Sphere, box, cylinder, cone, convex hull, and triangle mesh</a:t>
+            </a:r>
+          </a:p>
+          <a:p>
+            <a:pPr lvl="1"/>
+            <a:r>
+              <a:rPr lang="en-US" altLang="zh-CN" sz="2000"/>
+              <a:t>implements GJK convex collision detection</a:t>
+            </a:r>
+          </a:p>
+          <a:p>
+            <a:pPr lvl="1"/>
+            <a:r>
+              <a:rPr lang="en-US" altLang="zh-CN" sz="2000"/>
+              <a:t>swept collision test</a:t>
+            </a:r>
+          </a:p>
+          <a:p>
+            <a:pPr lvl="1"/>
+            <a:r>
+              <a:rPr lang="en-US" altLang="zh-CN" sz="2000"/>
+              <a:t>continuous Collision Detection</a:t>
+            </a:r>
+          </a:p>
+          <a:p>
+            <a:pPr lvl="1"/>
+            <a:r>
+              <a:rPr lang="en-US" altLang="zh-CN" sz="2000"/>
+              <a:t>constraints</a:t>
+            </a:r>
+          </a:p>
+          <a:p>
+            <a:pPr lvl="1"/>
+            <a:r>
+              <a:rPr lang="en-US" altLang="zh-CN" sz="2000"/>
+              <a:t>COLLADA 1.4 Physics import</a:t>
+            </a:r>
+          </a:p>
+          <a:p>
+            <a:pPr lvl="1"/>
+            <a:r>
+              <a:rPr lang="en-US" altLang="zh-CN" sz="2000"/>
+              <a:t>modular approach supports home-brewed physics software</a:t>
+            </a:r>
+          </a:p>
+          <a:p>
+            <a:pPr lvl="1"/>
+            <a:r>
+              <a:rPr lang="en-US" altLang="zh-CN" sz="2000"/>
+              <a:t>Bullet provides rigid body dynamics for the Blender 3-D modeling, rendering, and animation package.</a:t>
+            </a:r>
+          </a:p>
+        </p:txBody>
+      </p:sp>
+      <p:pic>
+        <p:nvPicPr>
+          <p:cNvPr id="60420" name="Picture 4"/>
+          <p:cNvPicPr>
+            <a:picLocks noChangeAspect="1" noChangeArrowheads="1"/>
+          </p:cNvPicPr>
+          <p:nvPr/>
+        </p:nvPicPr>
+        <p:blipFill>
+          <a:blip r:embed="rId3" cstate="print"/>
+          <a:srcRect/>
+          <a:stretch>
+            <a:fillRect/>
+          </a:stretch>
+        </p:blipFill>
+        <p:spPr bwMode="auto">
+          <a:xfrm>
+            <a:off x="5819776" y="685800"/>
+            <a:ext cx="3324225" cy="1014413"/>
+          </a:xfrm>
+          <a:prstGeom prst="rect">
+            <a:avLst/>
+          </a:prstGeom>
+          <a:noFill/>
+          <a:ln w="9525" algn="ctr">
+            <a:noFill/>
+            <a:miter lim="800000"/>
+            <a:headEnd/>
+            <a:tailEnd/>
+          </a:ln>
+          <a:effectLst/>
+        </p:spPr>
+      </p:pic>
+    </p:spTree>
+  </p:cSld>
+  <p:clrMapOvr>
+    <a:masterClrMapping/>
+  </p:clrMapOvr>
+  <p:transition>
+    <p:fade/>
+  </p:transition>
+  <p:timing>
+    <p:tnLst>
+      <p:par>
+        <p:cTn id="1" dur="indefinite" restart="never" nodeType="tmRoot"/>
+      </p:par>
+    </p:tnLst>
+  </p:timing>
+</p:sld>
+</file>
+
+<file path=ppt/slides/slide44.xml><?xml version="1.0" encoding="utf-8"?>
+<p:sld xmlns:a="http://schemas.openxmlformats.org/drawingml/2006/main" xmlns:r="http://schemas.openxmlformats.org/officeDocument/2006/relationships" xmlns:p="http://schemas.openxmlformats.org/presentationml/2006/main">
+  <p:cSld>
+    <p:spTree>
+      <p:nvGrpSpPr>
+        <p:cNvPr id="1" name=""/>
+        <p:cNvGrpSpPr/>
+        <p:nvPr/>
+      </p:nvGrpSpPr>
+      <p:grpSpPr>
+        <a:xfrm>
+          <a:off x="0" y="0"/>
+          <a:ext cx="0" cy="0"/>
+          <a:chOff x="0" y="0"/>
+          <a:chExt cx="0" cy="0"/>
+        </a:xfrm>
+      </p:grpSpPr>
+      <p:sp>
+        <p:nvSpPr>
+          <p:cNvPr id="59394" name="Rectangle 2"/>
+          <p:cNvSpPr>
+            <a:spLocks noGrp="1" noChangeArrowheads="1"/>
+          </p:cNvSpPr>
+          <p:nvPr>
+            <p:ph type="title"/>
+          </p:nvPr>
+        </p:nvSpPr>
+        <p:spPr/>
+        <p:txBody>
+          <a:bodyPr/>
+          <a:lstStyle/>
+          <a:p>
+            <a:r>
+              <a:rPr lang="en-US" altLang="zh-CN" sz="3200"/>
+              <a:t>Open Dynamics Engine </a:t>
+            </a:r>
+          </a:p>
+        </p:txBody>
+      </p:sp>
+      <p:sp>
+        <p:nvSpPr>
+          <p:cNvPr id="59395" name="Rectangle 3"/>
+          <p:cNvSpPr>
+            <a:spLocks noGrp="1" noChangeArrowheads="1"/>
+          </p:cNvSpPr>
+          <p:nvPr>
+            <p:ph idx="1"/>
+          </p:nvPr>
+        </p:nvSpPr>
+        <p:spPr/>
+        <p:txBody>
+          <a:bodyPr>
+            <a:normAutofit fontScale="85000" lnSpcReduction="20000"/>
+          </a:bodyPr>
+          <a:lstStyle/>
+          <a:p>
+            <a:r>
+              <a:rPr lang="en-US" altLang="zh-CN"/>
+              <a:t>Supported Geometries</a:t>
+            </a:r>
+          </a:p>
+          <a:p>
+            <a:pPr lvl="1"/>
+            <a:r>
+              <a:rPr lang="en-US" altLang="zh-CN"/>
+              <a:t>Box</a:t>
+            </a:r>
+          </a:p>
+          <a:p>
+            <a:pPr lvl="1"/>
+            <a:r>
+              <a:rPr lang="en-US" altLang="zh-CN"/>
+              <a:t>Sphere</a:t>
+            </a:r>
+          </a:p>
+          <a:p>
+            <a:pPr lvl="1"/>
+            <a:r>
+              <a:rPr lang="en-US" altLang="zh-CN"/>
+              <a:t>Capsule (cylinder capped with hemispheres)</a:t>
+            </a:r>
+          </a:p>
+          <a:p>
+            <a:pPr lvl="1"/>
+            <a:r>
+              <a:rPr lang="en-US" altLang="zh-CN"/>
+              <a:t>Trimesh (dynamic trimesh and trimesh-trimesh collisions are still incomplete)</a:t>
+            </a:r>
+          </a:p>
+          <a:p>
+            <a:pPr lvl="1"/>
+            <a:r>
+              <a:rPr lang="en-US" altLang="zh-CN"/>
+              <a:t>Cylinder (currently in the unstable release)</a:t>
+            </a:r>
+          </a:p>
+          <a:p>
+            <a:pPr lvl="1"/>
+            <a:r>
+              <a:rPr lang="en-US" altLang="zh-CN"/>
+              <a:t>Heightmap</a:t>
+            </a:r>
+          </a:p>
+          <a:p>
+            <a:r>
+              <a:rPr lang="zh-CN" altLang="en-US"/>
+              <a:t>用于</a:t>
+            </a:r>
+            <a:r>
+              <a:rPr lang="en-US" altLang="zh-CN"/>
+              <a:t>GameStudio</a:t>
+            </a:r>
+            <a:r>
+              <a:rPr lang="zh-CN" altLang="en-US"/>
+              <a:t>引擎中</a:t>
+            </a:r>
+          </a:p>
+          <a:p>
+            <a:endParaRPr lang="en-US" altLang="zh-CN"/>
+          </a:p>
+        </p:txBody>
+      </p:sp>
+      <p:pic>
+        <p:nvPicPr>
+          <p:cNvPr id="59396" name="Picture 4"/>
+          <p:cNvPicPr>
+            <a:picLocks noChangeAspect="1" noChangeArrowheads="1"/>
+          </p:cNvPicPr>
+          <p:nvPr/>
+        </p:nvPicPr>
+        <p:blipFill>
+          <a:blip r:embed="rId3" cstate="print"/>
+          <a:srcRect/>
+          <a:stretch>
+            <a:fillRect/>
+          </a:stretch>
+        </p:blipFill>
+        <p:spPr bwMode="auto">
+          <a:xfrm>
+            <a:off x="4572001" y="1314450"/>
+            <a:ext cx="4029075" cy="828675"/>
+          </a:xfrm>
+          <a:prstGeom prst="rect">
+            <a:avLst/>
+          </a:prstGeom>
+          <a:noFill/>
+          <a:ln w="9525" algn="ctr">
+            <a:noFill/>
+            <a:miter lim="800000"/>
+            <a:headEnd/>
+            <a:tailEnd/>
+          </a:ln>
+          <a:effectLst/>
+        </p:spPr>
+      </p:pic>
+    </p:spTree>
+  </p:cSld>
+  <p:clrMapOvr>
+    <a:masterClrMapping/>
+  </p:clrMapOvr>
+  <p:transition>
+    <p:fade/>
+  </p:transition>
+  <p:timing>
+    <p:tnLst>
+      <p:par>
+        <p:cTn id="1" dur="indefinite" restart="never" nodeType="tmRoot"/>
+      </p:par>
+    </p:tnLst>
+  </p:timing>
+</p:sld>
+</file>
+
+<file path=ppt/slides/slide45.xml><?xml version="1.0" encoding="utf-8"?>
+<p:sld xmlns:a="http://schemas.openxmlformats.org/drawingml/2006/main" xmlns:r="http://schemas.openxmlformats.org/officeDocument/2006/relationships" xmlns:p="http://schemas.openxmlformats.org/presentationml/2006/main">
+  <p:cSld>
+    <p:spTree>
+      <p:nvGrpSpPr>
+        <p:cNvPr id="1" name=""/>
+        <p:cNvGrpSpPr/>
+        <p:nvPr/>
+      </p:nvGrpSpPr>
+      <p:grpSpPr>
+        <a:xfrm>
+          <a:off x="0" y="0"/>
+          <a:ext cx="0" cy="0"/>
+          <a:chOff x="0" y="0"/>
+          <a:chExt cx="0" cy="0"/>
+        </a:xfrm>
+      </p:grpSpPr>
+      <p:sp>
+        <p:nvSpPr>
+          <p:cNvPr id="62466" name="Rectangle 2"/>
+          <p:cNvSpPr>
+            <a:spLocks noGrp="1" noChangeArrowheads="1"/>
+          </p:cNvSpPr>
+          <p:nvPr>
+            <p:ph type="title"/>
+          </p:nvPr>
+        </p:nvSpPr>
+        <p:spPr/>
+        <p:txBody>
+          <a:bodyPr/>
+          <a:lstStyle/>
+          <a:p>
+            <a:r>
+              <a:rPr lang="en-US" altLang="zh-CN" sz="3200"/>
+              <a:t>OPAL </a:t>
+            </a:r>
+          </a:p>
+        </p:txBody>
+      </p:sp>
+      <p:sp>
+        <p:nvSpPr>
+          <p:cNvPr id="62467" name="Rectangle 3"/>
+          <p:cNvSpPr>
+            <a:spLocks noGrp="1" noChangeArrowheads="1"/>
+          </p:cNvSpPr>
+          <p:nvPr>
+            <p:ph idx="1"/>
+          </p:nvPr>
+        </p:nvSpPr>
+        <p:spPr/>
+        <p:txBody>
+          <a:bodyPr/>
+          <a:lstStyle/>
+          <a:p>
+            <a:r>
+              <a:rPr lang="en-US" altLang="zh-CN"/>
+              <a:t>Open Physics Abstraction Layer (OPAL) </a:t>
+            </a:r>
+          </a:p>
+          <a:p>
+            <a:pPr lvl="1"/>
+            <a:r>
+              <a:rPr lang="en-US" altLang="zh-CN"/>
+              <a:t>OPAL is a high-level interface for low-level physics engines used in games, robotics simulations, and other 3D applications</a:t>
+            </a:r>
+          </a:p>
+          <a:p>
+            <a:pPr lvl="1"/>
+            <a:r>
+              <a:rPr lang="en-US" altLang="zh-CN"/>
+              <a:t>Features a simple C++ API, intuitive objects (e.g. Solids, Joints, Motors, Sensors), and XML-based file storage for complex objects. </a:t>
+            </a:r>
+          </a:p>
+        </p:txBody>
+      </p:sp>
+    </p:spTree>
+  </p:cSld>
+  <p:clrMapOvr>
+    <a:masterClrMapping/>
+  </p:clrMapOvr>
+  <p:transition>
+    <p:fade/>
+  </p:transition>
+</p:sld>
+</file>
+
+<file path=ppt/slides/slide46.xml><?xml version="1.0" encoding="utf-8"?>
+<p:sld xmlns:a="http://schemas.openxmlformats.org/drawingml/2006/main" xmlns:r="http://schemas.openxmlformats.org/officeDocument/2006/relationships" xmlns:p="http://schemas.openxmlformats.org/presentationml/2006/main">
+  <p:cSld>
+    <p:spTree>
+      <p:nvGrpSpPr>
+        <p:cNvPr id="1" name=""/>
+        <p:cNvGrpSpPr/>
+        <p:nvPr/>
+      </p:nvGrpSpPr>
+      <p:grpSpPr>
+        <a:xfrm>
+          <a:off x="0" y="0"/>
+          <a:ext cx="0" cy="0"/>
+          <a:chOff x="0" y="0"/>
+          <a:chExt cx="0" cy="0"/>
+        </a:xfrm>
+      </p:grpSpPr>
+      <p:sp>
+        <p:nvSpPr>
+          <p:cNvPr id="63490" name="Rectangle 2"/>
+          <p:cNvSpPr>
+            <a:spLocks noGrp="1" noChangeArrowheads="1"/>
+          </p:cNvSpPr>
+          <p:nvPr>
+            <p:ph type="title"/>
+          </p:nvPr>
+        </p:nvSpPr>
+        <p:spPr/>
+        <p:txBody>
+          <a:bodyPr/>
+          <a:lstStyle/>
+          <a:p>
+            <a:r>
+              <a:rPr lang="en-US" altLang="zh-CN" sz="3200"/>
+              <a:t>PAL </a:t>
+            </a:r>
+            <a:r>
+              <a:rPr lang="zh-CN" altLang="en-US" sz="3200"/>
+              <a:t>（作业点）</a:t>
+            </a:r>
+          </a:p>
+        </p:txBody>
+      </p:sp>
+      <p:sp>
+        <p:nvSpPr>
+          <p:cNvPr id="63491" name="Rectangle 3"/>
+          <p:cNvSpPr>
+            <a:spLocks noGrp="1" noChangeArrowheads="1"/>
+          </p:cNvSpPr>
+          <p:nvPr>
+            <p:ph idx="1"/>
+          </p:nvPr>
+        </p:nvSpPr>
+        <p:spPr/>
+        <p:txBody>
+          <a:bodyPr>
+            <a:normAutofit fontScale="92500" lnSpcReduction="20000"/>
+          </a:bodyPr>
+          <a:lstStyle/>
+          <a:p>
+            <a:pPr>
+              <a:lnSpc>
+                <a:spcPct val="80000"/>
+              </a:lnSpc>
+            </a:pPr>
+            <a:r>
+              <a:rPr lang="en-US" altLang="zh-CN" sz="2000" dirty="0"/>
+              <a:t>PAL supports multiple physics engines, including:</a:t>
+            </a:r>
+          </a:p>
+          <a:p>
+            <a:pPr lvl="1">
+              <a:lnSpc>
+                <a:spcPct val="80000"/>
+              </a:lnSpc>
+            </a:pPr>
+            <a:r>
+              <a:rPr lang="en-US" altLang="zh-CN" sz="1800" dirty="0"/>
+              <a:t>Bullet</a:t>
+            </a:r>
+          </a:p>
+          <a:p>
+            <a:pPr lvl="1">
+              <a:lnSpc>
+                <a:spcPct val="80000"/>
+              </a:lnSpc>
+            </a:pPr>
+            <a:r>
+              <a:rPr lang="en-US" altLang="zh-CN" sz="1800" dirty="0" err="1"/>
+              <a:t>DynaMechs</a:t>
+            </a:r>
+            <a:endParaRPr lang="en-US" altLang="zh-CN" sz="1800" dirty="0"/>
+          </a:p>
+          <a:p>
+            <a:pPr lvl="1">
+              <a:lnSpc>
+                <a:spcPct val="80000"/>
+              </a:lnSpc>
+            </a:pPr>
+            <a:r>
+              <a:rPr lang="en-US" altLang="zh-CN" sz="1800" dirty="0" err="1"/>
+              <a:t>JigLib</a:t>
+            </a:r>
+            <a:endParaRPr lang="en-US" altLang="zh-CN" sz="1800" dirty="0"/>
+          </a:p>
+          <a:p>
+            <a:pPr lvl="1">
+              <a:lnSpc>
+                <a:spcPct val="80000"/>
+              </a:lnSpc>
+            </a:pPr>
+            <a:r>
+              <a:rPr lang="en-US" altLang="zh-CN" sz="1800" dirty="0"/>
+              <a:t>Newton Game Dynamics</a:t>
+            </a:r>
+          </a:p>
+          <a:p>
+            <a:pPr lvl="1">
+              <a:lnSpc>
+                <a:spcPct val="80000"/>
+              </a:lnSpc>
+            </a:pPr>
+            <a:r>
+              <a:rPr lang="en-US" altLang="zh-CN" sz="1800" dirty="0"/>
+              <a:t>Open Dynamics Engine</a:t>
+            </a:r>
+          </a:p>
+          <a:p>
+            <a:pPr lvl="1">
+              <a:lnSpc>
+                <a:spcPct val="80000"/>
+              </a:lnSpc>
+            </a:pPr>
+            <a:r>
+              <a:rPr lang="en-US" altLang="zh-CN" sz="1800" dirty="0" err="1"/>
+              <a:t>OpenTissue</a:t>
+            </a:r>
+            <a:endParaRPr lang="en-US" altLang="zh-CN" sz="1800" dirty="0"/>
+          </a:p>
+          <a:p>
+            <a:pPr lvl="1">
+              <a:lnSpc>
+                <a:spcPct val="80000"/>
+              </a:lnSpc>
+            </a:pPr>
+            <a:r>
+              <a:rPr lang="en-US" altLang="zh-CN" sz="1800" dirty="0"/>
+              <a:t>PhysX (formerly </a:t>
+            </a:r>
+            <a:r>
+              <a:rPr lang="en-US" altLang="zh-CN" sz="1800" dirty="0" err="1"/>
+              <a:t>NovodeX</a:t>
+            </a:r>
+            <a:r>
+              <a:rPr lang="en-US" altLang="zh-CN" sz="1800" dirty="0"/>
+              <a:t> and incorporating </a:t>
+            </a:r>
+            <a:r>
+              <a:rPr lang="en-US" altLang="zh-CN" sz="1800" dirty="0" err="1"/>
+              <a:t>Meqon</a:t>
+            </a:r>
+            <a:r>
+              <a:rPr lang="en-US" altLang="zh-CN" sz="1800" dirty="0"/>
+              <a:t>)</a:t>
+            </a:r>
+          </a:p>
+          <a:p>
+            <a:pPr lvl="1">
+              <a:lnSpc>
+                <a:spcPct val="80000"/>
+              </a:lnSpc>
+            </a:pPr>
+            <a:r>
+              <a:rPr lang="en-US" altLang="zh-CN" sz="1800" dirty="0"/>
+              <a:t>Tokamak physics engine</a:t>
+            </a:r>
+          </a:p>
+          <a:p>
+            <a:pPr lvl="1">
+              <a:lnSpc>
+                <a:spcPct val="80000"/>
+              </a:lnSpc>
+            </a:pPr>
+            <a:r>
+              <a:rPr lang="en-US" altLang="zh-CN" sz="1800" dirty="0"/>
+              <a:t>True Axis</a:t>
+            </a:r>
+          </a:p>
+          <a:p>
+            <a:pPr>
+              <a:lnSpc>
+                <a:spcPct val="80000"/>
+              </a:lnSpc>
+            </a:pPr>
+            <a:r>
+              <a:rPr lang="en-US" altLang="zh-CN" sz="2000" dirty="0"/>
+              <a:t>PAL is a high-level interface for low-level physics engines used in games, simulation systems, and other 3D applications</a:t>
+            </a:r>
+          </a:p>
+          <a:p>
+            <a:pPr>
+              <a:lnSpc>
+                <a:spcPct val="80000"/>
+              </a:lnSpc>
+            </a:pPr>
+            <a:r>
+              <a:rPr lang="en-US" altLang="zh-CN" sz="2000" dirty="0"/>
+              <a:t>PAL is designed with a pluggable abstract factory allowing code to be written and compiled once and allowing runtime selection of a different physics engines, as well as feature upgrades.</a:t>
+            </a:r>
+          </a:p>
+        </p:txBody>
+      </p:sp>
+    </p:spTree>
+  </p:cSld>
+  <p:clrMapOvr>
+    <a:masterClrMapping/>
+  </p:clrMapOvr>
+  <p:transition>
+    <p:fade/>
+  </p:transition>
+</p:sld>
+</file>
+
+<file path=ppt/slides/slide47.xml><?xml version="1.0" encoding="utf-8"?>
+<p:sld xmlns:a="http://schemas.openxmlformats.org/drawingml/2006/main" xmlns:r="http://schemas.openxmlformats.org/officeDocument/2006/relationships" xmlns:p="http://schemas.openxmlformats.org/presentationml/2006/main">
+  <p:cSld>
+    <p:spTree>
+      <p:nvGrpSpPr>
+        <p:cNvPr id="1" name=""/>
+        <p:cNvGrpSpPr/>
+        <p:nvPr/>
+      </p:nvGrpSpPr>
+      <p:grpSpPr>
+        <a:xfrm>
+          <a:off x="0" y="0"/>
+          <a:ext cx="0" cy="0"/>
+          <a:chOff x="0" y="0"/>
+          <a:chExt cx="0" cy="0"/>
+        </a:xfrm>
+      </p:grpSpPr>
+      <p:sp>
+        <p:nvSpPr>
+          <p:cNvPr id="64514" name="Rectangle 2"/>
+          <p:cNvSpPr>
+            <a:spLocks noGrp="1" noChangeArrowheads="1"/>
+          </p:cNvSpPr>
+          <p:nvPr>
+            <p:ph type="title"/>
+          </p:nvPr>
+        </p:nvSpPr>
+        <p:spPr/>
+        <p:txBody>
+          <a:bodyPr/>
+          <a:lstStyle/>
+          <a:p>
+            <a:r>
+              <a:rPr lang="en-US" altLang="zh-CN" sz="3200"/>
+              <a:t>Tokamak</a:t>
+            </a:r>
+          </a:p>
+        </p:txBody>
+      </p:sp>
+      <p:sp>
+        <p:nvSpPr>
+          <p:cNvPr id="64515" name="Rectangle 3"/>
+          <p:cNvSpPr>
+            <a:spLocks noGrp="1" noChangeArrowheads="1"/>
+          </p:cNvSpPr>
+          <p:nvPr>
+            <p:ph idx="1"/>
+          </p:nvPr>
+        </p:nvSpPr>
+        <p:spPr/>
+        <p:txBody>
+          <a:bodyPr>
+            <a:normAutofit fontScale="92500" lnSpcReduction="20000"/>
+          </a:bodyPr>
+          <a:lstStyle/>
+          <a:p>
+            <a:r>
+              <a:rPr lang="en-US" altLang="zh-CN"/>
+              <a:t>At its beginnings, Tokamak was free for non commercial uses only</a:t>
+            </a:r>
+          </a:p>
+          <a:p>
+            <a:r>
+              <a:rPr lang="en-US" altLang="zh-CN"/>
+              <a:t>Since May 2007, it has become open sourced under a BSD License</a:t>
+            </a:r>
+          </a:p>
+          <a:p>
+            <a:r>
+              <a:rPr lang="en-US" altLang="zh-CN"/>
+              <a:t>supports "Breakage Constructing models" which will break when a collision occurs. Fragments of the original model will automatically be spawned by Tokamak's built-in breakage functionality.</a:t>
+            </a:r>
+          </a:p>
+          <a:p>
+            <a:endParaRPr lang="en-US" altLang="zh-CN"/>
+          </a:p>
+        </p:txBody>
+      </p:sp>
+      <p:pic>
+        <p:nvPicPr>
+          <p:cNvPr id="64516" name="Picture 4"/>
+          <p:cNvPicPr>
+            <a:picLocks noChangeAspect="1" noChangeArrowheads="1"/>
+          </p:cNvPicPr>
+          <p:nvPr/>
+        </p:nvPicPr>
+        <p:blipFill>
+          <a:blip r:embed="rId3" cstate="print"/>
+          <a:srcRect/>
+          <a:stretch>
+            <a:fillRect/>
+          </a:stretch>
+        </p:blipFill>
+        <p:spPr bwMode="auto">
+          <a:xfrm>
+            <a:off x="2438401" y="4410075"/>
+            <a:ext cx="4467225" cy="390525"/>
+          </a:xfrm>
+          <a:prstGeom prst="rect">
+            <a:avLst/>
+          </a:prstGeom>
+          <a:noFill/>
+          <a:ln w="9525" algn="ctr">
+            <a:noFill/>
+            <a:miter lim="800000"/>
+            <a:headEnd/>
+            <a:tailEnd/>
+          </a:ln>
+          <a:effectLst/>
+        </p:spPr>
+      </p:pic>
+    </p:spTree>
+  </p:cSld>
+  <p:clrMapOvr>
+    <a:masterClrMapping/>
+  </p:clrMapOvr>
+  <p:transition>
+    <p:fade/>
+  </p:transition>
+  <p:timing>
+    <p:tnLst>
+      <p:par>
+        <p:cTn id="1" dur="indefinite" restart="never" nodeType="tmRoot"/>
+      </p:par>
+    </p:tnLst>
+  </p:timing>
+</p:sld>
+</file>
+
+<file path=ppt/slides/slide48.xml><?xml version="1.0" encoding="utf-8"?>
+<p:sld xmlns:a="http://schemas.openxmlformats.org/drawingml/2006/main" xmlns:r="http://schemas.openxmlformats.org/officeDocument/2006/relationships" xmlns:p="http://schemas.openxmlformats.org/presentationml/2006/main">
+  <p:cSld>
+    <p:spTree>
+      <p:nvGrpSpPr>
+        <p:cNvPr id="1" name=""/>
+        <p:cNvGrpSpPr/>
+        <p:nvPr/>
+      </p:nvGrpSpPr>
+      <p:grpSpPr>
+        <a:xfrm>
+          <a:off x="0" y="0"/>
+          <a:ext cx="0" cy="0"/>
+          <a:chOff x="0" y="0"/>
+          <a:chExt cx="0" cy="0"/>
+        </a:xfrm>
+      </p:grpSpPr>
+      <p:sp>
+        <p:nvSpPr>
+          <p:cNvPr id="66562" name="Rectangle 2"/>
+          <p:cNvSpPr>
+            <a:spLocks noGrp="1" noChangeArrowheads="1"/>
+          </p:cNvSpPr>
+          <p:nvPr>
+            <p:ph type="title"/>
+          </p:nvPr>
+        </p:nvSpPr>
+        <p:spPr/>
+        <p:txBody>
+          <a:bodyPr/>
+          <a:lstStyle/>
+          <a:p>
+            <a:r>
+              <a:rPr lang="en-US" altLang="zh-CN" sz="3200"/>
+              <a:t>DynaForce </a:t>
+            </a:r>
+          </a:p>
+        </p:txBody>
+      </p:sp>
+      <p:sp>
+        <p:nvSpPr>
+          <p:cNvPr id="66563" name="Rectangle 3"/>
+          <p:cNvSpPr>
+            <a:spLocks noGrp="1" noChangeArrowheads="1"/>
+          </p:cNvSpPr>
+          <p:nvPr>
+            <p:ph idx="1"/>
+          </p:nvPr>
+        </p:nvSpPr>
+        <p:spPr/>
+        <p:txBody>
+          <a:bodyPr>
+            <a:normAutofit fontScale="92500" lnSpcReduction="20000"/>
+          </a:bodyPr>
+          <a:lstStyle/>
+          <a:p>
+            <a:pPr>
+              <a:lnSpc>
+                <a:spcPct val="80000"/>
+              </a:lnSpc>
+            </a:pPr>
+            <a:r>
+              <a:rPr lang="en-US" altLang="zh-CN" sz="2000"/>
+              <a:t> </a:t>
+            </a:r>
+            <a:r>
+              <a:rPr lang="zh-CN" altLang="en-US" sz="2000"/>
+              <a:t>现阶段具备的特性</a:t>
+            </a:r>
+          </a:p>
+          <a:p>
+            <a:pPr lvl="1">
+              <a:lnSpc>
+                <a:spcPct val="80000"/>
+              </a:lnSpc>
+            </a:pPr>
+            <a:r>
+              <a:rPr lang="zh-CN" altLang="en-US" sz="1600"/>
+              <a:t>支持刚体</a:t>
+            </a:r>
+          </a:p>
+          <a:p>
+            <a:pPr lvl="1">
+              <a:lnSpc>
+                <a:spcPct val="80000"/>
+              </a:lnSpc>
+            </a:pPr>
+            <a:r>
+              <a:rPr lang="zh-CN" altLang="en-US" sz="1800"/>
+              <a:t>支持</a:t>
+            </a:r>
+            <a:r>
+              <a:rPr lang="en-US" altLang="zh-CN" sz="1800"/>
+              <a:t>joint</a:t>
+            </a:r>
+          </a:p>
+          <a:p>
+            <a:pPr lvl="1">
+              <a:lnSpc>
+                <a:spcPct val="80000"/>
+              </a:lnSpc>
+            </a:pPr>
+            <a:r>
+              <a:rPr lang="zh-CN" altLang="en-US" sz="1800"/>
+              <a:t>支持</a:t>
+            </a:r>
+            <a:r>
+              <a:rPr lang="en-US" altLang="zh-CN" sz="1800"/>
+              <a:t>joint limits</a:t>
+            </a:r>
+          </a:p>
+          <a:p>
+            <a:pPr lvl="1">
+              <a:lnSpc>
+                <a:spcPct val="80000"/>
+              </a:lnSpc>
+            </a:pPr>
+            <a:r>
+              <a:rPr lang="zh-CN" altLang="en-US" sz="1800"/>
+              <a:t>支持凸体 对 凸体</a:t>
+            </a:r>
+            <a:r>
+              <a:rPr lang="en-US" altLang="zh-CN" sz="1800"/>
+              <a:t>,</a:t>
+            </a:r>
+            <a:r>
+              <a:rPr lang="zh-CN" altLang="en-US" sz="1800"/>
+              <a:t>凸体 对 静态凹体的碰撞检测</a:t>
+            </a:r>
+          </a:p>
+          <a:p>
+            <a:pPr lvl="1">
+              <a:lnSpc>
+                <a:spcPct val="80000"/>
+              </a:lnSpc>
+            </a:pPr>
+            <a:r>
+              <a:rPr lang="zh-CN" altLang="en-US" sz="1800"/>
+              <a:t>支持</a:t>
+            </a:r>
+            <a:r>
+              <a:rPr lang="en-US" altLang="zh-CN" sz="1800"/>
+              <a:t>rigdoll </a:t>
+            </a:r>
+            <a:r>
+              <a:rPr lang="zh-CN" altLang="en-US" sz="1800"/>
+              <a:t>布娃娃系统</a:t>
+            </a:r>
+          </a:p>
+          <a:p>
+            <a:pPr>
+              <a:lnSpc>
+                <a:spcPct val="80000"/>
+              </a:lnSpc>
+            </a:pPr>
+            <a:r>
+              <a:rPr lang="zh-CN" altLang="en-US" sz="2000"/>
+              <a:t>  未来将具备的特性</a:t>
+            </a:r>
+          </a:p>
+          <a:p>
+            <a:pPr lvl="1">
+              <a:lnSpc>
+                <a:spcPct val="80000"/>
+              </a:lnSpc>
+            </a:pPr>
+            <a:r>
+              <a:rPr lang="zh-CN" altLang="en-US" sz="1800"/>
+              <a:t>将支持流体</a:t>
+            </a:r>
+          </a:p>
+          <a:p>
+            <a:pPr lvl="1">
+              <a:lnSpc>
+                <a:spcPct val="80000"/>
+              </a:lnSpc>
+            </a:pPr>
+            <a:r>
+              <a:rPr lang="zh-CN" altLang="en-US" sz="1800"/>
+              <a:t>将支持</a:t>
+            </a:r>
+            <a:r>
+              <a:rPr lang="en-US" altLang="zh-CN" sz="1800"/>
+              <a:t>GPU</a:t>
+            </a:r>
+            <a:r>
+              <a:rPr lang="zh-CN" altLang="en-US" sz="1800"/>
+              <a:t>加速运算</a:t>
+            </a:r>
+          </a:p>
+          <a:p>
+            <a:pPr lvl="1">
+              <a:lnSpc>
+                <a:spcPct val="80000"/>
+              </a:lnSpc>
+            </a:pPr>
+            <a:r>
+              <a:rPr lang="zh-CN" altLang="en-US" sz="1800"/>
+              <a:t>将加入更多类型</a:t>
+            </a:r>
+            <a:r>
+              <a:rPr lang="en-US" altLang="zh-CN" sz="1800"/>
+              <a:t>joint</a:t>
+            </a:r>
+          </a:p>
+          <a:p>
+            <a:pPr lvl="1">
+              <a:lnSpc>
+                <a:spcPct val="80000"/>
+              </a:lnSpc>
+            </a:pPr>
+            <a:r>
+              <a:rPr lang="zh-CN" altLang="en-US" sz="1800"/>
+              <a:t>将加入脚本系统</a:t>
+            </a:r>
+            <a:r>
+              <a:rPr lang="en-US" altLang="zh-CN" sz="1800"/>
+              <a:t>,</a:t>
+            </a:r>
+            <a:r>
+              <a:rPr lang="zh-CN" altLang="en-US" sz="1800"/>
+              <a:t>使得构建物理世界更轻松</a:t>
+            </a:r>
+            <a:r>
+              <a:rPr lang="en-US" altLang="zh-CN" sz="1800"/>
+              <a:t>.</a:t>
+            </a:r>
+            <a:br>
+              <a:rPr lang="en-US" altLang="zh-CN" sz="1800"/>
+            </a:br>
+            <a:endParaRPr lang="en-US" altLang="zh-CN" sz="1800"/>
+          </a:p>
+          <a:p>
+            <a:pPr>
+              <a:lnSpc>
+                <a:spcPct val="80000"/>
+              </a:lnSpc>
+            </a:pPr>
+            <a:r>
+              <a:rPr lang="zh-CN" altLang="en-US" sz="2000"/>
+              <a:t>基于改进的</a:t>
+            </a:r>
+            <a:r>
+              <a:rPr lang="en-US" altLang="zh-CN" sz="2000"/>
+              <a:t>D.E. Stewart and J.C. Trinkle</a:t>
+            </a:r>
+            <a:r>
+              <a:rPr lang="zh-CN" altLang="en-US" sz="2000"/>
+              <a:t>的线形互补理论</a:t>
+            </a:r>
+            <a:r>
+              <a:rPr lang="en-US" altLang="zh-CN" sz="2000"/>
+              <a:t>,</a:t>
+            </a:r>
+            <a:r>
+              <a:rPr lang="zh-CN" altLang="en-US" sz="2000"/>
+              <a:t>这也是在现代物理引擎中使用最普遍的理论</a:t>
+            </a:r>
+          </a:p>
+          <a:p>
+            <a:pPr>
+              <a:lnSpc>
+                <a:spcPct val="80000"/>
+              </a:lnSpc>
+            </a:pPr>
+            <a:r>
+              <a:rPr lang="zh-CN" altLang="en-US" sz="2000"/>
+              <a:t>我国游戏开发者自己研发</a:t>
+            </a:r>
+          </a:p>
+        </p:txBody>
+      </p:sp>
+    </p:spTree>
+  </p:cSld>
+  <p:clrMapOvr>
+    <a:masterClrMapping/>
+  </p:clrMapOvr>
+  <p:transition>
+    <p:fade/>
+  </p:transition>
+  <p:timing>
+    <p:tnLst>
+      <p:par>
+        <p:cTn id="1" dur="indefinite" restart="never" nodeType="tmRoot"/>
+      </p:par>
+    </p:tnLst>
+  </p:timing>
+</p:sld>
+</file>
+
+<file path=ppt/slides/slide49.xml><?xml version="1.0" encoding="utf-8"?>
+<p:sld xmlns:a="http://schemas.openxmlformats.org/drawingml/2006/main" xmlns:r="http://schemas.openxmlformats.org/officeDocument/2006/relationships" xmlns:p="http://schemas.openxmlformats.org/presentationml/2006/main">
+  <p:cSld>
+    <p:spTree>
+      <p:nvGrpSpPr>
+        <p:cNvPr id="1" name=""/>
+        <p:cNvGrpSpPr/>
+        <p:nvPr/>
+      </p:nvGrpSpPr>
+      <p:grpSpPr>
+        <a:xfrm>
+          <a:off x="0" y="0"/>
+          <a:ext cx="0" cy="0"/>
+          <a:chOff x="0" y="0"/>
+          <a:chExt cx="0" cy="0"/>
+        </a:xfrm>
+      </p:grpSpPr>
+      <p:sp>
+        <p:nvSpPr>
+          <p:cNvPr id="68610" name="Rectangle 2"/>
+          <p:cNvSpPr>
+            <a:spLocks noGrp="1" noChangeArrowheads="1"/>
+          </p:cNvSpPr>
+          <p:nvPr>
+            <p:ph type="title"/>
+          </p:nvPr>
+        </p:nvSpPr>
+        <p:spPr/>
+        <p:txBody>
+          <a:bodyPr/>
+          <a:lstStyle/>
+          <a:p>
+            <a:r>
+              <a:rPr lang="en-US" altLang="zh-CN" sz="3200"/>
+              <a:t>Newton Game Dynamics </a:t>
+            </a:r>
+          </a:p>
+        </p:txBody>
+      </p:sp>
+      <p:sp>
+        <p:nvSpPr>
+          <p:cNvPr id="68611" name="Rectangle 3"/>
+          <p:cNvSpPr>
+            <a:spLocks noGrp="1" noChangeArrowheads="1"/>
+          </p:cNvSpPr>
+          <p:nvPr>
+            <p:ph idx="1"/>
+          </p:nvPr>
+        </p:nvSpPr>
+        <p:spPr/>
+        <p:txBody>
+          <a:bodyPr/>
+          <a:lstStyle/>
+          <a:p>
+            <a:r>
+              <a:rPr lang="en-US" altLang="zh-CN"/>
+              <a:t>NGD</a:t>
+            </a:r>
+            <a:r>
+              <a:rPr lang="zh-CN" altLang="en-US"/>
+              <a:t>在许多工程中使用</a:t>
+            </a:r>
+          </a:p>
+          <a:p>
+            <a:pPr lvl="1"/>
+            <a:r>
+              <a:rPr lang="zh-CN" altLang="en-US"/>
+              <a:t>比如</a:t>
+            </a:r>
+            <a:r>
+              <a:rPr lang="en-US" altLang="zh-CN"/>
+              <a:t>Irrlicht</a:t>
+            </a:r>
+            <a:r>
+              <a:rPr lang="zh-CN" altLang="en-US"/>
+              <a:t>和</a:t>
+            </a:r>
+            <a:r>
+              <a:rPr lang="en-US" altLang="zh-CN"/>
+              <a:t>OGRE</a:t>
+            </a:r>
+          </a:p>
+          <a:p>
+            <a:r>
+              <a:rPr lang="en-US" altLang="zh-CN"/>
+              <a:t>NGD SDK</a:t>
+            </a:r>
+            <a:r>
+              <a:rPr lang="zh-CN" altLang="en-US"/>
+              <a:t>授权允许开发者免费在工程中使用，只需署名即可</a:t>
+            </a:r>
+          </a:p>
+          <a:p>
+            <a:endParaRPr lang="en-US" altLang="zh-CN"/>
+          </a:p>
+        </p:txBody>
+      </p:sp>
+      <p:pic>
+        <p:nvPicPr>
+          <p:cNvPr id="68612" name="Picture 4"/>
+          <p:cNvPicPr>
+            <a:picLocks noChangeAspect="1" noChangeArrowheads="1"/>
+          </p:cNvPicPr>
+          <p:nvPr/>
+        </p:nvPicPr>
+        <p:blipFill>
+          <a:blip r:embed="rId3" cstate="print"/>
+          <a:srcRect/>
+          <a:stretch>
+            <a:fillRect/>
+          </a:stretch>
+        </p:blipFill>
+        <p:spPr bwMode="auto">
+          <a:xfrm>
+            <a:off x="2590801" y="2971800"/>
+            <a:ext cx="4086225" cy="858441"/>
+          </a:xfrm>
+          <a:prstGeom prst="rect">
+            <a:avLst/>
+          </a:prstGeom>
+          <a:noFill/>
+          <a:ln w="9525" algn="ctr">
+            <a:noFill/>
+            <a:miter lim="800000"/>
+            <a:headEnd/>
+            <a:tailEnd/>
+          </a:ln>
+          <a:effectLst/>
+        </p:spPr>
+      </p:pic>
+    </p:spTree>
+  </p:cSld>
+  <p:clrMapOvr>
+    <a:masterClrMapping/>
+  </p:clrMapOvr>
+  <p:transition>
+    <p:fade/>
+  </p:transition>
+</p:sld>
+</file>
+
+<file path=ppt/slides/slide5.xml><?xml version="1.0" encoding="utf-8"?>
+<p:sld xmlns:a="http://schemas.openxmlformats.org/drawingml/2006/main" xmlns:r="http://schemas.openxmlformats.org/officeDocument/2006/relationships" xmlns:p="http://schemas.openxmlformats.org/presentationml/2006/main">
+  <p:cSld>
+    <p:spTree>
+      <p:nvGrpSpPr>
+        <p:cNvPr id="1" name=""/>
+        <p:cNvGrpSpPr/>
+        <p:nvPr/>
+      </p:nvGrpSpPr>
+      <p:grpSpPr>
+        <a:xfrm>
+          <a:off x="0" y="0"/>
+          <a:ext cx="0" cy="0"/>
+          <a:chOff x="0" y="0"/>
+          <a:chExt cx="0" cy="0"/>
+        </a:xfrm>
+      </p:grpSpPr>
+      <p:sp>
+        <p:nvSpPr>
+          <p:cNvPr id="2" name="标题 1"/>
+          <p:cNvSpPr>
+            <a:spLocks noGrp="1"/>
+          </p:cNvSpPr>
+          <p:nvPr>
+            <p:ph type="title"/>
+          </p:nvPr>
+        </p:nvSpPr>
+        <p:spPr/>
+        <p:txBody>
+          <a:bodyPr>
+            <a:normAutofit/>
+          </a:bodyPr>
+          <a:lstStyle/>
+          <a:p>
+            <a:r>
+              <a:rPr lang="zh-CN" altLang="en-US" dirty="0" smtClean="0"/>
               <a:t>提问</a:t>
             </a:r>
             <a:endParaRPr lang="zh-CN" altLang="en-US" dirty="0"/>
@@ -37574,11 +39457,7 @@
           <a:p>
             <a:r>
               <a:rPr lang="zh-CN" altLang="en-US" dirty="0" smtClean="0"/>
-              <a:t>多少人玩过电子</a:t>
-            </a:r>
-            <a:r>
-              <a:rPr lang="zh-CN" altLang="en-US" dirty="0" smtClean="0"/>
-              <a:t>游戏</a:t>
+              <a:t>多少人玩过电子游戏</a:t>
             </a:r>
             <a:endParaRPr lang="en-US" altLang="zh-CN" dirty="0" smtClean="0"/>
           </a:p>
@@ -37917,1978 +39796,6 @@
 </p:sld>
 </file>
 
-<file path=ppt/slides/slide40.xml><?xml version="1.0" encoding="utf-8"?>
-<p:sld xmlns:a="http://schemas.openxmlformats.org/drawingml/2006/main" xmlns:r="http://schemas.openxmlformats.org/officeDocument/2006/relationships" xmlns:p="http://schemas.openxmlformats.org/presentationml/2006/main">
-  <p:cSld>
-    <p:spTree>
-      <p:nvGrpSpPr>
-        <p:cNvPr id="1" name=""/>
-        <p:cNvGrpSpPr/>
-        <p:nvPr/>
-      </p:nvGrpSpPr>
-      <p:grpSpPr>
-        <a:xfrm>
-          <a:off x="0" y="0"/>
-          <a:ext cx="0" cy="0"/>
-          <a:chOff x="0" y="0"/>
-          <a:chExt cx="0" cy="0"/>
-        </a:xfrm>
-      </p:grpSpPr>
-      <p:sp>
-        <p:nvSpPr>
-          <p:cNvPr id="178178" name="Rectangle 2"/>
-          <p:cNvSpPr>
-            <a:spLocks noGrp="1" noChangeArrowheads="1"/>
-          </p:cNvSpPr>
-          <p:nvPr>
-            <p:ph type="title"/>
-          </p:nvPr>
-        </p:nvSpPr>
-        <p:spPr/>
-        <p:txBody>
-          <a:bodyPr>
-            <a:normAutofit/>
-          </a:bodyPr>
-          <a:lstStyle/>
-          <a:p>
-            <a:endParaRPr lang="zh-CN" altLang="zh-CN"/>
-          </a:p>
-        </p:txBody>
-      </p:sp>
-      <p:sp>
-        <p:nvSpPr>
-          <p:cNvPr id="178179" name="Rectangle 3"/>
-          <p:cNvSpPr>
-            <a:spLocks noGrp="1" noChangeArrowheads="1"/>
-          </p:cNvSpPr>
-          <p:nvPr>
-            <p:ph idx="1"/>
-          </p:nvPr>
-        </p:nvSpPr>
-        <p:spPr/>
-        <p:txBody>
-          <a:bodyPr/>
-          <a:lstStyle/>
-          <a:p>
-            <a:endParaRPr lang="zh-CN" altLang="zh-CN"/>
-          </a:p>
-        </p:txBody>
-      </p:sp>
-      <p:pic>
-        <p:nvPicPr>
-          <p:cNvPr id="178181" name="Picture 5" descr="HD5870"/>
-          <p:cNvPicPr>
-            <a:picLocks noChangeAspect="1" noChangeArrowheads="1"/>
-          </p:cNvPicPr>
-          <p:nvPr/>
-        </p:nvPicPr>
-        <p:blipFill>
-          <a:blip r:embed="rId3" cstate="print"/>
-          <a:srcRect/>
-          <a:stretch>
-            <a:fillRect/>
-          </a:stretch>
-        </p:blipFill>
-        <p:spPr bwMode="auto">
-          <a:xfrm>
-            <a:off x="2190750" y="1232298"/>
-            <a:ext cx="4762500" cy="2678906"/>
-          </a:xfrm>
-          <a:prstGeom prst="rect">
-            <a:avLst/>
-          </a:prstGeom>
-          <a:noFill/>
-        </p:spPr>
-      </p:pic>
-    </p:spTree>
-  </p:cSld>
-  <p:clrMapOvr>
-    <a:masterClrMapping/>
-  </p:clrMapOvr>
-  <p:transition>
-    <p:fade/>
-  </p:transition>
-</p:sld>
-</file>
-
-<file path=ppt/slides/slide41.xml><?xml version="1.0" encoding="utf-8"?>
-<p:sld xmlns:a="http://schemas.openxmlformats.org/drawingml/2006/main" xmlns:r="http://schemas.openxmlformats.org/officeDocument/2006/relationships" xmlns:p="http://schemas.openxmlformats.org/presentationml/2006/main">
-  <p:cSld>
-    <p:spTree>
-      <p:nvGrpSpPr>
-        <p:cNvPr id="1" name=""/>
-        <p:cNvGrpSpPr/>
-        <p:nvPr/>
-      </p:nvGrpSpPr>
-      <p:grpSpPr>
-        <a:xfrm>
-          <a:off x="0" y="0"/>
-          <a:ext cx="0" cy="0"/>
-          <a:chOff x="0" y="0"/>
-          <a:chExt cx="0" cy="0"/>
-        </a:xfrm>
-      </p:grpSpPr>
-      <p:sp>
-        <p:nvSpPr>
-          <p:cNvPr id="58370" name="Rectangle 2"/>
-          <p:cNvSpPr>
-            <a:spLocks noGrp="1" noChangeArrowheads="1"/>
-          </p:cNvSpPr>
-          <p:nvPr>
-            <p:ph type="title"/>
-          </p:nvPr>
-        </p:nvSpPr>
-        <p:spPr/>
-        <p:txBody>
-          <a:bodyPr/>
-          <a:lstStyle/>
-          <a:p>
-            <a:r>
-              <a:rPr lang="zh-CN" altLang="en-US" sz="3200"/>
-              <a:t>物理引擎介绍</a:t>
-            </a:r>
-          </a:p>
-        </p:txBody>
-      </p:sp>
-      <p:sp>
-        <p:nvSpPr>
-          <p:cNvPr id="58371" name="Rectangle 3"/>
-          <p:cNvSpPr>
-            <a:spLocks noGrp="1" noChangeArrowheads="1"/>
-          </p:cNvSpPr>
-          <p:nvPr>
-            <p:ph idx="1"/>
-          </p:nvPr>
-        </p:nvSpPr>
-        <p:spPr/>
-        <p:txBody>
-          <a:bodyPr>
-            <a:normAutofit fontScale="92500" lnSpcReduction="20000"/>
-          </a:bodyPr>
-          <a:lstStyle/>
-          <a:p>
-            <a:pPr>
-              <a:lnSpc>
-                <a:spcPct val="80000"/>
-              </a:lnSpc>
-            </a:pPr>
-            <a:r>
-              <a:rPr lang="en-US" altLang="zh-CN" sz="1800" b="1"/>
-              <a:t>Open source</a:t>
-            </a:r>
-          </a:p>
-          <a:p>
-            <a:pPr lvl="1">
-              <a:lnSpc>
-                <a:spcPct val="80000"/>
-              </a:lnSpc>
-            </a:pPr>
-            <a:r>
-              <a:rPr lang="en-US" altLang="zh-CN" sz="1600">
-                <a:hlinkClick r:id="rId3" tooltip="Bullet (software)"/>
-              </a:rPr>
-              <a:t>Bullet</a:t>
-            </a:r>
-            <a:r>
-              <a:rPr lang="en-US" altLang="zh-CN" sz="1600"/>
-              <a:t> </a:t>
-            </a:r>
-          </a:p>
-          <a:p>
-            <a:pPr lvl="1">
-              <a:lnSpc>
-                <a:spcPct val="80000"/>
-              </a:lnSpc>
-            </a:pPr>
-            <a:r>
-              <a:rPr lang="en-US" altLang="zh-CN" sz="1600">
-                <a:hlinkClick r:id="rId4" tooltip="Open Dynamics Engine"/>
-              </a:rPr>
-              <a:t>Open Dynamics Engine</a:t>
-            </a:r>
-            <a:r>
-              <a:rPr lang="en-US" altLang="zh-CN" sz="1600"/>
-              <a:t> </a:t>
-            </a:r>
-          </a:p>
-          <a:p>
-            <a:pPr lvl="1">
-              <a:lnSpc>
-                <a:spcPct val="80000"/>
-              </a:lnSpc>
-            </a:pPr>
-            <a:r>
-              <a:rPr lang="en-US" altLang="zh-CN" sz="1600">
-                <a:hlinkClick r:id="rId5" tooltip="OPAL (software)"/>
-              </a:rPr>
-              <a:t>OPAL</a:t>
-            </a:r>
-            <a:r>
-              <a:rPr lang="en-US" altLang="zh-CN" sz="1600"/>
-              <a:t> </a:t>
-            </a:r>
-          </a:p>
-          <a:p>
-            <a:pPr lvl="1">
-              <a:lnSpc>
-                <a:spcPct val="80000"/>
-              </a:lnSpc>
-            </a:pPr>
-            <a:r>
-              <a:rPr lang="en-US" altLang="zh-CN" sz="1600">
-                <a:hlinkClick r:id="rId6" tooltip="PAL (software)"/>
-              </a:rPr>
-              <a:t>PAL</a:t>
-            </a:r>
-            <a:r>
-              <a:rPr lang="en-US" altLang="zh-CN" sz="1600"/>
-              <a:t> </a:t>
-            </a:r>
-          </a:p>
-          <a:p>
-            <a:pPr lvl="1">
-              <a:lnSpc>
-                <a:spcPct val="80000"/>
-              </a:lnSpc>
-            </a:pPr>
-            <a:r>
-              <a:rPr lang="en-US" altLang="zh-CN" sz="1600">
-                <a:hlinkClick r:id="rId7" tooltip="Tokamak physics engine"/>
-              </a:rPr>
-              <a:t>Tokamak physics engine</a:t>
-            </a:r>
-            <a:r>
-              <a:rPr lang="en-US" altLang="zh-CN" sz="1600"/>
-              <a:t> </a:t>
-            </a:r>
-          </a:p>
-          <a:p>
-            <a:pPr lvl="1">
-              <a:lnSpc>
-                <a:spcPct val="80000"/>
-              </a:lnSpc>
-            </a:pPr>
-            <a:r>
-              <a:rPr lang="en-US" altLang="zh-CN" sz="1600">
-                <a:hlinkClick r:id="rId8"/>
-              </a:rPr>
-              <a:t>DynaForce </a:t>
-            </a:r>
-            <a:endParaRPr lang="en-US" altLang="zh-CN" sz="1600"/>
-          </a:p>
-          <a:p>
-            <a:pPr>
-              <a:lnSpc>
-                <a:spcPct val="80000"/>
-              </a:lnSpc>
-            </a:pPr>
-            <a:r>
-              <a:rPr lang="en-US" altLang="zh-CN" sz="1800" b="1"/>
-              <a:t>Closed source/limited free distribution</a:t>
-            </a:r>
-          </a:p>
-          <a:p>
-            <a:pPr lvl="1">
-              <a:lnSpc>
-                <a:spcPct val="80000"/>
-              </a:lnSpc>
-            </a:pPr>
-            <a:r>
-              <a:rPr lang="en-US" altLang="zh-CN" sz="1600">
-                <a:hlinkClick r:id="rId9" tooltip="Newton Game Dynamics"/>
-              </a:rPr>
-              <a:t>Newton Game Dynamics</a:t>
-            </a:r>
-            <a:r>
-              <a:rPr lang="en-US" altLang="zh-CN" sz="1600"/>
-              <a:t> </a:t>
-            </a:r>
-          </a:p>
-          <a:p>
-            <a:pPr lvl="1">
-              <a:lnSpc>
-                <a:spcPct val="80000"/>
-              </a:lnSpc>
-            </a:pPr>
-            <a:r>
-              <a:rPr lang="en-US" altLang="zh-CN" sz="1600">
-                <a:hlinkClick r:id="rId10" tooltip="http://www.spehome.com"/>
-              </a:rPr>
-              <a:t>Simple Physics Engine</a:t>
-            </a:r>
-            <a:r>
-              <a:rPr lang="en-US" altLang="zh-CN" sz="1600"/>
-              <a:t> </a:t>
-            </a:r>
-          </a:p>
-          <a:p>
-            <a:pPr lvl="1">
-              <a:lnSpc>
-                <a:spcPct val="80000"/>
-              </a:lnSpc>
-            </a:pPr>
-            <a:r>
-              <a:rPr lang="en-US" altLang="zh-CN" sz="1600">
-                <a:hlinkClick r:id="rId11" tooltip="http://trueaxis.com/"/>
-              </a:rPr>
-              <a:t>True Axis</a:t>
-            </a:r>
-            <a:r>
-              <a:rPr lang="en-US" altLang="zh-CN" sz="1600"/>
-              <a:t> </a:t>
-            </a:r>
-          </a:p>
-          <a:p>
-            <a:pPr lvl="1">
-              <a:lnSpc>
-                <a:spcPct val="80000"/>
-              </a:lnSpc>
-            </a:pPr>
-            <a:r>
-              <a:rPr lang="en-US" altLang="zh-CN" sz="1600">
-                <a:hlinkClick r:id="rId12" tooltip="PhysX"/>
-              </a:rPr>
-              <a:t>PhysX</a:t>
-            </a:r>
-            <a:r>
-              <a:rPr lang="en-US" altLang="zh-CN" sz="1600"/>
-              <a:t> (formerly NovodeX and incorporating </a:t>
-            </a:r>
-            <a:r>
-              <a:rPr lang="en-US" altLang="zh-CN" sz="1600">
-                <a:hlinkClick r:id="rId13" tooltip="Meqon"/>
-              </a:rPr>
-              <a:t>Meqon</a:t>
-            </a:r>
-            <a:r>
-              <a:rPr lang="en-US" altLang="zh-CN" sz="1600"/>
-              <a:t>) </a:t>
-            </a:r>
-          </a:p>
-          <a:p>
-            <a:pPr>
-              <a:lnSpc>
-                <a:spcPct val="80000"/>
-              </a:lnSpc>
-            </a:pPr>
-            <a:r>
-              <a:rPr lang="en-US" altLang="zh-CN" sz="1800" b="1"/>
-              <a:t>Commercial</a:t>
-            </a:r>
-          </a:p>
-          <a:p>
-            <a:pPr lvl="1">
-              <a:lnSpc>
-                <a:spcPct val="80000"/>
-              </a:lnSpc>
-            </a:pPr>
-            <a:r>
-              <a:rPr lang="en-US" altLang="zh-CN" sz="1600">
-                <a:hlinkClick r:id="rId14" tooltip="Havok (software)"/>
-              </a:rPr>
-              <a:t>Havok</a:t>
-            </a:r>
-            <a:r>
-              <a:rPr lang="en-US" altLang="zh-CN" sz="1600"/>
-              <a:t> </a:t>
-            </a:r>
-          </a:p>
-          <a:p>
-            <a:pPr lvl="1">
-              <a:lnSpc>
-                <a:spcPct val="80000"/>
-              </a:lnSpc>
-            </a:pPr>
-            <a:r>
-              <a:rPr lang="en-US" altLang="zh-CN" sz="1600">
-                <a:hlinkClick r:id="rId15" tooltip="NV Physics SDK"/>
-              </a:rPr>
-              <a:t>nV Physics SDK</a:t>
-            </a:r>
-            <a:r>
-              <a:rPr lang="en-US" altLang="zh-CN" sz="1600"/>
-              <a:t> </a:t>
-            </a:r>
-          </a:p>
-          <a:p>
-            <a:pPr lvl="1">
-              <a:lnSpc>
-                <a:spcPct val="80000"/>
-              </a:lnSpc>
-            </a:pPr>
-            <a:r>
-              <a:rPr lang="en-US" altLang="zh-CN" sz="1600"/>
-              <a:t>Vortex from </a:t>
-            </a:r>
-            <a:r>
-              <a:rPr lang="en-US" altLang="zh-CN" sz="1600">
-                <a:hlinkClick r:id="rId16" tooltip="http://www.cm-labs.com"/>
-              </a:rPr>
-              <a:t>CMLabs Simulations</a:t>
-            </a:r>
-            <a:r>
-              <a:rPr lang="en-US" altLang="zh-CN" sz="1600"/>
-              <a:t> </a:t>
-            </a:r>
-          </a:p>
-          <a:p>
-            <a:pPr>
-              <a:lnSpc>
-                <a:spcPct val="80000"/>
-              </a:lnSpc>
-            </a:pPr>
-            <a:endParaRPr lang="en-US" altLang="zh-CN" sz="1800"/>
-          </a:p>
-        </p:txBody>
-      </p:sp>
-    </p:spTree>
-  </p:cSld>
-  <p:clrMapOvr>
-    <a:masterClrMapping/>
-  </p:clrMapOvr>
-  <p:transition>
-    <p:fade/>
-  </p:transition>
-  <p:timing>
-    <p:tnLst>
-      <p:par>
-        <p:cTn id="1" dur="indefinite" restart="never" nodeType="tmRoot"/>
-      </p:par>
-    </p:tnLst>
-  </p:timing>
-</p:sld>
-</file>
-
-<file path=ppt/slides/slide42.xml><?xml version="1.0" encoding="utf-8"?>
-<p:sld xmlns:a="http://schemas.openxmlformats.org/drawingml/2006/main" xmlns:r="http://schemas.openxmlformats.org/officeDocument/2006/relationships" xmlns:p="http://schemas.openxmlformats.org/presentationml/2006/main">
-  <p:cSld>
-    <p:spTree>
-      <p:nvGrpSpPr>
-        <p:cNvPr id="1" name=""/>
-        <p:cNvGrpSpPr/>
-        <p:nvPr/>
-      </p:nvGrpSpPr>
-      <p:grpSpPr>
-        <a:xfrm>
-          <a:off x="0" y="0"/>
-          <a:ext cx="0" cy="0"/>
-          <a:chOff x="0" y="0"/>
-          <a:chExt cx="0" cy="0"/>
-        </a:xfrm>
-      </p:grpSpPr>
-      <p:sp>
-        <p:nvSpPr>
-          <p:cNvPr id="60418" name="Rectangle 2"/>
-          <p:cNvSpPr>
-            <a:spLocks noGrp="1" noChangeArrowheads="1"/>
-          </p:cNvSpPr>
-          <p:nvPr>
-            <p:ph type="title"/>
-          </p:nvPr>
-        </p:nvSpPr>
-        <p:spPr/>
-        <p:txBody>
-          <a:bodyPr/>
-          <a:lstStyle/>
-          <a:p>
-            <a:r>
-              <a:rPr lang="en-US" altLang="zh-CN" sz="3200"/>
-              <a:t>Bullet </a:t>
-            </a:r>
-          </a:p>
-        </p:txBody>
-      </p:sp>
-      <p:sp>
-        <p:nvSpPr>
-          <p:cNvPr id="60419" name="Rectangle 3"/>
-          <p:cNvSpPr>
-            <a:spLocks noGrp="1" noChangeArrowheads="1"/>
-          </p:cNvSpPr>
-          <p:nvPr>
-            <p:ph idx="1"/>
-          </p:nvPr>
-        </p:nvSpPr>
-        <p:spPr/>
-        <p:txBody>
-          <a:bodyPr>
-            <a:normAutofit fontScale="85000" lnSpcReduction="10000"/>
-          </a:bodyPr>
-          <a:lstStyle/>
-          <a:p>
-            <a:r>
-              <a:rPr lang="en-US" altLang="zh-CN" sz="2400"/>
-              <a:t>Sourceforge</a:t>
-            </a:r>
-            <a:r>
-              <a:rPr lang="zh-CN" altLang="en-US" sz="2400"/>
-              <a:t>上的开源物理引擎</a:t>
-            </a:r>
-          </a:p>
-          <a:p>
-            <a:r>
-              <a:rPr lang="zh-CN" altLang="en-US" sz="2400"/>
-              <a:t>特性</a:t>
-            </a:r>
-            <a:r>
-              <a:rPr lang="en-US" altLang="zh-CN" sz="2400"/>
-              <a:t>:</a:t>
-            </a:r>
-          </a:p>
-          <a:p>
-            <a:pPr lvl="1"/>
-            <a:r>
-              <a:rPr lang="en-US" altLang="zh-CN" sz="2000"/>
-              <a:t>collision shapes include: Sphere, box, cylinder, cone, convex hull, and triangle mesh</a:t>
-            </a:r>
-          </a:p>
-          <a:p>
-            <a:pPr lvl="1"/>
-            <a:r>
-              <a:rPr lang="en-US" altLang="zh-CN" sz="2000"/>
-              <a:t>implements GJK convex collision detection</a:t>
-            </a:r>
-          </a:p>
-          <a:p>
-            <a:pPr lvl="1"/>
-            <a:r>
-              <a:rPr lang="en-US" altLang="zh-CN" sz="2000"/>
-              <a:t>swept collision test</a:t>
-            </a:r>
-          </a:p>
-          <a:p>
-            <a:pPr lvl="1"/>
-            <a:r>
-              <a:rPr lang="en-US" altLang="zh-CN" sz="2000"/>
-              <a:t>continuous Collision Detection</a:t>
-            </a:r>
-          </a:p>
-          <a:p>
-            <a:pPr lvl="1"/>
-            <a:r>
-              <a:rPr lang="en-US" altLang="zh-CN" sz="2000"/>
-              <a:t>constraints</a:t>
-            </a:r>
-          </a:p>
-          <a:p>
-            <a:pPr lvl="1"/>
-            <a:r>
-              <a:rPr lang="en-US" altLang="zh-CN" sz="2000"/>
-              <a:t>COLLADA 1.4 Physics import</a:t>
-            </a:r>
-          </a:p>
-          <a:p>
-            <a:pPr lvl="1"/>
-            <a:r>
-              <a:rPr lang="en-US" altLang="zh-CN" sz="2000"/>
-              <a:t>modular approach supports home-brewed physics software</a:t>
-            </a:r>
-          </a:p>
-          <a:p>
-            <a:pPr lvl="1"/>
-            <a:r>
-              <a:rPr lang="en-US" altLang="zh-CN" sz="2000"/>
-              <a:t>Bullet provides rigid body dynamics for the Blender 3-D modeling, rendering, and animation package.</a:t>
-            </a:r>
-          </a:p>
-        </p:txBody>
-      </p:sp>
-      <p:pic>
-        <p:nvPicPr>
-          <p:cNvPr id="60420" name="Picture 4"/>
-          <p:cNvPicPr>
-            <a:picLocks noChangeAspect="1" noChangeArrowheads="1"/>
-          </p:cNvPicPr>
-          <p:nvPr/>
-        </p:nvPicPr>
-        <p:blipFill>
-          <a:blip r:embed="rId3" cstate="print"/>
-          <a:srcRect/>
-          <a:stretch>
-            <a:fillRect/>
-          </a:stretch>
-        </p:blipFill>
-        <p:spPr bwMode="auto">
-          <a:xfrm>
-            <a:off x="5819776" y="685800"/>
-            <a:ext cx="3324225" cy="1014413"/>
-          </a:xfrm>
-          <a:prstGeom prst="rect">
-            <a:avLst/>
-          </a:prstGeom>
-          <a:noFill/>
-          <a:ln w="9525" algn="ctr">
-            <a:noFill/>
-            <a:miter lim="800000"/>
-            <a:headEnd/>
-            <a:tailEnd/>
-          </a:ln>
-          <a:effectLst/>
-        </p:spPr>
-      </p:pic>
-    </p:spTree>
-  </p:cSld>
-  <p:clrMapOvr>
-    <a:masterClrMapping/>
-  </p:clrMapOvr>
-  <p:transition>
-    <p:fade/>
-  </p:transition>
-  <p:timing>
-    <p:tnLst>
-      <p:par>
-        <p:cTn id="1" dur="indefinite" restart="never" nodeType="tmRoot"/>
-      </p:par>
-    </p:tnLst>
-  </p:timing>
-</p:sld>
-</file>
-
-<file path=ppt/slides/slide43.xml><?xml version="1.0" encoding="utf-8"?>
-<p:sld xmlns:a="http://schemas.openxmlformats.org/drawingml/2006/main" xmlns:r="http://schemas.openxmlformats.org/officeDocument/2006/relationships" xmlns:p="http://schemas.openxmlformats.org/presentationml/2006/main">
-  <p:cSld>
-    <p:spTree>
-      <p:nvGrpSpPr>
-        <p:cNvPr id="1" name=""/>
-        <p:cNvGrpSpPr/>
-        <p:nvPr/>
-      </p:nvGrpSpPr>
-      <p:grpSpPr>
-        <a:xfrm>
-          <a:off x="0" y="0"/>
-          <a:ext cx="0" cy="0"/>
-          <a:chOff x="0" y="0"/>
-          <a:chExt cx="0" cy="0"/>
-        </a:xfrm>
-      </p:grpSpPr>
-      <p:sp>
-        <p:nvSpPr>
-          <p:cNvPr id="59394" name="Rectangle 2"/>
-          <p:cNvSpPr>
-            <a:spLocks noGrp="1" noChangeArrowheads="1"/>
-          </p:cNvSpPr>
-          <p:nvPr>
-            <p:ph type="title"/>
-          </p:nvPr>
-        </p:nvSpPr>
-        <p:spPr/>
-        <p:txBody>
-          <a:bodyPr/>
-          <a:lstStyle/>
-          <a:p>
-            <a:r>
-              <a:rPr lang="en-US" altLang="zh-CN" sz="3200"/>
-              <a:t>Open Dynamics Engine </a:t>
-            </a:r>
-          </a:p>
-        </p:txBody>
-      </p:sp>
-      <p:sp>
-        <p:nvSpPr>
-          <p:cNvPr id="59395" name="Rectangle 3"/>
-          <p:cNvSpPr>
-            <a:spLocks noGrp="1" noChangeArrowheads="1"/>
-          </p:cNvSpPr>
-          <p:nvPr>
-            <p:ph idx="1"/>
-          </p:nvPr>
-        </p:nvSpPr>
-        <p:spPr/>
-        <p:txBody>
-          <a:bodyPr>
-            <a:normAutofit fontScale="85000" lnSpcReduction="20000"/>
-          </a:bodyPr>
-          <a:lstStyle/>
-          <a:p>
-            <a:r>
-              <a:rPr lang="en-US" altLang="zh-CN"/>
-              <a:t>Supported Geometries</a:t>
-            </a:r>
-          </a:p>
-          <a:p>
-            <a:pPr lvl="1"/>
-            <a:r>
-              <a:rPr lang="en-US" altLang="zh-CN"/>
-              <a:t>Box</a:t>
-            </a:r>
-          </a:p>
-          <a:p>
-            <a:pPr lvl="1"/>
-            <a:r>
-              <a:rPr lang="en-US" altLang="zh-CN"/>
-              <a:t>Sphere</a:t>
-            </a:r>
-          </a:p>
-          <a:p>
-            <a:pPr lvl="1"/>
-            <a:r>
-              <a:rPr lang="en-US" altLang="zh-CN"/>
-              <a:t>Capsule (cylinder capped with hemispheres)</a:t>
-            </a:r>
-          </a:p>
-          <a:p>
-            <a:pPr lvl="1"/>
-            <a:r>
-              <a:rPr lang="en-US" altLang="zh-CN"/>
-              <a:t>Trimesh (dynamic trimesh and trimesh-trimesh collisions are still incomplete)</a:t>
-            </a:r>
-          </a:p>
-          <a:p>
-            <a:pPr lvl="1"/>
-            <a:r>
-              <a:rPr lang="en-US" altLang="zh-CN"/>
-              <a:t>Cylinder (currently in the unstable release)</a:t>
-            </a:r>
-          </a:p>
-          <a:p>
-            <a:pPr lvl="1"/>
-            <a:r>
-              <a:rPr lang="en-US" altLang="zh-CN"/>
-              <a:t>Heightmap</a:t>
-            </a:r>
-          </a:p>
-          <a:p>
-            <a:r>
-              <a:rPr lang="zh-CN" altLang="en-US"/>
-              <a:t>用于</a:t>
-            </a:r>
-            <a:r>
-              <a:rPr lang="en-US" altLang="zh-CN"/>
-              <a:t>GameStudio</a:t>
-            </a:r>
-            <a:r>
-              <a:rPr lang="zh-CN" altLang="en-US"/>
-              <a:t>引擎中</a:t>
-            </a:r>
-          </a:p>
-          <a:p>
-            <a:endParaRPr lang="en-US" altLang="zh-CN"/>
-          </a:p>
-        </p:txBody>
-      </p:sp>
-      <p:pic>
-        <p:nvPicPr>
-          <p:cNvPr id="59396" name="Picture 4"/>
-          <p:cNvPicPr>
-            <a:picLocks noChangeAspect="1" noChangeArrowheads="1"/>
-          </p:cNvPicPr>
-          <p:nvPr/>
-        </p:nvPicPr>
-        <p:blipFill>
-          <a:blip r:embed="rId3" cstate="print"/>
-          <a:srcRect/>
-          <a:stretch>
-            <a:fillRect/>
-          </a:stretch>
-        </p:blipFill>
-        <p:spPr bwMode="auto">
-          <a:xfrm>
-            <a:off x="4572001" y="1314450"/>
-            <a:ext cx="4029075" cy="828675"/>
-          </a:xfrm>
-          <a:prstGeom prst="rect">
-            <a:avLst/>
-          </a:prstGeom>
-          <a:noFill/>
-          <a:ln w="9525" algn="ctr">
-            <a:noFill/>
-            <a:miter lim="800000"/>
-            <a:headEnd/>
-            <a:tailEnd/>
-          </a:ln>
-          <a:effectLst/>
-        </p:spPr>
-      </p:pic>
-    </p:spTree>
-  </p:cSld>
-  <p:clrMapOvr>
-    <a:masterClrMapping/>
-  </p:clrMapOvr>
-  <p:transition>
-    <p:fade/>
-  </p:transition>
-  <p:timing>
-    <p:tnLst>
-      <p:par>
-        <p:cTn id="1" dur="indefinite" restart="never" nodeType="tmRoot"/>
-      </p:par>
-    </p:tnLst>
-  </p:timing>
-</p:sld>
-</file>
-
-<file path=ppt/slides/slide44.xml><?xml version="1.0" encoding="utf-8"?>
-<p:sld xmlns:a="http://schemas.openxmlformats.org/drawingml/2006/main" xmlns:r="http://schemas.openxmlformats.org/officeDocument/2006/relationships" xmlns:p="http://schemas.openxmlformats.org/presentationml/2006/main">
-  <p:cSld>
-    <p:spTree>
-      <p:nvGrpSpPr>
-        <p:cNvPr id="1" name=""/>
-        <p:cNvGrpSpPr/>
-        <p:nvPr/>
-      </p:nvGrpSpPr>
-      <p:grpSpPr>
-        <a:xfrm>
-          <a:off x="0" y="0"/>
-          <a:ext cx="0" cy="0"/>
-          <a:chOff x="0" y="0"/>
-          <a:chExt cx="0" cy="0"/>
-        </a:xfrm>
-      </p:grpSpPr>
-      <p:sp>
-        <p:nvSpPr>
-          <p:cNvPr id="62466" name="Rectangle 2"/>
-          <p:cNvSpPr>
-            <a:spLocks noGrp="1" noChangeArrowheads="1"/>
-          </p:cNvSpPr>
-          <p:nvPr>
-            <p:ph type="title"/>
-          </p:nvPr>
-        </p:nvSpPr>
-        <p:spPr/>
-        <p:txBody>
-          <a:bodyPr/>
-          <a:lstStyle/>
-          <a:p>
-            <a:r>
-              <a:rPr lang="en-US" altLang="zh-CN" sz="3200"/>
-              <a:t>OPAL </a:t>
-            </a:r>
-          </a:p>
-        </p:txBody>
-      </p:sp>
-      <p:sp>
-        <p:nvSpPr>
-          <p:cNvPr id="62467" name="Rectangle 3"/>
-          <p:cNvSpPr>
-            <a:spLocks noGrp="1" noChangeArrowheads="1"/>
-          </p:cNvSpPr>
-          <p:nvPr>
-            <p:ph idx="1"/>
-          </p:nvPr>
-        </p:nvSpPr>
-        <p:spPr/>
-        <p:txBody>
-          <a:bodyPr/>
-          <a:lstStyle/>
-          <a:p>
-            <a:r>
-              <a:rPr lang="en-US" altLang="zh-CN"/>
-              <a:t>Open Physics Abstraction Layer (OPAL) </a:t>
-            </a:r>
-          </a:p>
-          <a:p>
-            <a:pPr lvl="1"/>
-            <a:r>
-              <a:rPr lang="en-US" altLang="zh-CN"/>
-              <a:t>OPAL is a high-level interface for low-level physics engines used in games, robotics simulations, and other 3D applications</a:t>
-            </a:r>
-          </a:p>
-          <a:p>
-            <a:pPr lvl="1"/>
-            <a:r>
-              <a:rPr lang="en-US" altLang="zh-CN"/>
-              <a:t>Features a simple C++ API, intuitive objects (e.g. Solids, Joints, Motors, Sensors), and XML-based file storage for complex objects. </a:t>
-            </a:r>
-          </a:p>
-        </p:txBody>
-      </p:sp>
-    </p:spTree>
-  </p:cSld>
-  <p:clrMapOvr>
-    <a:masterClrMapping/>
-  </p:clrMapOvr>
-  <p:transition>
-    <p:fade/>
-  </p:transition>
-</p:sld>
-</file>
-
-<file path=ppt/slides/slide45.xml><?xml version="1.0" encoding="utf-8"?>
-<p:sld xmlns:a="http://schemas.openxmlformats.org/drawingml/2006/main" xmlns:r="http://schemas.openxmlformats.org/officeDocument/2006/relationships" xmlns:p="http://schemas.openxmlformats.org/presentationml/2006/main">
-  <p:cSld>
-    <p:spTree>
-      <p:nvGrpSpPr>
-        <p:cNvPr id="1" name=""/>
-        <p:cNvGrpSpPr/>
-        <p:nvPr/>
-      </p:nvGrpSpPr>
-      <p:grpSpPr>
-        <a:xfrm>
-          <a:off x="0" y="0"/>
-          <a:ext cx="0" cy="0"/>
-          <a:chOff x="0" y="0"/>
-          <a:chExt cx="0" cy="0"/>
-        </a:xfrm>
-      </p:grpSpPr>
-      <p:sp>
-        <p:nvSpPr>
-          <p:cNvPr id="63490" name="Rectangle 2"/>
-          <p:cNvSpPr>
-            <a:spLocks noGrp="1" noChangeArrowheads="1"/>
-          </p:cNvSpPr>
-          <p:nvPr>
-            <p:ph type="title"/>
-          </p:nvPr>
-        </p:nvSpPr>
-        <p:spPr/>
-        <p:txBody>
-          <a:bodyPr/>
-          <a:lstStyle/>
-          <a:p>
-            <a:r>
-              <a:rPr lang="en-US" altLang="zh-CN" sz="3200"/>
-              <a:t>PAL </a:t>
-            </a:r>
-            <a:r>
-              <a:rPr lang="zh-CN" altLang="en-US" sz="3200"/>
-              <a:t>（作业点）</a:t>
-            </a:r>
-          </a:p>
-        </p:txBody>
-      </p:sp>
-      <p:sp>
-        <p:nvSpPr>
-          <p:cNvPr id="63491" name="Rectangle 3"/>
-          <p:cNvSpPr>
-            <a:spLocks noGrp="1" noChangeArrowheads="1"/>
-          </p:cNvSpPr>
-          <p:nvPr>
-            <p:ph idx="1"/>
-          </p:nvPr>
-        </p:nvSpPr>
-        <p:spPr/>
-        <p:txBody>
-          <a:bodyPr>
-            <a:normAutofit fontScale="92500" lnSpcReduction="20000"/>
-          </a:bodyPr>
-          <a:lstStyle/>
-          <a:p>
-            <a:pPr>
-              <a:lnSpc>
-                <a:spcPct val="80000"/>
-              </a:lnSpc>
-            </a:pPr>
-            <a:r>
-              <a:rPr lang="en-US" altLang="zh-CN" sz="2000" dirty="0"/>
-              <a:t>PAL supports multiple physics engines, including:</a:t>
-            </a:r>
-          </a:p>
-          <a:p>
-            <a:pPr lvl="1">
-              <a:lnSpc>
-                <a:spcPct val="80000"/>
-              </a:lnSpc>
-            </a:pPr>
-            <a:r>
-              <a:rPr lang="en-US" altLang="zh-CN" sz="1800" dirty="0"/>
-              <a:t>Bullet</a:t>
-            </a:r>
-          </a:p>
-          <a:p>
-            <a:pPr lvl="1">
-              <a:lnSpc>
-                <a:spcPct val="80000"/>
-              </a:lnSpc>
-            </a:pPr>
-            <a:r>
-              <a:rPr lang="en-US" altLang="zh-CN" sz="1800" dirty="0" err="1"/>
-              <a:t>DynaMechs</a:t>
-            </a:r>
-            <a:endParaRPr lang="en-US" altLang="zh-CN" sz="1800" dirty="0"/>
-          </a:p>
-          <a:p>
-            <a:pPr lvl="1">
-              <a:lnSpc>
-                <a:spcPct val="80000"/>
-              </a:lnSpc>
-            </a:pPr>
-            <a:r>
-              <a:rPr lang="en-US" altLang="zh-CN" sz="1800" dirty="0" err="1"/>
-              <a:t>JigLib</a:t>
-            </a:r>
-            <a:endParaRPr lang="en-US" altLang="zh-CN" sz="1800" dirty="0"/>
-          </a:p>
-          <a:p>
-            <a:pPr lvl="1">
-              <a:lnSpc>
-                <a:spcPct val="80000"/>
-              </a:lnSpc>
-            </a:pPr>
-            <a:r>
-              <a:rPr lang="en-US" altLang="zh-CN" sz="1800" dirty="0"/>
-              <a:t>Newton Game Dynamics</a:t>
-            </a:r>
-          </a:p>
-          <a:p>
-            <a:pPr lvl="1">
-              <a:lnSpc>
-                <a:spcPct val="80000"/>
-              </a:lnSpc>
-            </a:pPr>
-            <a:r>
-              <a:rPr lang="en-US" altLang="zh-CN" sz="1800" dirty="0"/>
-              <a:t>Open Dynamics Engine</a:t>
-            </a:r>
-          </a:p>
-          <a:p>
-            <a:pPr lvl="1">
-              <a:lnSpc>
-                <a:spcPct val="80000"/>
-              </a:lnSpc>
-            </a:pPr>
-            <a:r>
-              <a:rPr lang="en-US" altLang="zh-CN" sz="1800" dirty="0" err="1"/>
-              <a:t>OpenTissue</a:t>
-            </a:r>
-            <a:endParaRPr lang="en-US" altLang="zh-CN" sz="1800" dirty="0"/>
-          </a:p>
-          <a:p>
-            <a:pPr lvl="1">
-              <a:lnSpc>
-                <a:spcPct val="80000"/>
-              </a:lnSpc>
-            </a:pPr>
-            <a:r>
-              <a:rPr lang="en-US" altLang="zh-CN" sz="1800" dirty="0"/>
-              <a:t>PhysX (formerly </a:t>
-            </a:r>
-            <a:r>
-              <a:rPr lang="en-US" altLang="zh-CN" sz="1800" dirty="0" err="1"/>
-              <a:t>NovodeX</a:t>
-            </a:r>
-            <a:r>
-              <a:rPr lang="en-US" altLang="zh-CN" sz="1800" dirty="0"/>
-              <a:t> and incorporating </a:t>
-            </a:r>
-            <a:r>
-              <a:rPr lang="en-US" altLang="zh-CN" sz="1800" dirty="0" err="1"/>
-              <a:t>Meqon</a:t>
-            </a:r>
-            <a:r>
-              <a:rPr lang="en-US" altLang="zh-CN" sz="1800" dirty="0"/>
-              <a:t>)</a:t>
-            </a:r>
-          </a:p>
-          <a:p>
-            <a:pPr lvl="1">
-              <a:lnSpc>
-                <a:spcPct val="80000"/>
-              </a:lnSpc>
-            </a:pPr>
-            <a:r>
-              <a:rPr lang="en-US" altLang="zh-CN" sz="1800" dirty="0"/>
-              <a:t>Tokamak physics engine</a:t>
-            </a:r>
-          </a:p>
-          <a:p>
-            <a:pPr lvl="1">
-              <a:lnSpc>
-                <a:spcPct val="80000"/>
-              </a:lnSpc>
-            </a:pPr>
-            <a:r>
-              <a:rPr lang="en-US" altLang="zh-CN" sz="1800" dirty="0"/>
-              <a:t>True Axis</a:t>
-            </a:r>
-          </a:p>
-          <a:p>
-            <a:pPr>
-              <a:lnSpc>
-                <a:spcPct val="80000"/>
-              </a:lnSpc>
-            </a:pPr>
-            <a:r>
-              <a:rPr lang="en-US" altLang="zh-CN" sz="2000" dirty="0"/>
-              <a:t>PAL is a high-level interface for low-level physics engines used in games, simulation systems, and other 3D applications</a:t>
-            </a:r>
-          </a:p>
-          <a:p>
-            <a:pPr>
-              <a:lnSpc>
-                <a:spcPct val="80000"/>
-              </a:lnSpc>
-            </a:pPr>
-            <a:r>
-              <a:rPr lang="en-US" altLang="zh-CN" sz="2000" dirty="0"/>
-              <a:t>PAL is designed with a pluggable abstract factory allowing code to be written and compiled once and allowing runtime selection of a different physics engines, as well as feature upgrades.</a:t>
-            </a:r>
-          </a:p>
-        </p:txBody>
-      </p:sp>
-    </p:spTree>
-  </p:cSld>
-  <p:clrMapOvr>
-    <a:masterClrMapping/>
-  </p:clrMapOvr>
-  <p:transition>
-    <p:fade/>
-  </p:transition>
-</p:sld>
-</file>
-
-<file path=ppt/slides/slide46.xml><?xml version="1.0" encoding="utf-8"?>
-<p:sld xmlns:a="http://schemas.openxmlformats.org/drawingml/2006/main" xmlns:r="http://schemas.openxmlformats.org/officeDocument/2006/relationships" xmlns:p="http://schemas.openxmlformats.org/presentationml/2006/main">
-  <p:cSld>
-    <p:spTree>
-      <p:nvGrpSpPr>
-        <p:cNvPr id="1" name=""/>
-        <p:cNvGrpSpPr/>
-        <p:nvPr/>
-      </p:nvGrpSpPr>
-      <p:grpSpPr>
-        <a:xfrm>
-          <a:off x="0" y="0"/>
-          <a:ext cx="0" cy="0"/>
-          <a:chOff x="0" y="0"/>
-          <a:chExt cx="0" cy="0"/>
-        </a:xfrm>
-      </p:grpSpPr>
-      <p:sp>
-        <p:nvSpPr>
-          <p:cNvPr id="64514" name="Rectangle 2"/>
-          <p:cNvSpPr>
-            <a:spLocks noGrp="1" noChangeArrowheads="1"/>
-          </p:cNvSpPr>
-          <p:nvPr>
-            <p:ph type="title"/>
-          </p:nvPr>
-        </p:nvSpPr>
-        <p:spPr/>
-        <p:txBody>
-          <a:bodyPr/>
-          <a:lstStyle/>
-          <a:p>
-            <a:r>
-              <a:rPr lang="en-US" altLang="zh-CN" sz="3200"/>
-              <a:t>Tokamak</a:t>
-            </a:r>
-          </a:p>
-        </p:txBody>
-      </p:sp>
-      <p:sp>
-        <p:nvSpPr>
-          <p:cNvPr id="64515" name="Rectangle 3"/>
-          <p:cNvSpPr>
-            <a:spLocks noGrp="1" noChangeArrowheads="1"/>
-          </p:cNvSpPr>
-          <p:nvPr>
-            <p:ph idx="1"/>
-          </p:nvPr>
-        </p:nvSpPr>
-        <p:spPr/>
-        <p:txBody>
-          <a:bodyPr>
-            <a:normAutofit fontScale="92500" lnSpcReduction="20000"/>
-          </a:bodyPr>
-          <a:lstStyle/>
-          <a:p>
-            <a:r>
-              <a:rPr lang="en-US" altLang="zh-CN"/>
-              <a:t>At its beginnings, Tokamak was free for non commercial uses only</a:t>
-            </a:r>
-          </a:p>
-          <a:p>
-            <a:r>
-              <a:rPr lang="en-US" altLang="zh-CN"/>
-              <a:t>Since May 2007, it has become open sourced under a BSD License</a:t>
-            </a:r>
-          </a:p>
-          <a:p>
-            <a:r>
-              <a:rPr lang="en-US" altLang="zh-CN"/>
-              <a:t>supports "Breakage Constructing models" which will break when a collision occurs. Fragments of the original model will automatically be spawned by Tokamak's built-in breakage functionality.</a:t>
-            </a:r>
-          </a:p>
-          <a:p>
-            <a:endParaRPr lang="en-US" altLang="zh-CN"/>
-          </a:p>
-        </p:txBody>
-      </p:sp>
-      <p:pic>
-        <p:nvPicPr>
-          <p:cNvPr id="64516" name="Picture 4"/>
-          <p:cNvPicPr>
-            <a:picLocks noChangeAspect="1" noChangeArrowheads="1"/>
-          </p:cNvPicPr>
-          <p:nvPr/>
-        </p:nvPicPr>
-        <p:blipFill>
-          <a:blip r:embed="rId3" cstate="print"/>
-          <a:srcRect/>
-          <a:stretch>
-            <a:fillRect/>
-          </a:stretch>
-        </p:blipFill>
-        <p:spPr bwMode="auto">
-          <a:xfrm>
-            <a:off x="2438401" y="4410075"/>
-            <a:ext cx="4467225" cy="390525"/>
-          </a:xfrm>
-          <a:prstGeom prst="rect">
-            <a:avLst/>
-          </a:prstGeom>
-          <a:noFill/>
-          <a:ln w="9525" algn="ctr">
-            <a:noFill/>
-            <a:miter lim="800000"/>
-            <a:headEnd/>
-            <a:tailEnd/>
-          </a:ln>
-          <a:effectLst/>
-        </p:spPr>
-      </p:pic>
-    </p:spTree>
-  </p:cSld>
-  <p:clrMapOvr>
-    <a:masterClrMapping/>
-  </p:clrMapOvr>
-  <p:transition>
-    <p:fade/>
-  </p:transition>
-  <p:timing>
-    <p:tnLst>
-      <p:par>
-        <p:cTn id="1" dur="indefinite" restart="never" nodeType="tmRoot"/>
-      </p:par>
-    </p:tnLst>
-  </p:timing>
-</p:sld>
-</file>
-
-<file path=ppt/slides/slide47.xml><?xml version="1.0" encoding="utf-8"?>
-<p:sld xmlns:a="http://schemas.openxmlformats.org/drawingml/2006/main" xmlns:r="http://schemas.openxmlformats.org/officeDocument/2006/relationships" xmlns:p="http://schemas.openxmlformats.org/presentationml/2006/main">
-  <p:cSld>
-    <p:spTree>
-      <p:nvGrpSpPr>
-        <p:cNvPr id="1" name=""/>
-        <p:cNvGrpSpPr/>
-        <p:nvPr/>
-      </p:nvGrpSpPr>
-      <p:grpSpPr>
-        <a:xfrm>
-          <a:off x="0" y="0"/>
-          <a:ext cx="0" cy="0"/>
-          <a:chOff x="0" y="0"/>
-          <a:chExt cx="0" cy="0"/>
-        </a:xfrm>
-      </p:grpSpPr>
-      <p:sp>
-        <p:nvSpPr>
-          <p:cNvPr id="66562" name="Rectangle 2"/>
-          <p:cNvSpPr>
-            <a:spLocks noGrp="1" noChangeArrowheads="1"/>
-          </p:cNvSpPr>
-          <p:nvPr>
-            <p:ph type="title"/>
-          </p:nvPr>
-        </p:nvSpPr>
-        <p:spPr/>
-        <p:txBody>
-          <a:bodyPr/>
-          <a:lstStyle/>
-          <a:p>
-            <a:r>
-              <a:rPr lang="en-US" altLang="zh-CN" sz="3200"/>
-              <a:t>DynaForce </a:t>
-            </a:r>
-          </a:p>
-        </p:txBody>
-      </p:sp>
-      <p:sp>
-        <p:nvSpPr>
-          <p:cNvPr id="66563" name="Rectangle 3"/>
-          <p:cNvSpPr>
-            <a:spLocks noGrp="1" noChangeArrowheads="1"/>
-          </p:cNvSpPr>
-          <p:nvPr>
-            <p:ph idx="1"/>
-          </p:nvPr>
-        </p:nvSpPr>
-        <p:spPr/>
-        <p:txBody>
-          <a:bodyPr>
-            <a:normAutofit fontScale="92500" lnSpcReduction="20000"/>
-          </a:bodyPr>
-          <a:lstStyle/>
-          <a:p>
-            <a:pPr>
-              <a:lnSpc>
-                <a:spcPct val="80000"/>
-              </a:lnSpc>
-            </a:pPr>
-            <a:r>
-              <a:rPr lang="en-US" altLang="zh-CN" sz="2000"/>
-              <a:t> </a:t>
-            </a:r>
-            <a:r>
-              <a:rPr lang="zh-CN" altLang="en-US" sz="2000"/>
-              <a:t>现阶段具备的特性</a:t>
-            </a:r>
-          </a:p>
-          <a:p>
-            <a:pPr lvl="1">
-              <a:lnSpc>
-                <a:spcPct val="80000"/>
-              </a:lnSpc>
-            </a:pPr>
-            <a:r>
-              <a:rPr lang="zh-CN" altLang="en-US" sz="1600"/>
-              <a:t>支持刚体</a:t>
-            </a:r>
-          </a:p>
-          <a:p>
-            <a:pPr lvl="1">
-              <a:lnSpc>
-                <a:spcPct val="80000"/>
-              </a:lnSpc>
-            </a:pPr>
-            <a:r>
-              <a:rPr lang="zh-CN" altLang="en-US" sz="1800"/>
-              <a:t>支持</a:t>
-            </a:r>
-            <a:r>
-              <a:rPr lang="en-US" altLang="zh-CN" sz="1800"/>
-              <a:t>joint</a:t>
-            </a:r>
-          </a:p>
-          <a:p>
-            <a:pPr lvl="1">
-              <a:lnSpc>
-                <a:spcPct val="80000"/>
-              </a:lnSpc>
-            </a:pPr>
-            <a:r>
-              <a:rPr lang="zh-CN" altLang="en-US" sz="1800"/>
-              <a:t>支持</a:t>
-            </a:r>
-            <a:r>
-              <a:rPr lang="en-US" altLang="zh-CN" sz="1800"/>
-              <a:t>joint limits</a:t>
-            </a:r>
-          </a:p>
-          <a:p>
-            <a:pPr lvl="1">
-              <a:lnSpc>
-                <a:spcPct val="80000"/>
-              </a:lnSpc>
-            </a:pPr>
-            <a:r>
-              <a:rPr lang="zh-CN" altLang="en-US" sz="1800"/>
-              <a:t>支持凸体 对 凸体</a:t>
-            </a:r>
-            <a:r>
-              <a:rPr lang="en-US" altLang="zh-CN" sz="1800"/>
-              <a:t>,</a:t>
-            </a:r>
-            <a:r>
-              <a:rPr lang="zh-CN" altLang="en-US" sz="1800"/>
-              <a:t>凸体 对 静态凹体的碰撞检测</a:t>
-            </a:r>
-          </a:p>
-          <a:p>
-            <a:pPr lvl="1">
-              <a:lnSpc>
-                <a:spcPct val="80000"/>
-              </a:lnSpc>
-            </a:pPr>
-            <a:r>
-              <a:rPr lang="zh-CN" altLang="en-US" sz="1800"/>
-              <a:t>支持</a:t>
-            </a:r>
-            <a:r>
-              <a:rPr lang="en-US" altLang="zh-CN" sz="1800"/>
-              <a:t>rigdoll </a:t>
-            </a:r>
-            <a:r>
-              <a:rPr lang="zh-CN" altLang="en-US" sz="1800"/>
-              <a:t>布娃娃系统</a:t>
-            </a:r>
-          </a:p>
-          <a:p>
-            <a:pPr>
-              <a:lnSpc>
-                <a:spcPct val="80000"/>
-              </a:lnSpc>
-            </a:pPr>
-            <a:r>
-              <a:rPr lang="zh-CN" altLang="en-US" sz="2000"/>
-              <a:t>  未来将具备的特性</a:t>
-            </a:r>
-          </a:p>
-          <a:p>
-            <a:pPr lvl="1">
-              <a:lnSpc>
-                <a:spcPct val="80000"/>
-              </a:lnSpc>
-            </a:pPr>
-            <a:r>
-              <a:rPr lang="zh-CN" altLang="en-US" sz="1800"/>
-              <a:t>将支持流体</a:t>
-            </a:r>
-          </a:p>
-          <a:p>
-            <a:pPr lvl="1">
-              <a:lnSpc>
-                <a:spcPct val="80000"/>
-              </a:lnSpc>
-            </a:pPr>
-            <a:r>
-              <a:rPr lang="zh-CN" altLang="en-US" sz="1800"/>
-              <a:t>将支持</a:t>
-            </a:r>
-            <a:r>
-              <a:rPr lang="en-US" altLang="zh-CN" sz="1800"/>
-              <a:t>GPU</a:t>
-            </a:r>
-            <a:r>
-              <a:rPr lang="zh-CN" altLang="en-US" sz="1800"/>
-              <a:t>加速运算</a:t>
-            </a:r>
-          </a:p>
-          <a:p>
-            <a:pPr lvl="1">
-              <a:lnSpc>
-                <a:spcPct val="80000"/>
-              </a:lnSpc>
-            </a:pPr>
-            <a:r>
-              <a:rPr lang="zh-CN" altLang="en-US" sz="1800"/>
-              <a:t>将加入更多类型</a:t>
-            </a:r>
-            <a:r>
-              <a:rPr lang="en-US" altLang="zh-CN" sz="1800"/>
-              <a:t>joint</a:t>
-            </a:r>
-          </a:p>
-          <a:p>
-            <a:pPr lvl="1">
-              <a:lnSpc>
-                <a:spcPct val="80000"/>
-              </a:lnSpc>
-            </a:pPr>
-            <a:r>
-              <a:rPr lang="zh-CN" altLang="en-US" sz="1800"/>
-              <a:t>将加入脚本系统</a:t>
-            </a:r>
-            <a:r>
-              <a:rPr lang="en-US" altLang="zh-CN" sz="1800"/>
-              <a:t>,</a:t>
-            </a:r>
-            <a:r>
-              <a:rPr lang="zh-CN" altLang="en-US" sz="1800"/>
-              <a:t>使得构建物理世界更轻松</a:t>
-            </a:r>
-            <a:r>
-              <a:rPr lang="en-US" altLang="zh-CN" sz="1800"/>
-              <a:t>.</a:t>
-            </a:r>
-            <a:br>
-              <a:rPr lang="en-US" altLang="zh-CN" sz="1800"/>
-            </a:br>
-            <a:endParaRPr lang="en-US" altLang="zh-CN" sz="1800"/>
-          </a:p>
-          <a:p>
-            <a:pPr>
-              <a:lnSpc>
-                <a:spcPct val="80000"/>
-              </a:lnSpc>
-            </a:pPr>
-            <a:r>
-              <a:rPr lang="zh-CN" altLang="en-US" sz="2000"/>
-              <a:t>基于改进的</a:t>
-            </a:r>
-            <a:r>
-              <a:rPr lang="en-US" altLang="zh-CN" sz="2000"/>
-              <a:t>D.E. Stewart and J.C. Trinkle</a:t>
-            </a:r>
-            <a:r>
-              <a:rPr lang="zh-CN" altLang="en-US" sz="2000"/>
-              <a:t>的线形互补理论</a:t>
-            </a:r>
-            <a:r>
-              <a:rPr lang="en-US" altLang="zh-CN" sz="2000"/>
-              <a:t>,</a:t>
-            </a:r>
-            <a:r>
-              <a:rPr lang="zh-CN" altLang="en-US" sz="2000"/>
-              <a:t>这也是在现代物理引擎中使用最普遍的理论</a:t>
-            </a:r>
-          </a:p>
-          <a:p>
-            <a:pPr>
-              <a:lnSpc>
-                <a:spcPct val="80000"/>
-              </a:lnSpc>
-            </a:pPr>
-            <a:r>
-              <a:rPr lang="zh-CN" altLang="en-US" sz="2000"/>
-              <a:t>我国游戏开发者自己研发</a:t>
-            </a:r>
-          </a:p>
-        </p:txBody>
-      </p:sp>
-    </p:spTree>
-  </p:cSld>
-  <p:clrMapOvr>
-    <a:masterClrMapping/>
-  </p:clrMapOvr>
-  <p:transition>
-    <p:fade/>
-  </p:transition>
-  <p:timing>
-    <p:tnLst>
-      <p:par>
-        <p:cTn id="1" dur="indefinite" restart="never" nodeType="tmRoot"/>
-      </p:par>
-    </p:tnLst>
-  </p:timing>
-</p:sld>
-</file>
-
-<file path=ppt/slides/slide48.xml><?xml version="1.0" encoding="utf-8"?>
-<p:sld xmlns:a="http://schemas.openxmlformats.org/drawingml/2006/main" xmlns:r="http://schemas.openxmlformats.org/officeDocument/2006/relationships" xmlns:p="http://schemas.openxmlformats.org/presentationml/2006/main">
-  <p:cSld>
-    <p:spTree>
-      <p:nvGrpSpPr>
-        <p:cNvPr id="1" name=""/>
-        <p:cNvGrpSpPr/>
-        <p:nvPr/>
-      </p:nvGrpSpPr>
-      <p:grpSpPr>
-        <a:xfrm>
-          <a:off x="0" y="0"/>
-          <a:ext cx="0" cy="0"/>
-          <a:chOff x="0" y="0"/>
-          <a:chExt cx="0" cy="0"/>
-        </a:xfrm>
-      </p:grpSpPr>
-      <p:sp>
-        <p:nvSpPr>
-          <p:cNvPr id="68610" name="Rectangle 2"/>
-          <p:cNvSpPr>
-            <a:spLocks noGrp="1" noChangeArrowheads="1"/>
-          </p:cNvSpPr>
-          <p:nvPr>
-            <p:ph type="title"/>
-          </p:nvPr>
-        </p:nvSpPr>
-        <p:spPr/>
-        <p:txBody>
-          <a:bodyPr/>
-          <a:lstStyle/>
-          <a:p>
-            <a:r>
-              <a:rPr lang="en-US" altLang="zh-CN" sz="3200"/>
-              <a:t>Newton Game Dynamics </a:t>
-            </a:r>
-          </a:p>
-        </p:txBody>
-      </p:sp>
-      <p:sp>
-        <p:nvSpPr>
-          <p:cNvPr id="68611" name="Rectangle 3"/>
-          <p:cNvSpPr>
-            <a:spLocks noGrp="1" noChangeArrowheads="1"/>
-          </p:cNvSpPr>
-          <p:nvPr>
-            <p:ph idx="1"/>
-          </p:nvPr>
-        </p:nvSpPr>
-        <p:spPr/>
-        <p:txBody>
-          <a:bodyPr/>
-          <a:lstStyle/>
-          <a:p>
-            <a:r>
-              <a:rPr lang="en-US" altLang="zh-CN"/>
-              <a:t>NGD</a:t>
-            </a:r>
-            <a:r>
-              <a:rPr lang="zh-CN" altLang="en-US"/>
-              <a:t>在许多工程中使用</a:t>
-            </a:r>
-          </a:p>
-          <a:p>
-            <a:pPr lvl="1"/>
-            <a:r>
-              <a:rPr lang="zh-CN" altLang="en-US"/>
-              <a:t>比如</a:t>
-            </a:r>
-            <a:r>
-              <a:rPr lang="en-US" altLang="zh-CN"/>
-              <a:t>Irrlicht</a:t>
-            </a:r>
-            <a:r>
-              <a:rPr lang="zh-CN" altLang="en-US"/>
-              <a:t>和</a:t>
-            </a:r>
-            <a:r>
-              <a:rPr lang="en-US" altLang="zh-CN"/>
-              <a:t>OGRE</a:t>
-            </a:r>
-          </a:p>
-          <a:p>
-            <a:r>
-              <a:rPr lang="en-US" altLang="zh-CN"/>
-              <a:t>NGD SDK</a:t>
-            </a:r>
-            <a:r>
-              <a:rPr lang="zh-CN" altLang="en-US"/>
-              <a:t>授权允许开发者免费在工程中使用，只需署名即可</a:t>
-            </a:r>
-          </a:p>
-          <a:p>
-            <a:endParaRPr lang="en-US" altLang="zh-CN"/>
-          </a:p>
-        </p:txBody>
-      </p:sp>
-      <p:pic>
-        <p:nvPicPr>
-          <p:cNvPr id="68612" name="Picture 4"/>
-          <p:cNvPicPr>
-            <a:picLocks noChangeAspect="1" noChangeArrowheads="1"/>
-          </p:cNvPicPr>
-          <p:nvPr/>
-        </p:nvPicPr>
-        <p:blipFill>
-          <a:blip r:embed="rId3" cstate="print"/>
-          <a:srcRect/>
-          <a:stretch>
-            <a:fillRect/>
-          </a:stretch>
-        </p:blipFill>
-        <p:spPr bwMode="auto">
-          <a:xfrm>
-            <a:off x="2590801" y="2971800"/>
-            <a:ext cx="4086225" cy="858441"/>
-          </a:xfrm>
-          <a:prstGeom prst="rect">
-            <a:avLst/>
-          </a:prstGeom>
-          <a:noFill/>
-          <a:ln w="9525" algn="ctr">
-            <a:noFill/>
-            <a:miter lim="800000"/>
-            <a:headEnd/>
-            <a:tailEnd/>
-          </a:ln>
-          <a:effectLst/>
-        </p:spPr>
-      </p:pic>
-    </p:spTree>
-  </p:cSld>
-  <p:clrMapOvr>
-    <a:masterClrMapping/>
-  </p:clrMapOvr>
-  <p:transition>
-    <p:fade/>
-  </p:transition>
-</p:sld>
-</file>
-
-<file path=ppt/slides/slide49.xml><?xml version="1.0" encoding="utf-8"?>
-<p:sld xmlns:a="http://schemas.openxmlformats.org/drawingml/2006/main" xmlns:r="http://schemas.openxmlformats.org/officeDocument/2006/relationships" xmlns:p="http://schemas.openxmlformats.org/presentationml/2006/main">
-  <p:cSld>
-    <p:spTree>
-      <p:nvGrpSpPr>
-        <p:cNvPr id="1" name=""/>
-        <p:cNvGrpSpPr/>
-        <p:nvPr/>
-      </p:nvGrpSpPr>
-      <p:grpSpPr>
-        <a:xfrm>
-          <a:off x="0" y="0"/>
-          <a:ext cx="0" cy="0"/>
-          <a:chOff x="0" y="0"/>
-          <a:chExt cx="0" cy="0"/>
-        </a:xfrm>
-      </p:grpSpPr>
-      <p:sp>
-        <p:nvSpPr>
-          <p:cNvPr id="70658" name="Rectangle 2"/>
-          <p:cNvSpPr>
-            <a:spLocks noGrp="1" noChangeArrowheads="1"/>
-          </p:cNvSpPr>
-          <p:nvPr>
-            <p:ph type="title"/>
-          </p:nvPr>
-        </p:nvSpPr>
-        <p:spPr/>
-        <p:txBody>
-          <a:bodyPr/>
-          <a:lstStyle/>
-          <a:p>
-            <a:r>
-              <a:rPr lang="en-US" altLang="zh-CN" sz="3200"/>
-              <a:t>Newton Game Dynamics</a:t>
-            </a:r>
-          </a:p>
-        </p:txBody>
-      </p:sp>
-      <p:sp>
-        <p:nvSpPr>
-          <p:cNvPr id="70659" name="Rectangle 3"/>
-          <p:cNvSpPr>
-            <a:spLocks noGrp="1" noChangeArrowheads="1"/>
-          </p:cNvSpPr>
-          <p:nvPr>
-            <p:ph idx="1"/>
-          </p:nvPr>
-        </p:nvSpPr>
-        <p:spPr/>
-        <p:txBody>
-          <a:bodyPr>
-            <a:normAutofit fontScale="77500" lnSpcReduction="20000"/>
-          </a:bodyPr>
-          <a:lstStyle/>
-          <a:p>
-            <a:pPr>
-              <a:lnSpc>
-                <a:spcPct val="90000"/>
-              </a:lnSpc>
-            </a:pPr>
-            <a:r>
-              <a:rPr lang="en-US" altLang="zh-CN"/>
-              <a:t>Features</a:t>
-            </a:r>
-          </a:p>
-          <a:p>
-            <a:pPr lvl="1">
-              <a:lnSpc>
-                <a:spcPct val="90000"/>
-              </a:lnSpc>
-            </a:pPr>
-            <a:r>
-              <a:rPr lang="en-US" altLang="zh-CN"/>
-              <a:t>easy to use C-API</a:t>
-            </a:r>
-          </a:p>
-          <a:p>
-            <a:pPr lvl="1">
-              <a:lnSpc>
-                <a:spcPct val="90000"/>
-              </a:lnSpc>
-            </a:pPr>
-            <a:r>
-              <a:rPr lang="en-US" altLang="zh-CN"/>
-              <a:t>available for windows, osx, linux</a:t>
-            </a:r>
-          </a:p>
-          <a:p>
-            <a:pPr lvl="1">
-              <a:lnSpc>
-                <a:spcPct val="90000"/>
-              </a:lnSpc>
-            </a:pPr>
-            <a:r>
-              <a:rPr lang="en-US" altLang="zh-CN"/>
-              <a:t>plethora of convex collision shapes</a:t>
-            </a:r>
-          </a:p>
-          <a:p>
-            <a:pPr lvl="1">
-              <a:lnSpc>
-                <a:spcPct val="90000"/>
-              </a:lnSpc>
-            </a:pPr>
-            <a:r>
-              <a:rPr lang="en-US" altLang="zh-CN"/>
-              <a:t>compound collision shapes</a:t>
-            </a:r>
-          </a:p>
-          <a:p>
-            <a:pPr lvl="1">
-              <a:lnSpc>
-                <a:spcPct val="90000"/>
-              </a:lnSpc>
-            </a:pPr>
-            <a:r>
-              <a:rPr lang="en-US" altLang="zh-CN"/>
-              <a:t>continuous collision mode</a:t>
-            </a:r>
-          </a:p>
-          <a:p>
-            <a:pPr lvl="1">
-              <a:lnSpc>
-                <a:spcPct val="90000"/>
-              </a:lnSpc>
-            </a:pPr>
-            <a:r>
-              <a:rPr lang="en-US" altLang="zh-CN"/>
-              <a:t>hinge, ball, slider, corkscrew,... and custom joints</a:t>
-            </a:r>
-          </a:p>
-          <a:p>
-            <a:pPr lvl="1">
-              <a:lnSpc>
-                <a:spcPct val="90000"/>
-              </a:lnSpc>
-            </a:pPr>
-            <a:r>
-              <a:rPr lang="en-US" altLang="zh-CN"/>
-              <a:t>powerful custom constraint/joint API</a:t>
-            </a:r>
-          </a:p>
-          <a:p>
-            <a:pPr lvl="1">
-              <a:lnSpc>
-                <a:spcPct val="90000"/>
-              </a:lnSpc>
-            </a:pPr>
-            <a:r>
-              <a:rPr lang="en-US" altLang="zh-CN"/>
-              <a:t>special vehicle container</a:t>
-            </a:r>
-          </a:p>
-          <a:p>
-            <a:pPr lvl="1">
-              <a:lnSpc>
-                <a:spcPct val="90000"/>
-              </a:lnSpc>
-            </a:pPr>
-            <a:r>
-              <a:rPr lang="en-US" altLang="zh-CN"/>
-              <a:t>special ragdoll container</a:t>
-            </a:r>
-          </a:p>
-          <a:p>
-            <a:pPr lvl="1">
-              <a:lnSpc>
-                <a:spcPct val="90000"/>
-              </a:lnSpc>
-            </a:pPr>
-            <a:r>
-              <a:rPr lang="en-US" altLang="zh-CN"/>
-              <a:t>also usable as a stand-alone collision detection library</a:t>
-            </a:r>
-          </a:p>
-        </p:txBody>
-      </p:sp>
-    </p:spTree>
-  </p:cSld>
-  <p:clrMapOvr>
-    <a:masterClrMapping/>
-  </p:clrMapOvr>
-  <p:transition>
-    <p:fade/>
-  </p:transition>
-</p:sld>
-</file>
-
-<file path=ppt/slides/slide5.xml><?xml version="1.0" encoding="utf-8"?>
-<p:sld xmlns:a="http://schemas.openxmlformats.org/drawingml/2006/main" xmlns:r="http://schemas.openxmlformats.org/officeDocument/2006/relationships" xmlns:p="http://schemas.openxmlformats.org/presentationml/2006/main">
-  <p:cSld>
-    <p:spTree>
-      <p:nvGrpSpPr>
-        <p:cNvPr id="1" name=""/>
-        <p:cNvGrpSpPr/>
-        <p:nvPr/>
-      </p:nvGrpSpPr>
-      <p:grpSpPr>
-        <a:xfrm>
-          <a:off x="0" y="0"/>
-          <a:ext cx="0" cy="0"/>
-          <a:chOff x="0" y="0"/>
-          <a:chExt cx="0" cy="0"/>
-        </a:xfrm>
-      </p:grpSpPr>
-      <p:sp>
-        <p:nvSpPr>
-          <p:cNvPr id="2" name="标题 1"/>
-          <p:cNvSpPr>
-            <a:spLocks noGrp="1"/>
-          </p:cNvSpPr>
-          <p:nvPr>
-            <p:ph type="title"/>
-          </p:nvPr>
-        </p:nvSpPr>
-        <p:spPr/>
-        <p:txBody>
-          <a:bodyPr>
-            <a:normAutofit/>
-          </a:bodyPr>
-          <a:lstStyle/>
-          <a:p>
-            <a:r>
-              <a:rPr lang="zh-CN" altLang="en-US" dirty="0" smtClean="0"/>
-              <a:t>愤怒的小鸟</a:t>
-            </a:r>
-            <a:endParaRPr lang="zh-CN" altLang="en-US" dirty="0"/>
-          </a:p>
-        </p:txBody>
-      </p:sp>
-      <p:sp>
-        <p:nvSpPr>
-          <p:cNvPr id="3" name="内容占位符 2"/>
-          <p:cNvSpPr>
-            <a:spLocks noGrp="1"/>
-          </p:cNvSpPr>
-          <p:nvPr>
-            <p:ph idx="1"/>
-          </p:nvPr>
-        </p:nvSpPr>
-        <p:spPr/>
-        <p:txBody>
-          <a:bodyPr/>
-          <a:lstStyle/>
-          <a:p>
-            <a:r>
-              <a:rPr lang="en-US" altLang="zh-CN" dirty="0" smtClean="0">
-                <a:hlinkClick r:id="rId2" action="ppaction://hlinkfile"/>
-              </a:rPr>
-              <a:t>《</a:t>
-            </a:r>
-            <a:r>
-              <a:rPr lang="zh-CN" altLang="en-US" dirty="0" smtClean="0">
-                <a:hlinkClick r:id="rId2" action="ppaction://hlinkfile"/>
-              </a:rPr>
-              <a:t>愤怒的小鸟</a:t>
-            </a:r>
-            <a:r>
-              <a:rPr lang="en-US" altLang="zh-CN" dirty="0" smtClean="0">
-                <a:hlinkClick r:id="rId2" action="ppaction://hlinkfile"/>
-              </a:rPr>
-              <a:t>》PC</a:t>
-            </a:r>
-            <a:r>
-              <a:rPr lang="zh-CN" altLang="en-US" dirty="0" smtClean="0">
-                <a:hlinkClick r:id="rId2" action="ppaction://hlinkfile"/>
-              </a:rPr>
-              <a:t>版游戏演示</a:t>
-            </a:r>
-            <a:r>
-              <a:rPr lang="en-US" altLang="zh-CN" dirty="0" smtClean="0">
-                <a:hlinkClick r:id="rId2" action="ppaction://hlinkfile"/>
-              </a:rPr>
-              <a:t>.</a:t>
-            </a:r>
-            <a:r>
-              <a:rPr lang="en-US" altLang="zh-CN" dirty="0" err="1" smtClean="0">
-                <a:hlinkClick r:id="rId2" action="ppaction://hlinkfile"/>
-              </a:rPr>
-              <a:t>flv</a:t>
-            </a:r>
-            <a:endParaRPr lang="zh-CN" altLang="en-US" dirty="0"/>
-          </a:p>
-        </p:txBody>
-      </p:sp>
-    </p:spTree>
-  </p:cSld>
-  <p:clrMapOvr>
-    <a:masterClrMapping/>
-  </p:clrMapOvr>
-  <p:transition>
-    <p:fade/>
-  </p:transition>
-  <p:timing>
-    <p:tnLst>
-      <p:par>
-        <p:cTn id="1" dur="indefinite" restart="never" nodeType="tmRoot"/>
-      </p:par>
-    </p:tnLst>
-  </p:timing>
-</p:sld>
-</file>
-
 <file path=ppt/slides/slide50.xml><?xml version="1.0" encoding="utf-8"?>
 <p:sld xmlns:a="http://schemas.openxmlformats.org/drawingml/2006/main" xmlns:r="http://schemas.openxmlformats.org/officeDocument/2006/relationships" xmlns:p="http://schemas.openxmlformats.org/presentationml/2006/main">
   <p:cSld>
@@ -39908,7 +39815,7 @@
       </p:grpSpPr>
       <p:sp>
         <p:nvSpPr>
-          <p:cNvPr id="86018" name="Rectangle 2"/>
+          <p:cNvPr id="70658" name="Rectangle 2"/>
           <p:cNvSpPr>
             <a:spLocks noGrp="1" noChangeArrowheads="1"/>
           </p:cNvSpPr>
@@ -39923,14 +39830,14 @@
           <a:p>
             <a:r>
               <a:rPr lang="en-US" altLang="zh-CN" sz="3200"/>
-              <a:t>Newton Game Dynamics Demos</a:t>
-            </a:r>
-          </a:p>
-        </p:txBody>
-      </p:sp>
-      <p:sp>
-        <p:nvSpPr>
-          <p:cNvPr id="86019" name="Rectangle 3"/>
+              <a:t>Newton Game Dynamics</a:t>
+            </a:r>
+          </a:p>
+        </p:txBody>
+      </p:sp>
+      <p:sp>
+        <p:nvSpPr>
+          <p:cNvPr id="70659" name="Rectangle 3"/>
           <p:cNvSpPr>
             <a:spLocks noGrp="1" noChangeArrowheads="1"/>
           </p:cNvSpPr>
@@ -39941,86 +39848,129 @@
         <p:spPr/>
         <p:txBody>
           <a:bodyPr>
-            <a:normAutofit fontScale="92500" lnSpcReduction="20000"/>
+            <a:normAutofit fontScale="77500" lnSpcReduction="20000"/>
           </a:bodyPr>
           <a:lstStyle/>
           <a:p>
-            <a:r>
-              <a:rPr lang="en-US" altLang="zh-CN">
-                <a:hlinkClick r:id="rId3" action="ppaction://program"/>
-              </a:rPr>
-              <a:t>Demo1</a:t>
-            </a:r>
-            <a:endParaRPr lang="en-US" altLang="zh-CN">
-              <a:hlinkClick r:id="rId4" action="ppaction://program"/>
-            </a:endParaRPr>
-          </a:p>
-          <a:p>
-            <a:r>
-              <a:rPr lang="en-US" altLang="zh-CN">
-                <a:hlinkClick r:id="rId4" action="ppaction://program"/>
-              </a:rPr>
-              <a:t>Demo2</a:t>
-            </a:r>
-            <a:endParaRPr lang="en-US" altLang="zh-CN">
-              <a:hlinkClick r:id="rId5" action="ppaction://program"/>
-            </a:endParaRPr>
-          </a:p>
-          <a:p>
-            <a:r>
-              <a:rPr lang="en-US" altLang="zh-CN">
-                <a:hlinkClick r:id="rId5" action="ppaction://program"/>
-              </a:rPr>
-              <a:t>Demo3</a:t>
-            </a:r>
-            <a:endParaRPr lang="en-US" altLang="zh-CN">
-              <a:hlinkClick r:id="rId6" action="ppaction://program"/>
-            </a:endParaRPr>
-          </a:p>
-          <a:p>
-            <a:r>
-              <a:rPr lang="en-US" altLang="zh-CN">
-                <a:hlinkClick r:id="rId6" action="ppaction://program"/>
-              </a:rPr>
-              <a:t>Demo4</a:t>
-            </a:r>
-            <a:endParaRPr lang="en-US" altLang="zh-CN">
-              <a:hlinkClick r:id="rId7" action="ppaction://program"/>
-            </a:endParaRPr>
-          </a:p>
-          <a:p>
-            <a:r>
-              <a:rPr lang="en-US" altLang="zh-CN">
-                <a:hlinkClick r:id="rId7" action="ppaction://program"/>
-              </a:rPr>
-              <a:t>Demo5</a:t>
-            </a:r>
-            <a:endParaRPr lang="en-US" altLang="zh-CN">
-              <a:hlinkClick r:id="rId8" action="ppaction://program"/>
-            </a:endParaRPr>
-          </a:p>
-          <a:p>
-            <a:r>
-              <a:rPr lang="en-US" altLang="zh-CN">
-                <a:hlinkClick r:id="rId8" action="ppaction://program"/>
-              </a:rPr>
-              <a:t>Demo6</a:t>
-            </a:r>
-            <a:endParaRPr lang="en-US" altLang="zh-CN">
-              <a:hlinkClick r:id="rId9" action="ppaction://program"/>
-            </a:endParaRPr>
-          </a:p>
-          <a:p>
-            <a:r>
-              <a:rPr lang="en-US" altLang="zh-CN">
-                <a:hlinkClick r:id="rId9" action="ppaction://program"/>
-              </a:rPr>
-              <a:t>Demo7</a:t>
-            </a:r>
-            <a:endParaRPr lang="en-US" altLang="zh-CN"/>
-          </a:p>
-          <a:p>
-            <a:endParaRPr lang="en-US" altLang="zh-CN"/>
+            <a:pPr>
+              <a:lnSpc>
+                <a:spcPct val="90000"/>
+              </a:lnSpc>
+            </a:pPr>
+            <a:r>
+              <a:rPr lang="en-US" altLang="zh-CN"/>
+              <a:t>Features</a:t>
+            </a:r>
+          </a:p>
+          <a:p>
+            <a:pPr lvl="1">
+              <a:lnSpc>
+                <a:spcPct val="90000"/>
+              </a:lnSpc>
+            </a:pPr>
+            <a:r>
+              <a:rPr lang="en-US" altLang="zh-CN"/>
+              <a:t>easy to use C-API</a:t>
+            </a:r>
+          </a:p>
+          <a:p>
+            <a:pPr lvl="1">
+              <a:lnSpc>
+                <a:spcPct val="90000"/>
+              </a:lnSpc>
+            </a:pPr>
+            <a:r>
+              <a:rPr lang="en-US" altLang="zh-CN"/>
+              <a:t>available for windows, osx, linux</a:t>
+            </a:r>
+          </a:p>
+          <a:p>
+            <a:pPr lvl="1">
+              <a:lnSpc>
+                <a:spcPct val="90000"/>
+              </a:lnSpc>
+            </a:pPr>
+            <a:r>
+              <a:rPr lang="en-US" altLang="zh-CN"/>
+              <a:t>plethora of convex collision shapes</a:t>
+            </a:r>
+          </a:p>
+          <a:p>
+            <a:pPr lvl="1">
+              <a:lnSpc>
+                <a:spcPct val="90000"/>
+              </a:lnSpc>
+            </a:pPr>
+            <a:r>
+              <a:rPr lang="en-US" altLang="zh-CN"/>
+              <a:t>compound collision shapes</a:t>
+            </a:r>
+          </a:p>
+          <a:p>
+            <a:pPr lvl="1">
+              <a:lnSpc>
+                <a:spcPct val="90000"/>
+              </a:lnSpc>
+            </a:pPr>
+            <a:r>
+              <a:rPr lang="en-US" altLang="zh-CN"/>
+              <a:t>continuous collision mode</a:t>
+            </a:r>
+          </a:p>
+          <a:p>
+            <a:pPr lvl="1">
+              <a:lnSpc>
+                <a:spcPct val="90000"/>
+              </a:lnSpc>
+            </a:pPr>
+            <a:r>
+              <a:rPr lang="en-US" altLang="zh-CN"/>
+              <a:t>hinge, ball, slider, corkscrew,... and custom joints</a:t>
+            </a:r>
+          </a:p>
+          <a:p>
+            <a:pPr lvl="1">
+              <a:lnSpc>
+                <a:spcPct val="90000"/>
+              </a:lnSpc>
+            </a:pPr>
+            <a:r>
+              <a:rPr lang="en-US" altLang="zh-CN"/>
+              <a:t>powerful custom constraint/joint API</a:t>
+            </a:r>
+          </a:p>
+          <a:p>
+            <a:pPr lvl="1">
+              <a:lnSpc>
+                <a:spcPct val="90000"/>
+              </a:lnSpc>
+            </a:pPr>
+            <a:r>
+              <a:rPr lang="en-US" altLang="zh-CN"/>
+              <a:t>special vehicle container</a:t>
+            </a:r>
+          </a:p>
+          <a:p>
+            <a:pPr lvl="1">
+              <a:lnSpc>
+                <a:spcPct val="90000"/>
+              </a:lnSpc>
+            </a:pPr>
+            <a:r>
+              <a:rPr lang="en-US" altLang="zh-CN"/>
+              <a:t>special ragdoll container</a:t>
+            </a:r>
+          </a:p>
+          <a:p>
+            <a:pPr lvl="1">
+              <a:lnSpc>
+                <a:spcPct val="90000"/>
+              </a:lnSpc>
+            </a:pPr>
+            <a:r>
+              <a:rPr lang="en-US" altLang="zh-CN"/>
+              <a:t>also usable as a stand-alone collision detection library</a:t>
+            </a:r>
           </a:p>
         </p:txBody>
       </p:sp>
@@ -40032,13 +39982,6 @@
   <p:transition>
     <p:fade/>
   </p:transition>
-  <p:timing>
-    <p:tnLst>
-      <p:par>
-        <p:cTn id="1" dur="indefinite" restart="never" nodeType="tmRoot"/>
-      </p:par>
-    </p:tnLst>
-  </p:timing>
 </p:sld>
 </file>
 
@@ -40061,7 +40004,7 @@
       </p:grpSpPr>
       <p:sp>
         <p:nvSpPr>
-          <p:cNvPr id="71682" name="Rectangle 2"/>
+          <p:cNvPr id="86018" name="Rectangle 2"/>
           <p:cNvSpPr>
             <a:spLocks noGrp="1" noChangeArrowheads="1"/>
           </p:cNvSpPr>
@@ -40076,14 +40019,14 @@
           <a:p>
             <a:r>
               <a:rPr lang="en-US" altLang="zh-CN" sz="3200"/>
-              <a:t>Simple Physics Engine </a:t>
-            </a:r>
-          </a:p>
-        </p:txBody>
-      </p:sp>
-      <p:sp>
-        <p:nvSpPr>
-          <p:cNvPr id="71683" name="Rectangle 3"/>
+              <a:t>Newton Game Dynamics Demos</a:t>
+            </a:r>
+          </a:p>
+        </p:txBody>
+      </p:sp>
+      <p:sp>
+        <p:nvSpPr>
+          <p:cNvPr id="86019" name="Rectangle 3"/>
           <p:cNvSpPr>
             <a:spLocks noGrp="1" noChangeArrowheads="1"/>
           </p:cNvSpPr>
@@ -40094,126 +40037,86 @@
         <p:spPr/>
         <p:txBody>
           <a:bodyPr>
-            <a:normAutofit fontScale="85000" lnSpcReduction="20000"/>
+            <a:normAutofit fontScale="92500" lnSpcReduction="20000"/>
           </a:bodyPr>
           <a:lstStyle/>
           <a:p>
-            <a:pPr>
-              <a:lnSpc>
-                <a:spcPct val="90000"/>
-              </a:lnSpc>
-            </a:pPr>
-            <a:r>
-              <a:rPr lang="en-US" altLang="zh-CN"/>
-              <a:t>SPE</a:t>
-            </a:r>
-            <a:r>
-              <a:rPr lang="zh-CN" altLang="en-US"/>
-              <a:t>是中国第一款用于游戏软件或虚拟现实程序的专业物理运算系统 </a:t>
-            </a:r>
-          </a:p>
-          <a:p>
-            <a:pPr>
-              <a:lnSpc>
-                <a:spcPct val="90000"/>
-              </a:lnSpc>
-            </a:pPr>
-            <a:r>
-              <a:rPr lang="en-US" altLang="zh-CN"/>
-              <a:t>SPE </a:t>
-            </a:r>
-            <a:r>
-              <a:rPr lang="zh-CN" altLang="en-US"/>
-              <a:t>具有以下特性</a:t>
-            </a:r>
-          </a:p>
-          <a:p>
-            <a:pPr lvl="1">
-              <a:lnSpc>
-                <a:spcPct val="90000"/>
-              </a:lnSpc>
-            </a:pPr>
-            <a:r>
-              <a:rPr lang="zh-CN" altLang="en-US"/>
-              <a:t>使用独创的快速而稳定的“</a:t>
-            </a:r>
-            <a:r>
-              <a:rPr lang="en-US" altLang="zh-CN"/>
-              <a:t>Edge-Polygon”</a:t>
-            </a:r>
-            <a:r>
-              <a:rPr lang="zh-CN" altLang="en-US"/>
-              <a:t>碰撞检测算法</a:t>
-            </a:r>
-          </a:p>
-          <a:p>
-            <a:pPr lvl="1">
-              <a:lnSpc>
-                <a:spcPct val="90000"/>
-              </a:lnSpc>
-            </a:pPr>
-            <a:r>
-              <a:rPr lang="zh-CN" altLang="en-US"/>
-              <a:t>碰撞信息分析</a:t>
-            </a:r>
-          </a:p>
-          <a:p>
-            <a:pPr lvl="1">
-              <a:lnSpc>
-                <a:spcPct val="90000"/>
-              </a:lnSpc>
-            </a:pPr>
-            <a:r>
-              <a:rPr lang="zh-CN" altLang="en-US"/>
-              <a:t>稳定的碰撞与接触解决系统</a:t>
-            </a:r>
-          </a:p>
-          <a:p>
-            <a:pPr lvl="1">
-              <a:lnSpc>
-                <a:spcPct val="90000"/>
-              </a:lnSpc>
-            </a:pPr>
-            <a:r>
-              <a:rPr lang="en-US" altLang="zh-CN"/>
-              <a:t>SPE</a:t>
-            </a:r>
-            <a:r>
-              <a:rPr lang="zh-CN" altLang="en-US"/>
-              <a:t>提供一种稳定的基本</a:t>
-            </a:r>
-            <a:r>
-              <a:rPr lang="en-US" altLang="zh-CN"/>
-              <a:t>Joint</a:t>
-            </a:r>
-            <a:r>
-              <a:rPr lang="zh-CN" altLang="en-US"/>
-              <a:t>功能，支持最大距离、弹性系数以及破坏力等参数的配置，用户可以使用它方便地创建各种其他类型的</a:t>
-            </a:r>
-            <a:r>
-              <a:rPr lang="en-US" altLang="zh-CN"/>
-              <a:t>Joint</a:t>
-            </a:r>
-            <a:r>
-              <a:rPr lang="zh-CN" altLang="en-US"/>
-              <a:t>实时刚体破碎。</a:t>
-            </a:r>
-            <a:r>
-              <a:rPr lang="en-US" altLang="zh-CN"/>
-              <a:t>(Beta)</a:t>
-            </a:r>
-            <a:r>
-              <a:rPr lang="zh-CN" altLang="en-US"/>
-              <a:t>。</a:t>
-            </a:r>
-            <a:r>
-              <a:rPr lang="en-US" altLang="zh-CN"/>
-              <a:t>SPE</a:t>
-            </a:r>
-            <a:r>
-              <a:rPr lang="zh-CN" altLang="en-US"/>
-              <a:t>提供“形状操作”的功能，成为全球第一款支持实时刚体破碎的物理引擎</a:t>
-            </a:r>
+            <a:r>
+              <a:rPr lang="en-US" altLang="zh-CN">
+                <a:hlinkClick r:id="rId3" action="ppaction://program"/>
+              </a:rPr>
+              <a:t>Demo1</a:t>
+            </a:r>
+            <a:endParaRPr lang="en-US" altLang="zh-CN">
+              <a:hlinkClick r:id="rId4" action="ppaction://program"/>
+            </a:endParaRPr>
+          </a:p>
+          <a:p>
+            <a:r>
+              <a:rPr lang="en-US" altLang="zh-CN">
+                <a:hlinkClick r:id="rId4" action="ppaction://program"/>
+              </a:rPr>
+              <a:t>Demo2</a:t>
+            </a:r>
+            <a:endParaRPr lang="en-US" altLang="zh-CN">
+              <a:hlinkClick r:id="rId5" action="ppaction://program"/>
+            </a:endParaRPr>
+          </a:p>
+          <a:p>
+            <a:r>
+              <a:rPr lang="en-US" altLang="zh-CN">
+                <a:hlinkClick r:id="rId5" action="ppaction://program"/>
+              </a:rPr>
+              <a:t>Demo3</a:t>
+            </a:r>
+            <a:endParaRPr lang="en-US" altLang="zh-CN">
+              <a:hlinkClick r:id="rId6" action="ppaction://program"/>
+            </a:endParaRPr>
+          </a:p>
+          <a:p>
+            <a:r>
+              <a:rPr lang="en-US" altLang="zh-CN">
+                <a:hlinkClick r:id="rId6" action="ppaction://program"/>
+              </a:rPr>
+              <a:t>Demo4</a:t>
+            </a:r>
+            <a:endParaRPr lang="en-US" altLang="zh-CN">
+              <a:hlinkClick r:id="rId7" action="ppaction://program"/>
+            </a:endParaRPr>
+          </a:p>
+          <a:p>
+            <a:r>
+              <a:rPr lang="en-US" altLang="zh-CN">
+                <a:hlinkClick r:id="rId7" action="ppaction://program"/>
+              </a:rPr>
+              <a:t>Demo5</a:t>
+            </a:r>
+            <a:endParaRPr lang="en-US" altLang="zh-CN">
+              <a:hlinkClick r:id="rId8" action="ppaction://program"/>
+            </a:endParaRPr>
+          </a:p>
+          <a:p>
+            <a:r>
+              <a:rPr lang="en-US" altLang="zh-CN">
+                <a:hlinkClick r:id="rId8" action="ppaction://program"/>
+              </a:rPr>
+              <a:t>Demo6</a:t>
+            </a:r>
+            <a:endParaRPr lang="en-US" altLang="zh-CN">
+              <a:hlinkClick r:id="rId9" action="ppaction://program"/>
+            </a:endParaRPr>
+          </a:p>
+          <a:p>
+            <a:r>
+              <a:rPr lang="en-US" altLang="zh-CN">
+                <a:hlinkClick r:id="rId9" action="ppaction://program"/>
+              </a:rPr>
+              <a:t>Demo7</a:t>
+            </a:r>
+            <a:endParaRPr lang="en-US" altLang="zh-CN"/>
+          </a:p>
+          <a:p>
+            <a:endParaRPr lang="en-US" altLang="zh-CN"/>
           </a:p>
         </p:txBody>
       </p:sp>
@@ -40236,6 +40139,199 @@
 </file>
 
 <file path=ppt/slides/slide52.xml><?xml version="1.0" encoding="utf-8"?>
+<p:sld xmlns:a="http://schemas.openxmlformats.org/drawingml/2006/main" xmlns:r="http://schemas.openxmlformats.org/officeDocument/2006/relationships" xmlns:p="http://schemas.openxmlformats.org/presentationml/2006/main">
+  <p:cSld>
+    <p:spTree>
+      <p:nvGrpSpPr>
+        <p:cNvPr id="1" name=""/>
+        <p:cNvGrpSpPr/>
+        <p:nvPr/>
+      </p:nvGrpSpPr>
+      <p:grpSpPr>
+        <a:xfrm>
+          <a:off x="0" y="0"/>
+          <a:ext cx="0" cy="0"/>
+          <a:chOff x="0" y="0"/>
+          <a:chExt cx="0" cy="0"/>
+        </a:xfrm>
+      </p:grpSpPr>
+      <p:sp>
+        <p:nvSpPr>
+          <p:cNvPr id="71682" name="Rectangle 2"/>
+          <p:cNvSpPr>
+            <a:spLocks noGrp="1" noChangeArrowheads="1"/>
+          </p:cNvSpPr>
+          <p:nvPr>
+            <p:ph type="title"/>
+          </p:nvPr>
+        </p:nvSpPr>
+        <p:spPr/>
+        <p:txBody>
+          <a:bodyPr/>
+          <a:lstStyle/>
+          <a:p>
+            <a:r>
+              <a:rPr lang="en-US" altLang="zh-CN" sz="3200"/>
+              <a:t>Simple Physics Engine </a:t>
+            </a:r>
+          </a:p>
+        </p:txBody>
+      </p:sp>
+      <p:sp>
+        <p:nvSpPr>
+          <p:cNvPr id="71683" name="Rectangle 3"/>
+          <p:cNvSpPr>
+            <a:spLocks noGrp="1" noChangeArrowheads="1"/>
+          </p:cNvSpPr>
+          <p:nvPr>
+            <p:ph idx="1"/>
+          </p:nvPr>
+        </p:nvSpPr>
+        <p:spPr/>
+        <p:txBody>
+          <a:bodyPr>
+            <a:normAutofit fontScale="85000" lnSpcReduction="20000"/>
+          </a:bodyPr>
+          <a:lstStyle/>
+          <a:p>
+            <a:pPr>
+              <a:lnSpc>
+                <a:spcPct val="90000"/>
+              </a:lnSpc>
+            </a:pPr>
+            <a:r>
+              <a:rPr lang="en-US" altLang="zh-CN"/>
+              <a:t>SPE</a:t>
+            </a:r>
+            <a:r>
+              <a:rPr lang="zh-CN" altLang="en-US"/>
+              <a:t>是中国第一款用于游戏软件或虚拟现实程序的专业物理运算系统 </a:t>
+            </a:r>
+          </a:p>
+          <a:p>
+            <a:pPr>
+              <a:lnSpc>
+                <a:spcPct val="90000"/>
+              </a:lnSpc>
+            </a:pPr>
+            <a:r>
+              <a:rPr lang="en-US" altLang="zh-CN"/>
+              <a:t>SPE </a:t>
+            </a:r>
+            <a:r>
+              <a:rPr lang="zh-CN" altLang="en-US"/>
+              <a:t>具有以下特性</a:t>
+            </a:r>
+          </a:p>
+          <a:p>
+            <a:pPr lvl="1">
+              <a:lnSpc>
+                <a:spcPct val="90000"/>
+              </a:lnSpc>
+            </a:pPr>
+            <a:r>
+              <a:rPr lang="zh-CN" altLang="en-US"/>
+              <a:t>使用独创的快速而稳定的“</a:t>
+            </a:r>
+            <a:r>
+              <a:rPr lang="en-US" altLang="zh-CN"/>
+              <a:t>Edge-Polygon”</a:t>
+            </a:r>
+            <a:r>
+              <a:rPr lang="zh-CN" altLang="en-US"/>
+              <a:t>碰撞检测算法</a:t>
+            </a:r>
+          </a:p>
+          <a:p>
+            <a:pPr lvl="1">
+              <a:lnSpc>
+                <a:spcPct val="90000"/>
+              </a:lnSpc>
+            </a:pPr>
+            <a:r>
+              <a:rPr lang="zh-CN" altLang="en-US"/>
+              <a:t>碰撞信息分析</a:t>
+            </a:r>
+          </a:p>
+          <a:p>
+            <a:pPr lvl="1">
+              <a:lnSpc>
+                <a:spcPct val="90000"/>
+              </a:lnSpc>
+            </a:pPr>
+            <a:r>
+              <a:rPr lang="zh-CN" altLang="en-US"/>
+              <a:t>稳定的碰撞与接触解决系统</a:t>
+            </a:r>
+          </a:p>
+          <a:p>
+            <a:pPr lvl="1">
+              <a:lnSpc>
+                <a:spcPct val="90000"/>
+              </a:lnSpc>
+            </a:pPr>
+            <a:r>
+              <a:rPr lang="en-US" altLang="zh-CN"/>
+              <a:t>SPE</a:t>
+            </a:r>
+            <a:r>
+              <a:rPr lang="zh-CN" altLang="en-US"/>
+              <a:t>提供一种稳定的基本</a:t>
+            </a:r>
+            <a:r>
+              <a:rPr lang="en-US" altLang="zh-CN"/>
+              <a:t>Joint</a:t>
+            </a:r>
+            <a:r>
+              <a:rPr lang="zh-CN" altLang="en-US"/>
+              <a:t>功能，支持最大距离、弹性系数以及破坏力等参数的配置，用户可以使用它方便地创建各种其他类型的</a:t>
+            </a:r>
+            <a:r>
+              <a:rPr lang="en-US" altLang="zh-CN"/>
+              <a:t>Joint</a:t>
+            </a:r>
+            <a:r>
+              <a:rPr lang="zh-CN" altLang="en-US"/>
+              <a:t>实时刚体破碎。</a:t>
+            </a:r>
+            <a:r>
+              <a:rPr lang="en-US" altLang="zh-CN"/>
+              <a:t>(Beta)</a:t>
+            </a:r>
+            <a:r>
+              <a:rPr lang="zh-CN" altLang="en-US"/>
+              <a:t>。</a:t>
+            </a:r>
+            <a:r>
+              <a:rPr lang="en-US" altLang="zh-CN"/>
+              <a:t>SPE</a:t>
+            </a:r>
+            <a:r>
+              <a:rPr lang="zh-CN" altLang="en-US"/>
+              <a:t>提供“形状操作”的功能，成为全球第一款支持实时刚体破碎的物理引擎</a:t>
+            </a:r>
+          </a:p>
+        </p:txBody>
+      </p:sp>
+    </p:spTree>
+  </p:cSld>
+  <p:clrMapOvr>
+    <a:masterClrMapping/>
+  </p:clrMapOvr>
+  <p:transition>
+    <p:fade/>
+  </p:transition>
+  <p:timing>
+    <p:tnLst>
+      <p:par>
+        <p:cTn id="1" dur="indefinite" restart="never" nodeType="tmRoot"/>
+      </p:par>
+    </p:tnLst>
+  </p:timing>
+</p:sld>
+</file>
+
+<file path=ppt/slides/slide53.xml><?xml version="1.0" encoding="utf-8"?>
 <p:sld xmlns:a="http://schemas.openxmlformats.org/drawingml/2006/main" xmlns:r="http://schemas.openxmlformats.org/officeDocument/2006/relationships" xmlns:p="http://schemas.openxmlformats.org/presentationml/2006/main">
   <p:cSld>
     <p:spTree>
@@ -40389,7 +40485,7 @@
 </p:sld>
 </file>
 
-<file path=ppt/slides/slide53.xml><?xml version="1.0" encoding="utf-8"?>
+<file path=ppt/slides/slide54.xml><?xml version="1.0" encoding="utf-8"?>
 <p:sld xmlns:a="http://schemas.openxmlformats.org/drawingml/2006/main" xmlns:r="http://schemas.openxmlformats.org/officeDocument/2006/relationships" xmlns:p="http://schemas.openxmlformats.org/presentationml/2006/main">
   <p:cSld>
     <p:spTree>
@@ -40533,7 +40629,7 @@
 </p:sld>
 </file>
 
-<file path=ppt/slides/slide54.xml><?xml version="1.0" encoding="utf-8"?>
+<file path=ppt/slides/slide55.xml><?xml version="1.0" encoding="utf-8"?>
 <p:sld xmlns:a="http://schemas.openxmlformats.org/drawingml/2006/main" xmlns:r="http://schemas.openxmlformats.org/officeDocument/2006/relationships" xmlns:p="http://schemas.openxmlformats.org/presentationml/2006/main">
   <p:cSld>
     <p:spTree>
@@ -40678,7 +40774,7 @@
 </p:sld>
 </file>
 
-<file path=ppt/slides/slide55.xml><?xml version="1.0" encoding="utf-8"?>
+<file path=ppt/slides/slide56.xml><?xml version="1.0" encoding="utf-8"?>
 <p:sld xmlns:a="http://schemas.openxmlformats.org/drawingml/2006/main" xmlns:r="http://schemas.openxmlformats.org/officeDocument/2006/relationships" xmlns:p="http://schemas.openxmlformats.org/presentationml/2006/main">
   <p:cSld>
     <p:spTree>
@@ -40888,7 +40984,7 @@
 </p:sld>
 </file>
 
-<file path=ppt/slides/slide56.xml><?xml version="1.0" encoding="utf-8"?>
+<file path=ppt/slides/slide57.xml><?xml version="1.0" encoding="utf-8"?>
 <p:sld xmlns:a="http://schemas.openxmlformats.org/drawingml/2006/main" xmlns:r="http://schemas.openxmlformats.org/officeDocument/2006/relationships" xmlns:p="http://schemas.openxmlformats.org/presentationml/2006/main">
   <p:cSld>
     <p:spTree>
@@ -41100,7 +41196,7 @@
 </p:sld>
 </file>
 
-<file path=ppt/slides/slide57.xml><?xml version="1.0" encoding="utf-8"?>
+<file path=ppt/slides/slide58.xml><?xml version="1.0" encoding="utf-8"?>
 <p:sld xmlns:a="http://schemas.openxmlformats.org/drawingml/2006/main" xmlns:r="http://schemas.openxmlformats.org/officeDocument/2006/relationships" xmlns:p="http://schemas.openxmlformats.org/presentationml/2006/main">
   <p:cSld>
     <p:spTree>
@@ -41427,7 +41523,7 @@
 </p:sld>
 </file>
 
-<file path=ppt/slides/slide58.xml><?xml version="1.0" encoding="utf-8"?>
+<file path=ppt/slides/slide59.xml><?xml version="1.0" encoding="utf-8"?>
 <p:sld xmlns:a="http://schemas.openxmlformats.org/drawingml/2006/main" xmlns:r="http://schemas.openxmlformats.org/officeDocument/2006/relationships" xmlns:p="http://schemas.openxmlformats.org/presentationml/2006/main">
   <p:cSld>
     <p:spTree>
@@ -41548,7 +41644,122 @@
 </p:sld>
 </file>
 
-<file path=ppt/slides/slide59.xml><?xml version="1.0" encoding="utf-8"?>
+<file path=ppt/slides/slide6.xml><?xml version="1.0" encoding="utf-8"?>
+<p:sld xmlns:a="http://schemas.openxmlformats.org/drawingml/2006/main" xmlns:r="http://schemas.openxmlformats.org/officeDocument/2006/relationships" xmlns:p="http://schemas.openxmlformats.org/presentationml/2006/main">
+  <p:cSld>
+    <p:spTree>
+      <p:nvGrpSpPr>
+        <p:cNvPr id="1" name=""/>
+        <p:cNvGrpSpPr/>
+        <p:nvPr/>
+      </p:nvGrpSpPr>
+      <p:grpSpPr>
+        <a:xfrm>
+          <a:off x="0" y="0"/>
+          <a:ext cx="0" cy="0"/>
+          <a:chOff x="0" y="0"/>
+          <a:chExt cx="0" cy="0"/>
+        </a:xfrm>
+      </p:grpSpPr>
+      <p:sp>
+        <p:nvSpPr>
+          <p:cNvPr id="2" name="标题 1"/>
+          <p:cNvSpPr>
+            <a:spLocks noGrp="1"/>
+          </p:cNvSpPr>
+          <p:nvPr>
+            <p:ph type="title"/>
+          </p:nvPr>
+        </p:nvSpPr>
+        <p:spPr/>
+        <p:txBody>
+          <a:bodyPr>
+            <a:normAutofit/>
+          </a:bodyPr>
+          <a:lstStyle/>
+          <a:p>
+            <a:r>
+              <a:rPr lang="zh-CN" altLang="en-US" dirty="0" smtClean="0"/>
+              <a:t>愤怒的小鸟</a:t>
+            </a:r>
+            <a:endParaRPr lang="zh-CN" altLang="en-US" dirty="0"/>
+          </a:p>
+        </p:txBody>
+      </p:sp>
+      <p:sp>
+        <p:nvSpPr>
+          <p:cNvPr id="3" name="内容占位符 2"/>
+          <p:cNvSpPr>
+            <a:spLocks noGrp="1"/>
+          </p:cNvSpPr>
+          <p:nvPr>
+            <p:ph idx="1"/>
+          </p:nvPr>
+        </p:nvSpPr>
+        <p:spPr/>
+        <p:txBody>
+          <a:bodyPr/>
+          <a:lstStyle/>
+          <a:p>
+            <a:r>
+              <a:rPr lang="en-US" altLang="zh-CN" dirty="0" smtClean="0">
+                <a:hlinkClick r:id="rId2" action="ppaction://hlinkfile"/>
+              </a:rPr>
+              <a:t>《</a:t>
+            </a:r>
+            <a:r>
+              <a:rPr lang="zh-CN" altLang="en-US" dirty="0" smtClean="0">
+                <a:hlinkClick r:id="rId2" action="ppaction://hlinkfile"/>
+              </a:rPr>
+              <a:t>愤怒的小鸟</a:t>
+            </a:r>
+            <a:r>
+              <a:rPr lang="en-US" altLang="zh-CN" dirty="0" smtClean="0">
+                <a:hlinkClick r:id="rId2" action="ppaction://hlinkfile"/>
+              </a:rPr>
+              <a:t>》PC</a:t>
+            </a:r>
+            <a:r>
+              <a:rPr lang="zh-CN" altLang="en-US" dirty="0" smtClean="0">
+                <a:hlinkClick r:id="rId2" action="ppaction://hlinkfile"/>
+              </a:rPr>
+              <a:t>版游戏演示</a:t>
+            </a:r>
+            <a:r>
+              <a:rPr lang="en-US" altLang="zh-CN" dirty="0" smtClean="0">
+                <a:hlinkClick r:id="rId2" action="ppaction://hlinkfile"/>
+              </a:rPr>
+              <a:t>.</a:t>
+            </a:r>
+            <a:r>
+              <a:rPr lang="en-US" altLang="zh-CN" dirty="0" err="1" smtClean="0">
+                <a:hlinkClick r:id="rId2" action="ppaction://hlinkfile"/>
+              </a:rPr>
+              <a:t>flv</a:t>
+            </a:r>
+            <a:endParaRPr lang="zh-CN" altLang="en-US" dirty="0"/>
+          </a:p>
+        </p:txBody>
+      </p:sp>
+    </p:spTree>
+  </p:cSld>
+  <p:clrMapOvr>
+    <a:masterClrMapping/>
+  </p:clrMapOvr>
+  <p:transition>
+    <p:fade/>
+  </p:transition>
+  <p:timing>
+    <p:tnLst>
+      <p:par>
+        <p:cTn id="1" dur="indefinite" restart="never" nodeType="tmRoot"/>
+      </p:par>
+    </p:tnLst>
+  </p:timing>
+</p:sld>
+</file>
+
+<file path=ppt/slides/slide60.xml><?xml version="1.0" encoding="utf-8"?>
 <p:sld xmlns:a="http://schemas.openxmlformats.org/drawingml/2006/main" xmlns:r="http://schemas.openxmlformats.org/officeDocument/2006/relationships" xmlns:p="http://schemas.openxmlformats.org/presentationml/2006/main">
   <p:cSld>
     <p:spTree>
@@ -41695,7 +41906,7 @@
 </p:sld>
 </file>
 
-<file path=ppt/slides/slide6.xml><?xml version="1.0" encoding="utf-8"?>
+<file path=ppt/slides/slide61.xml><?xml version="1.0" encoding="utf-8"?>
 <p:sld xmlns:a="http://schemas.openxmlformats.org/drawingml/2006/main" xmlns:r="http://schemas.openxmlformats.org/officeDocument/2006/relationships" xmlns:p="http://schemas.openxmlformats.org/presentationml/2006/main">
   <p:cSld>
     <p:spTree>
@@ -41714,387 +41925,6 @@
       </p:grpSpPr>
       <p:sp>
         <p:nvSpPr>
-          <p:cNvPr id="2" name="标题 1"/>
-          <p:cNvSpPr>
-            <a:spLocks noGrp="1"/>
-          </p:cNvSpPr>
-          <p:nvPr>
-            <p:ph type="title"/>
-          </p:nvPr>
-        </p:nvSpPr>
-        <p:spPr/>
-        <p:txBody>
-          <a:bodyPr>
-            <a:normAutofit/>
-          </a:bodyPr>
-          <a:lstStyle/>
-          <a:p>
-            <a:r>
-              <a:rPr lang="zh-CN" altLang="en-US" dirty="0" smtClean="0"/>
-              <a:t>小鸟的成功</a:t>
-            </a:r>
-            <a:endParaRPr lang="zh-CN" altLang="en-US" dirty="0"/>
-          </a:p>
-        </p:txBody>
-      </p:sp>
-      <p:sp>
-        <p:nvSpPr>
-          <p:cNvPr id="3" name="内容占位符 2"/>
-          <p:cNvSpPr>
-            <a:spLocks noGrp="1"/>
-          </p:cNvSpPr>
-          <p:nvPr>
-            <p:ph idx="1"/>
-          </p:nvPr>
-        </p:nvSpPr>
-        <p:spPr/>
-        <p:txBody>
-          <a:bodyPr>
-            <a:normAutofit fontScale="85000" lnSpcReduction="20000"/>
-          </a:bodyPr>
-          <a:lstStyle/>
-          <a:p>
-            <a:r>
-              <a:rPr lang="zh-CN" altLang="en-US" dirty="0" smtClean="0">
-                <a:solidFill>
-                  <a:schemeClr val="tx1"/>
-                </a:solidFill>
-                <a:latin typeface="+mn-lt"/>
-                <a:ea typeface="+mn-ea"/>
-                <a:cs typeface="+mn-cs"/>
-              </a:rPr>
-              <a:t>游戏简单，甚至于是粗糙</a:t>
-            </a:r>
-            <a:endParaRPr lang="en-US" altLang="zh-CN" dirty="0" smtClean="0">
-              <a:solidFill>
-                <a:schemeClr val="tx1"/>
-              </a:solidFill>
-              <a:latin typeface="+mn-lt"/>
-              <a:ea typeface="+mn-ea"/>
-              <a:cs typeface="+mn-cs"/>
-            </a:endParaRPr>
-          </a:p>
-          <a:p>
-            <a:pPr lvl="1"/>
-            <a:r>
-              <a:rPr lang="zh-CN" altLang="en-US" dirty="0" smtClean="0">
-                <a:ea typeface="+mn-ea"/>
-                <a:cs typeface="+mn-cs"/>
-              </a:rPr>
-              <a:t>简单的物理模拟</a:t>
-            </a:r>
-            <a:endParaRPr lang="en-US" altLang="zh-CN" dirty="0" smtClean="0">
-              <a:ea typeface="+mn-ea"/>
-              <a:cs typeface="+mn-cs"/>
-            </a:endParaRPr>
-          </a:p>
-          <a:p>
-            <a:pPr lvl="1"/>
-            <a:r>
-              <a:rPr lang="zh-CN" altLang="en-US" dirty="0" smtClean="0">
-                <a:solidFill>
-                  <a:schemeClr val="tx1"/>
-                </a:solidFill>
-                <a:latin typeface="+mn-lt"/>
-                <a:ea typeface="+mn-ea"/>
-                <a:cs typeface="+mn-cs"/>
-              </a:rPr>
-              <a:t>但具有很多的游戏细节</a:t>
-            </a:r>
-            <a:endParaRPr lang="en-US" altLang="zh-CN" dirty="0" smtClean="0">
-              <a:solidFill>
-                <a:schemeClr val="tx1"/>
-              </a:solidFill>
-              <a:latin typeface="+mn-lt"/>
-              <a:ea typeface="+mn-ea"/>
-              <a:cs typeface="+mn-cs"/>
-            </a:endParaRPr>
-          </a:p>
-          <a:p>
-            <a:r>
-              <a:rPr lang="zh-CN" altLang="en-US" dirty="0" smtClean="0">
-                <a:solidFill>
-                  <a:schemeClr val="tx1"/>
-                </a:solidFill>
-                <a:latin typeface="+mn-lt"/>
-                <a:ea typeface="+mn-ea"/>
-                <a:cs typeface="+mn-cs"/>
-              </a:rPr>
-              <a:t>超过</a:t>
-            </a:r>
-            <a:r>
-              <a:rPr lang="en-US" altLang="zh-CN" dirty="0">
-                <a:solidFill>
-                  <a:schemeClr val="tx1"/>
-                </a:solidFill>
-                <a:latin typeface="+mn-lt"/>
-                <a:ea typeface="+mn-ea"/>
-                <a:cs typeface="+mn-cs"/>
-              </a:rPr>
-              <a:t>5000</a:t>
-            </a:r>
-            <a:r>
-              <a:rPr lang="zh-CN" altLang="en-US" dirty="0">
-                <a:solidFill>
-                  <a:schemeClr val="tx1"/>
-                </a:solidFill>
-                <a:latin typeface="+mn-lt"/>
-                <a:ea typeface="+mn-ea"/>
-                <a:cs typeface="+mn-cs"/>
-              </a:rPr>
-              <a:t>万的用户</a:t>
-            </a:r>
-            <a:r>
-              <a:rPr lang="zh-CN" altLang="en-US" dirty="0" smtClean="0">
-                <a:solidFill>
-                  <a:schemeClr val="tx1"/>
-                </a:solidFill>
-                <a:latin typeface="+mn-lt"/>
-                <a:ea typeface="+mn-ea"/>
-                <a:cs typeface="+mn-cs"/>
-              </a:rPr>
-              <a:t>下载</a:t>
-            </a:r>
-            <a:endParaRPr lang="en-US" altLang="zh-CN" dirty="0" smtClean="0">
-              <a:solidFill>
-                <a:schemeClr val="tx1"/>
-              </a:solidFill>
-              <a:latin typeface="+mn-lt"/>
-              <a:ea typeface="+mn-ea"/>
-              <a:cs typeface="+mn-cs"/>
-            </a:endParaRPr>
-          </a:p>
-          <a:p>
-            <a:r>
-              <a:rPr lang="zh-CN" altLang="en-US" dirty="0">
-                <a:solidFill>
-                  <a:schemeClr val="tx1"/>
-                </a:solidFill>
-                <a:latin typeface="+mn-lt"/>
-                <a:ea typeface="+mn-ea"/>
-                <a:cs typeface="+mn-cs"/>
-              </a:rPr>
-              <a:t>全球用户每天在</a:t>
-            </a:r>
-            <a:r>
-              <a:rPr lang="en-US" altLang="zh-CN" dirty="0">
-                <a:solidFill>
-                  <a:schemeClr val="tx1"/>
-                </a:solidFill>
-                <a:latin typeface="+mn-lt"/>
-                <a:ea typeface="+mn-ea"/>
-                <a:cs typeface="+mn-cs"/>
-              </a:rPr>
-              <a:t>《</a:t>
-            </a:r>
-            <a:r>
-              <a:rPr lang="zh-CN" altLang="en-US" dirty="0">
-                <a:solidFill>
-                  <a:schemeClr val="tx1"/>
-                </a:solidFill>
-                <a:latin typeface="+mn-lt"/>
-                <a:ea typeface="+mn-ea"/>
-                <a:cs typeface="+mn-cs"/>
-              </a:rPr>
-              <a:t>愤怒的小鸟</a:t>
-            </a:r>
-            <a:r>
-              <a:rPr lang="en-US" altLang="zh-CN" dirty="0">
-                <a:solidFill>
-                  <a:schemeClr val="tx1"/>
-                </a:solidFill>
-                <a:latin typeface="+mn-lt"/>
-                <a:ea typeface="+mn-ea"/>
-                <a:cs typeface="+mn-cs"/>
-              </a:rPr>
-              <a:t>》</a:t>
-            </a:r>
-            <a:r>
-              <a:rPr lang="zh-CN" altLang="en-US" dirty="0">
-                <a:solidFill>
-                  <a:schemeClr val="tx1"/>
-                </a:solidFill>
-                <a:latin typeface="+mn-lt"/>
-                <a:ea typeface="+mn-ea"/>
-                <a:cs typeface="+mn-cs"/>
-              </a:rPr>
-              <a:t>上花费的总时间数将近</a:t>
-            </a:r>
-            <a:r>
-              <a:rPr lang="en-US" altLang="zh-CN" dirty="0">
-                <a:solidFill>
-                  <a:schemeClr val="tx1"/>
-                </a:solidFill>
-                <a:latin typeface="+mn-lt"/>
-                <a:ea typeface="+mn-ea"/>
-                <a:cs typeface="+mn-cs"/>
-              </a:rPr>
-              <a:t>2</a:t>
-            </a:r>
-            <a:r>
-              <a:rPr lang="zh-CN" altLang="en-US" dirty="0" smtClean="0">
-                <a:solidFill>
-                  <a:schemeClr val="tx1"/>
-                </a:solidFill>
-                <a:latin typeface="+mn-lt"/>
-                <a:ea typeface="+mn-ea"/>
-                <a:cs typeface="+mn-cs"/>
-              </a:rPr>
-              <a:t>亿分钟</a:t>
-            </a:r>
-            <a:endParaRPr lang="en-US" altLang="zh-CN" dirty="0" smtClean="0">
-              <a:solidFill>
-                <a:schemeClr val="tx1"/>
-              </a:solidFill>
-              <a:latin typeface="+mn-lt"/>
-              <a:ea typeface="+mn-ea"/>
-              <a:cs typeface="+mn-cs"/>
-            </a:endParaRPr>
-          </a:p>
-          <a:p>
-            <a:pPr lvl="1"/>
-            <a:r>
-              <a:rPr lang="zh-CN" altLang="en-US" dirty="0" smtClean="0">
-                <a:solidFill>
-                  <a:schemeClr val="tx1"/>
-                </a:solidFill>
-                <a:latin typeface="+mn-lt"/>
-                <a:ea typeface="+mn-ea"/>
-                <a:cs typeface="+mn-cs"/>
-              </a:rPr>
-              <a:t>也就是说</a:t>
-            </a:r>
-            <a:r>
-              <a:rPr lang="zh-CN" altLang="en-US" dirty="0">
-                <a:solidFill>
-                  <a:schemeClr val="tx1"/>
-                </a:solidFill>
-                <a:latin typeface="+mn-lt"/>
-                <a:ea typeface="+mn-ea"/>
-                <a:cs typeface="+mn-cs"/>
-              </a:rPr>
-              <a:t>游戏每年吸引用户投入</a:t>
-            </a:r>
-            <a:r>
-              <a:rPr lang="en-US" altLang="zh-CN" dirty="0">
-                <a:solidFill>
-                  <a:schemeClr val="tx1"/>
-                </a:solidFill>
-                <a:latin typeface="+mn-lt"/>
-                <a:ea typeface="+mn-ea"/>
-                <a:cs typeface="+mn-cs"/>
-              </a:rPr>
-              <a:t>12</a:t>
-            </a:r>
-            <a:r>
-              <a:rPr lang="zh-CN" altLang="en-US" dirty="0">
-                <a:solidFill>
-                  <a:schemeClr val="tx1"/>
-                </a:solidFill>
-                <a:latin typeface="+mn-lt"/>
-                <a:ea typeface="+mn-ea"/>
-                <a:cs typeface="+mn-cs"/>
-              </a:rPr>
-              <a:t>亿小时的</a:t>
-            </a:r>
-            <a:r>
-              <a:rPr lang="zh-CN" altLang="en-US" dirty="0" smtClean="0">
-                <a:solidFill>
-                  <a:schemeClr val="tx1"/>
-                </a:solidFill>
-                <a:latin typeface="+mn-lt"/>
-                <a:ea typeface="+mn-ea"/>
-                <a:cs typeface="+mn-cs"/>
-              </a:rPr>
-              <a:t>时间</a:t>
-            </a:r>
-            <a:endParaRPr lang="en-US" altLang="zh-CN" dirty="0" smtClean="0">
-              <a:solidFill>
-                <a:schemeClr val="tx1"/>
-              </a:solidFill>
-              <a:latin typeface="+mn-lt"/>
-              <a:ea typeface="+mn-ea"/>
-              <a:cs typeface="+mn-cs"/>
-            </a:endParaRPr>
-          </a:p>
-          <a:p>
-            <a:pPr lvl="1"/>
-            <a:r>
-              <a:rPr lang="zh-CN" altLang="en-US" dirty="0">
-                <a:solidFill>
-                  <a:schemeClr val="tx1"/>
-                </a:solidFill>
-                <a:latin typeface="+mn-lt"/>
-              </a:rPr>
-              <a:t>维基百科创立至今，人们创建和更新词条的总时间数为</a:t>
-            </a:r>
-            <a:r>
-              <a:rPr lang="en-US" altLang="zh-CN" dirty="0">
-                <a:solidFill>
-                  <a:schemeClr val="tx1"/>
-                </a:solidFill>
-                <a:latin typeface="+mn-lt"/>
-              </a:rPr>
-              <a:t>1</a:t>
-            </a:r>
-            <a:r>
-              <a:rPr lang="zh-CN" altLang="en-US" dirty="0" smtClean="0">
-                <a:solidFill>
-                  <a:schemeClr val="tx1"/>
-                </a:solidFill>
-                <a:latin typeface="+mn-lt"/>
-              </a:rPr>
-              <a:t>亿小时</a:t>
-            </a:r>
-            <a:endParaRPr lang="en-US" altLang="zh-CN" dirty="0" smtClean="0">
-              <a:solidFill>
-                <a:schemeClr val="tx1"/>
-              </a:solidFill>
-              <a:latin typeface="+mn-lt"/>
-            </a:endParaRPr>
-          </a:p>
-          <a:p>
-            <a:endParaRPr lang="zh-CN" altLang="en-US" dirty="0"/>
-          </a:p>
-        </p:txBody>
-      </p:sp>
-    </p:spTree>
-  </p:cSld>
-  <p:clrMapOvr>
-    <a:masterClrMapping/>
-  </p:clrMapOvr>
-  <p:transition>
-    <p:fade/>
-  </p:transition>
-  <p:timing>
-    <p:tnLst>
-      <p:par>
-        <p:cTn id="1" dur="indefinite" restart="never" nodeType="tmRoot"/>
-      </p:par>
-    </p:tnLst>
-  </p:timing>
-</p:sld>
-</file>
-
-<file path=ppt/slides/slide60.xml><?xml version="1.0" encoding="utf-8"?>
-<p:sld xmlns:a="http://schemas.openxmlformats.org/drawingml/2006/main" xmlns:r="http://schemas.openxmlformats.org/officeDocument/2006/relationships" xmlns:p="http://schemas.openxmlformats.org/presentationml/2006/main">
-  <p:cSld>
-    <p:spTree>
-      <p:nvGrpSpPr>
-        <p:cNvPr id="1" name=""/>
-        <p:cNvGrpSpPr/>
-        <p:nvPr/>
-      </p:nvGrpSpPr>
-      <p:grpSpPr>
-        <a:xfrm>
-          <a:off x="0" y="0"/>
-          <a:ext cx="0" cy="0"/>
-          <a:chOff x="0" y="0"/>
-          <a:chExt cx="0" cy="0"/>
-        </a:xfrm>
-      </p:grpSpPr>
-      <p:sp>
-        <p:nvSpPr>
           <p:cNvPr id="182274" name="Rectangle 2"/>
           <p:cNvSpPr>
             <a:spLocks noGrp="1" noChangeArrowheads="1"/>
@@ -42173,7 +42003,7 @@
 </p:sld>
 </file>
 
-<file path=ppt/slides/slide61.xml><?xml version="1.0" encoding="utf-8"?>
+<file path=ppt/slides/slide62.xml><?xml version="1.0" encoding="utf-8"?>
 <p:sld xmlns:a="http://schemas.openxmlformats.org/drawingml/2006/main" xmlns:r="http://schemas.openxmlformats.org/officeDocument/2006/relationships" xmlns:p="http://schemas.openxmlformats.org/presentationml/2006/main">
   <p:cSld>
     <p:spTree>
@@ -42338,9 +42168,9 @@
       </p:grpSpPr>
       <p:sp>
         <p:nvSpPr>
-          <p:cNvPr id="109570" name="Rectangle 2"/>
-          <p:cNvSpPr>
-            <a:spLocks noGrp="1" noChangeArrowheads="1"/>
+          <p:cNvPr id="2" name="标题 1"/>
+          <p:cNvSpPr>
+            <a:spLocks noGrp="1"/>
           </p:cNvSpPr>
           <p:nvPr>
             <p:ph type="title"/>
@@ -42348,218 +42178,336 @@
         </p:nvSpPr>
         <p:spPr/>
         <p:txBody>
-          <a:bodyPr/>
-          <a:lstStyle/>
-          <a:p>
-            <a:r>
-              <a:rPr lang="zh-CN" altLang="en-US" sz="3200" dirty="0" smtClean="0"/>
-              <a:t>现有的技术可以达到小鸟的需求</a:t>
-            </a:r>
-            <a:endParaRPr lang="zh-CN" altLang="en-US" sz="3200" dirty="0"/>
-          </a:p>
-        </p:txBody>
-      </p:sp>
-      <p:sp>
-        <p:nvSpPr>
-          <p:cNvPr id="109571" name="Rectangle 3"/>
-          <p:cNvSpPr>
-            <a:spLocks noGrp="1" noChangeArrowheads="1"/>
-          </p:cNvSpPr>
-          <p:nvPr>
-            <p:ph idx="1"/>
-          </p:nvPr>
-        </p:nvSpPr>
-        <p:spPr/>
-        <p:txBody>
           <a:bodyPr>
-            <a:normAutofit fontScale="77500" lnSpcReduction="20000"/>
+            <a:normAutofit/>
           </a:bodyPr>
           <a:lstStyle/>
           <a:p>
             <a:r>
-              <a:rPr lang="zh-CN" altLang="en-US" dirty="0"/>
-              <a:t>很多游戏开发平台都有相应的物理引擎</a:t>
-            </a:r>
-          </a:p>
-          <a:p>
-            <a:r>
-              <a:rPr lang="zh-CN" altLang="en-US" dirty="0"/>
-              <a:t>比如</a:t>
-            </a:r>
-            <a:r>
-              <a:rPr lang="en-US" altLang="zh-CN" dirty="0"/>
-              <a:t>Flash</a:t>
-            </a:r>
-            <a:r>
-              <a:rPr lang="zh-CN" altLang="en-US" dirty="0"/>
-              <a:t>中有很多物理引擎</a:t>
-            </a:r>
+              <a:rPr lang="zh-CN" altLang="en-US" dirty="0" smtClean="0"/>
+              <a:t>小鸟的成功</a:t>
+            </a:r>
+            <a:endParaRPr lang="zh-CN" altLang="en-US" dirty="0"/>
+          </a:p>
+        </p:txBody>
+      </p:sp>
+      <p:sp>
+        <p:nvSpPr>
+          <p:cNvPr id="3" name="内容占位符 2"/>
+          <p:cNvSpPr>
+            <a:spLocks noGrp="1"/>
+          </p:cNvSpPr>
+          <p:nvPr>
+            <p:ph idx="1"/>
+          </p:nvPr>
+        </p:nvSpPr>
+        <p:spPr/>
+        <p:txBody>
+          <a:bodyPr>
+            <a:normAutofit fontScale="85000" lnSpcReduction="20000"/>
+          </a:bodyPr>
+          <a:lstStyle/>
+          <a:p>
+            <a:r>
+              <a:rPr lang="zh-CN" altLang="en-US" dirty="0" smtClean="0">
+                <a:solidFill>
+                  <a:schemeClr val="tx1"/>
+                </a:solidFill>
+                <a:latin typeface="+mn-lt"/>
+                <a:ea typeface="+mn-ea"/>
+                <a:cs typeface="+mn-cs"/>
+              </a:rPr>
+              <a:t>游戏简单，甚至于是粗糙</a:t>
+            </a:r>
+            <a:endParaRPr lang="en-US" altLang="zh-CN" dirty="0" smtClean="0">
+              <a:solidFill>
+                <a:schemeClr val="tx1"/>
+              </a:solidFill>
+              <a:latin typeface="+mn-lt"/>
+              <a:ea typeface="+mn-ea"/>
+              <a:cs typeface="+mn-cs"/>
+            </a:endParaRPr>
           </a:p>
           <a:p>
             <a:pPr lvl="1"/>
             <a:r>
               <a:rPr lang="zh-CN" altLang="en-US" dirty="0" smtClean="0">
-                <a:hlinkClick r:id="rId3" action="ppaction://hlinkfile"/>
+                <a:ea typeface="+mn-ea"/>
+                <a:cs typeface="+mn-cs"/>
               </a:rPr>
-              <a:t>相关资料</a:t>
-            </a:r>
-            <a:r>
-              <a:rPr lang="en-US" altLang="zh-CN" dirty="0" smtClean="0">
-                <a:hlinkClick r:id="rId3" action="ppaction://hlinkfile"/>
+              <a:t>简单的物理模拟</a:t>
+            </a:r>
+            <a:endParaRPr lang="en-US" altLang="zh-CN" dirty="0" smtClean="0">
+              <a:ea typeface="+mn-ea"/>
+              <a:cs typeface="+mn-cs"/>
+            </a:endParaRPr>
+          </a:p>
+          <a:p>
+            <a:pPr lvl="1"/>
+            <a:r>
+              <a:rPr lang="zh-CN" altLang="en-US" dirty="0" smtClean="0">
+                <a:solidFill>
+                  <a:schemeClr val="tx1"/>
+                </a:solidFill>
+                <a:latin typeface="+mn-lt"/>
+                <a:ea typeface="+mn-ea"/>
+                <a:cs typeface="+mn-cs"/>
               </a:rPr>
-              <a:t>\</a:t>
-            </a:r>
+              <a:t>但具有很多的游戏细节</a:t>
+            </a:r>
+            <a:endParaRPr lang="en-US" altLang="zh-CN" dirty="0" smtClean="0">
+              <a:solidFill>
+                <a:schemeClr val="tx1"/>
+              </a:solidFill>
+              <a:latin typeface="+mn-lt"/>
+              <a:ea typeface="+mn-ea"/>
+              <a:cs typeface="+mn-cs"/>
+            </a:endParaRPr>
+          </a:p>
+          <a:p>
             <a:r>
               <a:rPr lang="zh-CN" altLang="en-US" dirty="0" smtClean="0">
-                <a:hlinkClick r:id="rId3" action="ppaction://hlinkfile"/>
+                <a:solidFill>
+                  <a:schemeClr val="tx1"/>
+                </a:solidFill>
+                <a:latin typeface="+mn-lt"/>
+                <a:ea typeface="+mn-ea"/>
+                <a:cs typeface="+mn-cs"/>
               </a:rPr>
-              <a:t>参考资料</a:t>
-            </a:r>
-            <a:r>
-              <a:rPr lang="en-US" altLang="zh-CN" dirty="0" smtClean="0">
-                <a:hlinkClick r:id="rId3" action="ppaction://hlinkfile"/>
+              <a:t>超过</a:t>
+            </a:r>
+            <a:r>
+              <a:rPr lang="en-US" altLang="zh-CN" dirty="0">
+                <a:solidFill>
+                  <a:schemeClr val="tx1"/>
+                </a:solidFill>
+                <a:latin typeface="+mn-lt"/>
+                <a:ea typeface="+mn-ea"/>
+                <a:cs typeface="+mn-cs"/>
               </a:rPr>
-              <a:t>\Box2D\HelloWorld.swf</a:t>
-            </a:r>
-            <a:endParaRPr lang="en-US" altLang="zh-CN" dirty="0"/>
+              <a:t>5000</a:t>
+            </a:r>
+            <a:r>
+              <a:rPr lang="zh-CN" altLang="en-US" dirty="0">
+                <a:solidFill>
+                  <a:schemeClr val="tx1"/>
+                </a:solidFill>
+                <a:latin typeface="+mn-lt"/>
+                <a:ea typeface="+mn-ea"/>
+                <a:cs typeface="+mn-cs"/>
+              </a:rPr>
+              <a:t>万的用户</a:t>
+            </a:r>
+            <a:r>
+              <a:rPr lang="zh-CN" altLang="en-US" dirty="0" smtClean="0">
+                <a:solidFill>
+                  <a:schemeClr val="tx1"/>
+                </a:solidFill>
+                <a:latin typeface="+mn-lt"/>
+                <a:ea typeface="+mn-ea"/>
+                <a:cs typeface="+mn-cs"/>
+              </a:rPr>
+              <a:t>下载</a:t>
+            </a:r>
+            <a:endParaRPr lang="en-US" altLang="zh-CN" dirty="0" smtClean="0">
+              <a:solidFill>
+                <a:schemeClr val="tx1"/>
+              </a:solidFill>
+              <a:latin typeface="+mn-lt"/>
+              <a:ea typeface="+mn-ea"/>
+              <a:cs typeface="+mn-cs"/>
+            </a:endParaRPr>
+          </a:p>
+          <a:p>
+            <a:r>
+              <a:rPr lang="zh-CN" altLang="en-US" dirty="0">
+                <a:solidFill>
+                  <a:schemeClr val="tx1"/>
+                </a:solidFill>
+                <a:latin typeface="+mn-lt"/>
+                <a:ea typeface="+mn-ea"/>
+                <a:cs typeface="+mn-cs"/>
+              </a:rPr>
+              <a:t>全球用户每天在</a:t>
+            </a:r>
+            <a:r>
+              <a:rPr lang="en-US" altLang="zh-CN" dirty="0">
+                <a:solidFill>
+                  <a:schemeClr val="tx1"/>
+                </a:solidFill>
+                <a:latin typeface="+mn-lt"/>
+                <a:ea typeface="+mn-ea"/>
+                <a:cs typeface="+mn-cs"/>
+              </a:rPr>
+              <a:t>《</a:t>
+            </a:r>
+            <a:r>
+              <a:rPr lang="zh-CN" altLang="en-US" dirty="0">
+                <a:solidFill>
+                  <a:schemeClr val="tx1"/>
+                </a:solidFill>
+                <a:latin typeface="+mn-lt"/>
+                <a:ea typeface="+mn-ea"/>
+                <a:cs typeface="+mn-cs"/>
+              </a:rPr>
+              <a:t>愤怒的小鸟</a:t>
+            </a:r>
+            <a:r>
+              <a:rPr lang="en-US" altLang="zh-CN" dirty="0">
+                <a:solidFill>
+                  <a:schemeClr val="tx1"/>
+                </a:solidFill>
+                <a:latin typeface="+mn-lt"/>
+                <a:ea typeface="+mn-ea"/>
+                <a:cs typeface="+mn-cs"/>
+              </a:rPr>
+              <a:t>》</a:t>
+            </a:r>
+            <a:r>
+              <a:rPr lang="zh-CN" altLang="en-US" dirty="0">
+                <a:solidFill>
+                  <a:schemeClr val="tx1"/>
+                </a:solidFill>
+                <a:latin typeface="+mn-lt"/>
+                <a:ea typeface="+mn-ea"/>
+                <a:cs typeface="+mn-cs"/>
+              </a:rPr>
+              <a:t>上花费的总时间数将近</a:t>
+            </a:r>
+            <a:r>
+              <a:rPr lang="en-US" altLang="zh-CN" dirty="0">
+                <a:solidFill>
+                  <a:schemeClr val="tx1"/>
+                </a:solidFill>
+                <a:latin typeface="+mn-lt"/>
+                <a:ea typeface="+mn-ea"/>
+                <a:cs typeface="+mn-cs"/>
+              </a:rPr>
+              <a:t>2</a:t>
+            </a:r>
+            <a:r>
+              <a:rPr lang="zh-CN" altLang="en-US" dirty="0" smtClean="0">
+                <a:solidFill>
+                  <a:schemeClr val="tx1"/>
+                </a:solidFill>
+                <a:latin typeface="+mn-lt"/>
+                <a:ea typeface="+mn-ea"/>
+                <a:cs typeface="+mn-cs"/>
+              </a:rPr>
+              <a:t>亿分钟</a:t>
+            </a:r>
+            <a:endParaRPr lang="en-US" altLang="zh-CN" dirty="0" smtClean="0">
+              <a:solidFill>
+                <a:schemeClr val="tx1"/>
+              </a:solidFill>
+              <a:latin typeface="+mn-lt"/>
+              <a:ea typeface="+mn-ea"/>
+              <a:cs typeface="+mn-cs"/>
+            </a:endParaRPr>
           </a:p>
           <a:p>
             <a:pPr lvl="1"/>
             <a:r>
               <a:rPr lang="zh-CN" altLang="en-US" dirty="0" smtClean="0">
-                <a:hlinkClick r:id="rId4" action="ppaction://hlinkfile"/>
+                <a:solidFill>
+                  <a:schemeClr val="tx1"/>
+                </a:solidFill>
+                <a:latin typeface="+mn-lt"/>
+                <a:ea typeface="+mn-ea"/>
+                <a:cs typeface="+mn-cs"/>
               </a:rPr>
-              <a:t>相关资料</a:t>
-            </a:r>
-            <a:r>
-              <a:rPr lang="en-US" altLang="zh-CN" dirty="0" smtClean="0">
-                <a:hlinkClick r:id="rId4" action="ppaction://hlinkfile"/>
+              <a:t>也就是说</a:t>
+            </a:r>
+            <a:r>
+              <a:rPr lang="zh-CN" altLang="en-US" dirty="0">
+                <a:solidFill>
+                  <a:schemeClr val="tx1"/>
+                </a:solidFill>
+                <a:latin typeface="+mn-lt"/>
+                <a:ea typeface="+mn-ea"/>
+                <a:cs typeface="+mn-cs"/>
               </a:rPr>
-              <a:t>\</a:t>
+              <a:t>游戏每年吸引用户投入</a:t>
+            </a:r>
+            <a:r>
+              <a:rPr lang="en-US" altLang="zh-CN" dirty="0">
+                <a:solidFill>
+                  <a:schemeClr val="tx1"/>
+                </a:solidFill>
+                <a:latin typeface="+mn-lt"/>
+                <a:ea typeface="+mn-ea"/>
+                <a:cs typeface="+mn-cs"/>
+              </a:rPr>
+              <a:t>12</a:t>
+            </a:r>
+            <a:r>
+              <a:rPr lang="zh-CN" altLang="en-US" dirty="0">
+                <a:solidFill>
+                  <a:schemeClr val="tx1"/>
+                </a:solidFill>
+                <a:latin typeface="+mn-lt"/>
+                <a:ea typeface="+mn-ea"/>
+                <a:cs typeface="+mn-cs"/>
+              </a:rPr>
+              <a:t>亿小时的</a:t>
             </a:r>
             <a:r>
               <a:rPr lang="zh-CN" altLang="en-US" dirty="0" smtClean="0">
-                <a:hlinkClick r:id="rId4" action="ppaction://hlinkfile"/>
+                <a:solidFill>
+                  <a:schemeClr val="tx1"/>
+                </a:solidFill>
+                <a:latin typeface="+mn-lt"/>
+                <a:ea typeface="+mn-ea"/>
+                <a:cs typeface="+mn-cs"/>
               </a:rPr>
-              <a:t>参考资料</a:t>
-            </a:r>
-            <a:r>
-              <a:rPr lang="en-US" altLang="zh-CN" dirty="0" smtClean="0">
-                <a:hlinkClick r:id="rId4" action="ppaction://hlinkfile"/>
+              <a:t>时间</a:t>
+            </a:r>
+            <a:endParaRPr lang="en-US" altLang="zh-CN" dirty="0" smtClean="0">
+              <a:solidFill>
+                <a:schemeClr val="tx1"/>
+              </a:solidFill>
+              <a:latin typeface="+mn-lt"/>
+              <a:ea typeface="+mn-ea"/>
+              <a:cs typeface="+mn-cs"/>
+            </a:endParaRPr>
+          </a:p>
+          <a:p>
+            <a:pPr lvl="1"/>
+            <a:r>
+              <a:rPr lang="zh-CN" altLang="en-US" dirty="0">
+                <a:solidFill>
+                  <a:schemeClr val="tx1"/>
+                </a:solidFill>
+                <a:latin typeface="+mn-lt"/>
               </a:rPr>
-              <a:t>\Box2D\PhysTest.swf</a:t>
-            </a:r>
-            <a:endParaRPr lang="en-US" altLang="zh-CN" dirty="0" smtClean="0"/>
-          </a:p>
-          <a:p>
-            <a:r>
-              <a:rPr lang="zh-CN" altLang="en-US" dirty="0" smtClean="0"/>
-              <a:t>其他引擎演示</a:t>
-            </a:r>
-            <a:endParaRPr lang="en-US" altLang="zh-CN" dirty="0" smtClean="0"/>
-          </a:p>
-          <a:p>
-            <a:pPr lvl="1"/>
-            <a:r>
-              <a:rPr lang="en-US" altLang="zh-CN" dirty="0" smtClean="0">
-                <a:hlinkClick r:id="rId5" action="ppaction://hlinkfile"/>
+              <a:t>维基百科创立至今，人们创建和更新词条的总时间数为</a:t>
+            </a:r>
+            <a:r>
+              <a:rPr lang="en-US" altLang="zh-CN" dirty="0">
+                <a:solidFill>
+                  <a:schemeClr val="tx1"/>
+                </a:solidFill>
+                <a:latin typeface="+mn-lt"/>
               </a:rPr>
-              <a:t>.\</a:t>
+              <a:t>1</a:t>
             </a:r>
             <a:r>
               <a:rPr lang="zh-CN" altLang="en-US" dirty="0" smtClean="0">
-                <a:hlinkClick r:id="rId5" action="ppaction://hlinkfile"/>
+                <a:solidFill>
+                  <a:schemeClr val="tx1"/>
+                </a:solidFill>
+                <a:latin typeface="+mn-lt"/>
               </a:rPr>
-              <a:t>相关资料</a:t>
-            </a:r>
-            <a:r>
-              <a:rPr lang="en-US" altLang="zh-CN" dirty="0" smtClean="0">
-                <a:hlinkClick r:id="rId5" action="ppaction://hlinkfile"/>
-              </a:rPr>
-              <a:t>\2D</a:t>
-            </a:r>
-            <a:r>
-              <a:rPr lang="zh-CN" altLang="en-US" dirty="0" smtClean="0">
-                <a:hlinkClick r:id="rId5" action="ppaction://hlinkfile"/>
-              </a:rPr>
-              <a:t>物理引擎</a:t>
-            </a:r>
-            <a:r>
-              <a:rPr lang="en-US" altLang="zh-CN" dirty="0" smtClean="0">
-                <a:hlinkClick r:id="rId5" action="ppaction://hlinkfile"/>
-              </a:rPr>
-              <a:t>\machine.mov</a:t>
-            </a:r>
-            <a:endParaRPr lang="en-US" altLang="zh-CN" dirty="0" smtClean="0"/>
-          </a:p>
-          <a:p>
-            <a:pPr lvl="1"/>
-            <a:r>
-              <a:rPr lang="en-US" altLang="zh-CN" dirty="0" smtClean="0">
-                <a:hlinkClick r:id="rId6" action="ppaction://hlinkfile"/>
-              </a:rPr>
-              <a:t>..\2D</a:t>
-            </a:r>
-            <a:r>
-              <a:rPr lang="zh-CN" altLang="en-US" dirty="0" smtClean="0">
-                <a:hlinkClick r:id="rId6" action="ppaction://hlinkfile"/>
-              </a:rPr>
-              <a:t>物理引擎</a:t>
-            </a:r>
-            <a:r>
-              <a:rPr lang="en-US" altLang="zh-CN" dirty="0" smtClean="0">
-                <a:hlinkClick r:id="rId6" action="ppaction://hlinkfile"/>
-              </a:rPr>
-              <a:t>\pyramid.mov</a:t>
-            </a:r>
-            <a:endParaRPr lang="en-US" altLang="zh-CN" dirty="0" smtClean="0"/>
-          </a:p>
-          <a:p>
-            <a:pPr lvl="1"/>
-            <a:r>
-              <a:rPr lang="en-US" altLang="zh-CN" dirty="0" smtClean="0">
-                <a:hlinkClick r:id="rId7" action="ppaction://hlinkfile"/>
-              </a:rPr>
-              <a:t>..\2D</a:t>
-            </a:r>
-            <a:r>
-              <a:rPr lang="zh-CN" altLang="en-US" dirty="0" smtClean="0">
-                <a:hlinkClick r:id="rId7" action="ppaction://hlinkfile"/>
-              </a:rPr>
-              <a:t>物理引擎</a:t>
-            </a:r>
-            <a:r>
-              <a:rPr lang="en-US" altLang="zh-CN" dirty="0" smtClean="0">
-                <a:hlinkClick r:id="rId7" action="ppaction://hlinkfile"/>
-              </a:rPr>
-              <a:t>\smash.mov</a:t>
-            </a:r>
-            <a:endParaRPr lang="en-US" altLang="zh-CN" dirty="0" smtClean="0"/>
-          </a:p>
-          <a:p>
-            <a:pPr lvl="1"/>
-            <a:r>
-              <a:rPr lang="en-US" altLang="zh-CN" dirty="0" smtClean="0">
-                <a:hlinkClick r:id="rId8" action="ppaction://hlinkfile"/>
-              </a:rPr>
-              <a:t>..\2D</a:t>
-            </a:r>
-            <a:r>
-              <a:rPr lang="zh-CN" altLang="en-US" dirty="0" smtClean="0">
-                <a:hlinkClick r:id="rId8" action="ppaction://hlinkfile"/>
-              </a:rPr>
-              <a:t>物理引擎</a:t>
-            </a:r>
-            <a:r>
-              <a:rPr lang="en-US" altLang="zh-CN" dirty="0" smtClean="0">
-                <a:hlinkClick r:id="rId8" action="ppaction://hlinkfile"/>
-              </a:rPr>
-              <a:t>\sketches.mov</a:t>
-            </a:r>
-            <a:endParaRPr lang="en-US" altLang="zh-CN" dirty="0" smtClean="0"/>
-          </a:p>
-          <a:p>
-            <a:pPr lvl="1"/>
+              <a:t>亿小时</a:t>
+            </a:r>
+            <a:endParaRPr lang="en-US" altLang="zh-CN" dirty="0" smtClean="0">
+              <a:solidFill>
+                <a:schemeClr val="tx1"/>
+              </a:solidFill>
+              <a:latin typeface="+mn-lt"/>
+            </a:endParaRPr>
+          </a:p>
+          <a:p>
             <a:endParaRPr lang="zh-CN" altLang="en-US" dirty="0"/>
           </a:p>
         </p:txBody>
@@ -42601,6 +42549,269 @@
       </p:grpSpPr>
       <p:sp>
         <p:nvSpPr>
+          <p:cNvPr id="109570" name="Rectangle 2"/>
+          <p:cNvSpPr>
+            <a:spLocks noGrp="1" noChangeArrowheads="1"/>
+          </p:cNvSpPr>
+          <p:nvPr>
+            <p:ph type="title"/>
+          </p:nvPr>
+        </p:nvSpPr>
+        <p:spPr/>
+        <p:txBody>
+          <a:bodyPr/>
+          <a:lstStyle/>
+          <a:p>
+            <a:r>
+              <a:rPr lang="zh-CN" altLang="en-US" sz="3200" dirty="0" smtClean="0"/>
+              <a:t>现有的技术可以达到小鸟的需求</a:t>
+            </a:r>
+            <a:endParaRPr lang="zh-CN" altLang="en-US" sz="3200" dirty="0"/>
+          </a:p>
+        </p:txBody>
+      </p:sp>
+      <p:sp>
+        <p:nvSpPr>
+          <p:cNvPr id="109571" name="Rectangle 3"/>
+          <p:cNvSpPr>
+            <a:spLocks noGrp="1" noChangeArrowheads="1"/>
+          </p:cNvSpPr>
+          <p:nvPr>
+            <p:ph idx="1"/>
+          </p:nvPr>
+        </p:nvSpPr>
+        <p:spPr/>
+        <p:txBody>
+          <a:bodyPr>
+            <a:normAutofit fontScale="77500" lnSpcReduction="20000"/>
+          </a:bodyPr>
+          <a:lstStyle/>
+          <a:p>
+            <a:r>
+              <a:rPr lang="zh-CN" altLang="en-US" dirty="0"/>
+              <a:t>很多游戏开发平台都有相应的物理引擎</a:t>
+            </a:r>
+          </a:p>
+          <a:p>
+            <a:r>
+              <a:rPr lang="zh-CN" altLang="en-US" dirty="0"/>
+              <a:t>比如</a:t>
+            </a:r>
+            <a:r>
+              <a:rPr lang="en-US" altLang="zh-CN" dirty="0"/>
+              <a:t>Flash</a:t>
+            </a:r>
+            <a:r>
+              <a:rPr lang="zh-CN" altLang="en-US" dirty="0"/>
+              <a:t>中有很多物理引擎</a:t>
+            </a:r>
+          </a:p>
+          <a:p>
+            <a:pPr lvl="1"/>
+            <a:r>
+              <a:rPr lang="zh-CN" altLang="en-US" dirty="0" smtClean="0">
+                <a:hlinkClick r:id="rId3" action="ppaction://hlinkfile"/>
+              </a:rPr>
+              <a:t>相关资料</a:t>
+            </a:r>
+            <a:r>
+              <a:rPr lang="en-US" altLang="zh-CN" dirty="0" smtClean="0">
+                <a:hlinkClick r:id="rId3" action="ppaction://hlinkfile"/>
+              </a:rPr>
+              <a:t>\</a:t>
+            </a:r>
+            <a:r>
+              <a:rPr lang="zh-CN" altLang="en-US" dirty="0" smtClean="0">
+                <a:hlinkClick r:id="rId3" action="ppaction://hlinkfile"/>
+              </a:rPr>
+              <a:t>参考资料</a:t>
+            </a:r>
+            <a:r>
+              <a:rPr lang="en-US" altLang="zh-CN" dirty="0" smtClean="0">
+                <a:hlinkClick r:id="rId3" action="ppaction://hlinkfile"/>
+              </a:rPr>
+              <a:t>\Box2D\HelloWorld.swf</a:t>
+            </a:r>
+            <a:endParaRPr lang="en-US" altLang="zh-CN" dirty="0"/>
+          </a:p>
+          <a:p>
+            <a:pPr lvl="1"/>
+            <a:r>
+              <a:rPr lang="zh-CN" altLang="en-US" dirty="0" smtClean="0">
+                <a:hlinkClick r:id="rId4" action="ppaction://hlinkfile"/>
+              </a:rPr>
+              <a:t>相关资料</a:t>
+            </a:r>
+            <a:r>
+              <a:rPr lang="en-US" altLang="zh-CN" dirty="0" smtClean="0">
+                <a:hlinkClick r:id="rId4" action="ppaction://hlinkfile"/>
+              </a:rPr>
+              <a:t>\</a:t>
+            </a:r>
+            <a:r>
+              <a:rPr lang="zh-CN" altLang="en-US" dirty="0" smtClean="0">
+                <a:hlinkClick r:id="rId4" action="ppaction://hlinkfile"/>
+              </a:rPr>
+              <a:t>参考资料</a:t>
+            </a:r>
+            <a:r>
+              <a:rPr lang="en-US" altLang="zh-CN" dirty="0" smtClean="0">
+                <a:hlinkClick r:id="rId4" action="ppaction://hlinkfile"/>
+              </a:rPr>
+              <a:t>\Box2D\PhysTest.swf</a:t>
+            </a:r>
+            <a:endParaRPr lang="en-US" altLang="zh-CN" dirty="0" smtClean="0"/>
+          </a:p>
+          <a:p>
+            <a:r>
+              <a:rPr lang="zh-CN" altLang="en-US" dirty="0" smtClean="0"/>
+              <a:t>其他引擎演示</a:t>
+            </a:r>
+            <a:endParaRPr lang="en-US" altLang="zh-CN" dirty="0" smtClean="0"/>
+          </a:p>
+          <a:p>
+            <a:pPr lvl="1"/>
+            <a:r>
+              <a:rPr lang="en-US" altLang="zh-CN" dirty="0" smtClean="0">
+                <a:hlinkClick r:id="rId5" action="ppaction://hlinkfile"/>
+              </a:rPr>
+              <a:t>.\</a:t>
+            </a:r>
+            <a:r>
+              <a:rPr lang="zh-CN" altLang="en-US" dirty="0" smtClean="0">
+                <a:hlinkClick r:id="rId5" action="ppaction://hlinkfile"/>
+              </a:rPr>
+              <a:t>相关资料</a:t>
+            </a:r>
+            <a:r>
+              <a:rPr lang="en-US" altLang="zh-CN" dirty="0" smtClean="0">
+                <a:hlinkClick r:id="rId5" action="ppaction://hlinkfile"/>
+              </a:rPr>
+              <a:t>\2D</a:t>
+            </a:r>
+            <a:r>
+              <a:rPr lang="zh-CN" altLang="en-US" dirty="0" smtClean="0">
+                <a:hlinkClick r:id="rId5" action="ppaction://hlinkfile"/>
+              </a:rPr>
+              <a:t>物理引擎</a:t>
+            </a:r>
+            <a:r>
+              <a:rPr lang="en-US" altLang="zh-CN" dirty="0" smtClean="0">
+                <a:hlinkClick r:id="rId5" action="ppaction://hlinkfile"/>
+              </a:rPr>
+              <a:t>\machine.mov</a:t>
+            </a:r>
+            <a:endParaRPr lang="en-US" altLang="zh-CN" dirty="0" smtClean="0"/>
+          </a:p>
+          <a:p>
+            <a:pPr lvl="1"/>
+            <a:r>
+              <a:rPr lang="en-US" altLang="zh-CN" dirty="0" smtClean="0">
+                <a:hlinkClick r:id="rId6" action="ppaction://hlinkfile"/>
+              </a:rPr>
+              <a:t>..\2D</a:t>
+            </a:r>
+            <a:r>
+              <a:rPr lang="zh-CN" altLang="en-US" dirty="0" smtClean="0">
+                <a:hlinkClick r:id="rId6" action="ppaction://hlinkfile"/>
+              </a:rPr>
+              <a:t>物理引擎</a:t>
+            </a:r>
+            <a:r>
+              <a:rPr lang="en-US" altLang="zh-CN" dirty="0" smtClean="0">
+                <a:hlinkClick r:id="rId6" action="ppaction://hlinkfile"/>
+              </a:rPr>
+              <a:t>\pyramid.mov</a:t>
+            </a:r>
+            <a:endParaRPr lang="en-US" altLang="zh-CN" dirty="0" smtClean="0"/>
+          </a:p>
+          <a:p>
+            <a:pPr lvl="1"/>
+            <a:r>
+              <a:rPr lang="en-US" altLang="zh-CN" dirty="0" smtClean="0">
+                <a:hlinkClick r:id="rId7" action="ppaction://hlinkfile"/>
+              </a:rPr>
+              <a:t>..\2D</a:t>
+            </a:r>
+            <a:r>
+              <a:rPr lang="zh-CN" altLang="en-US" dirty="0" smtClean="0">
+                <a:hlinkClick r:id="rId7" action="ppaction://hlinkfile"/>
+              </a:rPr>
+              <a:t>物理引擎</a:t>
+            </a:r>
+            <a:r>
+              <a:rPr lang="en-US" altLang="zh-CN" dirty="0" smtClean="0">
+                <a:hlinkClick r:id="rId7" action="ppaction://hlinkfile"/>
+              </a:rPr>
+              <a:t>\smash.mov</a:t>
+            </a:r>
+            <a:endParaRPr lang="en-US" altLang="zh-CN" dirty="0" smtClean="0"/>
+          </a:p>
+          <a:p>
+            <a:pPr lvl="1"/>
+            <a:r>
+              <a:rPr lang="en-US" altLang="zh-CN" dirty="0" smtClean="0">
+                <a:hlinkClick r:id="rId8" action="ppaction://hlinkfile"/>
+              </a:rPr>
+              <a:t>..\2D</a:t>
+            </a:r>
+            <a:r>
+              <a:rPr lang="zh-CN" altLang="en-US" dirty="0" smtClean="0">
+                <a:hlinkClick r:id="rId8" action="ppaction://hlinkfile"/>
+              </a:rPr>
+              <a:t>物理引擎</a:t>
+            </a:r>
+            <a:r>
+              <a:rPr lang="en-US" altLang="zh-CN" dirty="0" smtClean="0">
+                <a:hlinkClick r:id="rId8" action="ppaction://hlinkfile"/>
+              </a:rPr>
+              <a:t>\sketches.mov</a:t>
+            </a:r>
+            <a:endParaRPr lang="en-US" altLang="zh-CN" dirty="0" smtClean="0"/>
+          </a:p>
+          <a:p>
+            <a:pPr lvl="1"/>
+            <a:endParaRPr lang="zh-CN" altLang="en-US" dirty="0"/>
+          </a:p>
+        </p:txBody>
+      </p:sp>
+    </p:spTree>
+  </p:cSld>
+  <p:clrMapOvr>
+    <a:masterClrMapping/>
+  </p:clrMapOvr>
+  <p:transition>
+    <p:fade/>
+  </p:transition>
+  <p:timing>
+    <p:tnLst>
+      <p:par>
+        <p:cTn id="1" dur="indefinite" restart="never" nodeType="tmRoot"/>
+      </p:par>
+    </p:tnLst>
+  </p:timing>
+</p:sld>
+</file>
+
+<file path=ppt/slides/slide9.xml><?xml version="1.0" encoding="utf-8"?>
+<p:sld xmlns:a="http://schemas.openxmlformats.org/drawingml/2006/main" xmlns:r="http://schemas.openxmlformats.org/officeDocument/2006/relationships" xmlns:p="http://schemas.openxmlformats.org/presentationml/2006/main">
+  <p:cSld>
+    <p:spTree>
+      <p:nvGrpSpPr>
+        <p:cNvPr id="1" name=""/>
+        <p:cNvGrpSpPr/>
+        <p:nvPr/>
+      </p:nvGrpSpPr>
+      <p:grpSpPr>
+        <a:xfrm>
+          <a:off x="0" y="0"/>
+          <a:ext cx="0" cy="0"/>
+          <a:chOff x="0" y="0"/>
+          <a:chExt cx="0" cy="0"/>
+        </a:xfrm>
+      </p:grpSpPr>
+      <p:sp>
+        <p:nvSpPr>
           <p:cNvPr id="2" name="标题 1"/>
           <p:cNvSpPr>
             <a:spLocks noGrp="1"/>
@@ -42717,104 +42928,6 @@
           </a:ln>
         </p:spPr>
       </p:pic>
-    </p:spTree>
-  </p:cSld>
-  <p:clrMapOvr>
-    <a:masterClrMapping/>
-  </p:clrMapOvr>
-  <p:transition>
-    <p:fade/>
-  </p:transition>
-  <p:timing>
-    <p:tnLst>
-      <p:par>
-        <p:cTn id="1" dur="indefinite" restart="never" nodeType="tmRoot"/>
-      </p:par>
-    </p:tnLst>
-  </p:timing>
-</p:sld>
-</file>
-
-<file path=ppt/slides/slide9.xml><?xml version="1.0" encoding="utf-8"?>
-<p:sld xmlns:a="http://schemas.openxmlformats.org/drawingml/2006/main" xmlns:r="http://schemas.openxmlformats.org/officeDocument/2006/relationships" xmlns:p="http://schemas.openxmlformats.org/presentationml/2006/main">
-  <p:cSld>
-    <p:spTree>
-      <p:nvGrpSpPr>
-        <p:cNvPr id="1" name=""/>
-        <p:cNvGrpSpPr/>
-        <p:nvPr/>
-      </p:nvGrpSpPr>
-      <p:grpSpPr>
-        <a:xfrm>
-          <a:off x="0" y="0"/>
-          <a:ext cx="0" cy="0"/>
-          <a:chOff x="0" y="0"/>
-          <a:chExt cx="0" cy="0"/>
-        </a:xfrm>
-      </p:grpSpPr>
-      <p:sp>
-        <p:nvSpPr>
-          <p:cNvPr id="12290" name="Rectangle 2"/>
-          <p:cNvSpPr>
-            <a:spLocks noGrp="1" noChangeArrowheads="1"/>
-          </p:cNvSpPr>
-          <p:nvPr>
-            <p:ph type="title"/>
-          </p:nvPr>
-        </p:nvSpPr>
-        <p:spPr/>
-        <p:txBody>
-          <a:bodyPr/>
-          <a:lstStyle/>
-          <a:p>
-            <a:r>
-              <a:rPr lang="zh-CN" altLang="en-US" sz="3200" dirty="0" smtClean="0"/>
-              <a:t>更加先进的物理仿真演示</a:t>
-            </a:r>
-            <a:endParaRPr lang="zh-CN" altLang="en-US" sz="3200" dirty="0"/>
-          </a:p>
-        </p:txBody>
-      </p:sp>
-      <p:sp>
-        <p:nvSpPr>
-          <p:cNvPr id="12291" name="Rectangle 3"/>
-          <p:cNvSpPr>
-            <a:spLocks noGrp="1" noChangeArrowheads="1"/>
-          </p:cNvSpPr>
-          <p:nvPr>
-            <p:ph idx="1"/>
-          </p:nvPr>
-        </p:nvSpPr>
-        <p:spPr/>
-        <p:txBody>
-          <a:bodyPr/>
-          <a:lstStyle/>
-          <a:p>
-            <a:endParaRPr lang="en-US" altLang="zh-CN" dirty="0"/>
-          </a:p>
-          <a:p>
-            <a:endParaRPr lang="en-US" altLang="zh-CN" dirty="0"/>
-          </a:p>
-          <a:p>
-            <a:r>
-              <a:rPr lang="en-US" altLang="zh-CN" dirty="0">
-                <a:hlinkClick r:id="rId3"/>
-              </a:rPr>
-              <a:t>https://</a:t>
-            </a:r>
-            <a:r>
-              <a:rPr lang="en-US" altLang="zh-CN" dirty="0" smtClean="0">
-                <a:hlinkClick r:id="rId3"/>
-              </a:rPr>
-              <a:t>www.geforce.com/hardware/technology/physx/videos</a:t>
-            </a:r>
-            <a:endParaRPr lang="en-US" altLang="zh-CN" dirty="0" smtClean="0"/>
-          </a:p>
-          <a:p>
-            <a:endParaRPr lang="en-US" altLang="zh-CN" dirty="0"/>
-          </a:p>
-        </p:txBody>
-      </p:sp>
     </p:spTree>
   </p:cSld>
   <p:clrMapOvr>
@@ -44489,7 +44602,7 @@
   </a:extraClrSchemeLst>
   <a:extLst>
     <a:ext uri="{05A4C25C-085E-4340-85A3-A5531E510DB2}">
-      <thm15:themeFamily xmlns:thm15="http://schemas.microsoft.com/office/thememl/2012/main" xmlns="" name="Theme1" id="{539FA65D-B0A4-45EF-B43A-7F712C353713}" vid="{8DE29F3B-A285-4ACE-98D9-00D0B123460F}"/>
+      <thm15:themeFamily xmlns="" xmlns:thm15="http://schemas.microsoft.com/office/thememl/2012/main" name="Theme1" id="{539FA65D-B0A4-45EF-B43A-7F712C353713}" vid="{8DE29F3B-A285-4ACE-98D9-00D0B123460F}"/>
     </a:ext>
   </a:extLst>
 </a:theme>
